--- a/Présentation Menu Maker.pptx
+++ b/Présentation Menu Maker.pptx
@@ -5,7 +5,7 @@
     <p:sldMasterId id="2147483659" r:id="rId1"/>
   </p:sldMasterIdLst>
   <p:notesMasterIdLst>
-    <p:notesMasterId r:id="rId22"/>
+    <p:notesMasterId r:id="rId19"/>
   </p:notesMasterIdLst>
   <p:sldIdLst>
     <p:sldId id="256" r:id="rId2"/>
@@ -22,22 +22,19 @@
     <p:sldId id="272" r:id="rId13"/>
     <p:sldId id="273" r:id="rId14"/>
     <p:sldId id="262" r:id="rId15"/>
-    <p:sldId id="274" r:id="rId16"/>
-    <p:sldId id="263" r:id="rId17"/>
-    <p:sldId id="278" r:id="rId18"/>
-    <p:sldId id="275" r:id="rId19"/>
-    <p:sldId id="264" r:id="rId20"/>
-    <p:sldId id="265" r:id="rId21"/>
+    <p:sldId id="263" r:id="rId16"/>
+    <p:sldId id="264" r:id="rId17"/>
+    <p:sldId id="265" r:id="rId18"/>
   </p:sldIdLst>
   <p:sldSz cx="9144000" cy="5143500" type="screen16x9"/>
   <p:notesSz cx="6858000" cy="9144000"/>
   <p:embeddedFontLst>
     <p:embeddedFont>
       <p:font typeface="Montserrat" panose="00000500000000000000" pitchFamily="2" charset="0"/>
-      <p:regular r:id="rId23"/>
-      <p:bold r:id="rId24"/>
-      <p:italic r:id="rId25"/>
-      <p:boldItalic r:id="rId26"/>
+      <p:regular r:id="rId20"/>
+      <p:bold r:id="rId21"/>
+      <p:italic r:id="rId22"/>
+      <p:boldItalic r:id="rId23"/>
     </p:embeddedFont>
   </p:embeddedFontLst>
   <p:defaultTextStyle>
@@ -291,8 +288,8 @@
 <file path=ppt/revisionInfo.xml><?xml version="1.0" encoding="utf-8"?>
 <p1510:revInfo xmlns:a="http://schemas.openxmlformats.org/drawingml/2006/main" xmlns:r="http://schemas.openxmlformats.org/officeDocument/2006/relationships" xmlns:p1510="http://schemas.microsoft.com/office/powerpoint/2015/10/main">
   <p1510:revLst>
-    <p1510:client id="{3B4F9258-31B9-4EDB-8342-BA0E276EB308}" v="721" dt="2025-07-06T11:55:46.885"/>
     <p1510:client id="{A502681F-5AA6-4D81-84EF-2C43976C2F72}" v="930" dt="2025-07-06T10:38:55.396"/>
+    <p1510:client id="{EDE6C121-BF7E-47D8-934F-937BEEF58BF7}" v="4" dt="2025-07-06T14:51:24.137"/>
   </p1510:revLst>
 </p1510:revInfo>
 </file>
@@ -1333,7 +1330,7 @@
         </p:nvSpPr>
         <p:spPr>
           <a:xfrm>
-            <a:off x="381000" y="685800"/>
+            <a:off x="381300" y="685800"/>
             <a:ext cx="6096000" cy="3429000"/>
           </a:xfrm>
           <a:custGeom>
@@ -1413,133 +1410,6 @@
   <p:cSld>
     <p:spTree>
       <p:nvGrpSpPr>
-        <p:cNvPr id="1" name="Shape 107">
-          <a:extLst>
-            <a:ext uri="{FF2B5EF4-FFF2-40B4-BE49-F238E27FC236}">
-              <a16:creationId xmlns:a16="http://schemas.microsoft.com/office/drawing/2014/main" id="{9851BF93-8C05-C8ED-5FF4-D5709CC7763C}"/>
-            </a:ext>
-          </a:extLst>
-        </p:cNvPr>
-        <p:cNvGrpSpPr/>
-        <p:nvPr/>
-      </p:nvGrpSpPr>
-      <p:grpSpPr>
-        <a:xfrm>
-          <a:off x="0" y="0"/>
-          <a:ext cx="0" cy="0"/>
-          <a:chOff x="0" y="0"/>
-          <a:chExt cx="0" cy="0"/>
-        </a:xfrm>
-      </p:grpSpPr>
-      <p:sp>
-        <p:nvSpPr>
-          <p:cNvPr id="108" name="Google Shape;108;g218b606cc07_1_8:notes">
-            <a:extLst>
-              <a:ext uri="{FF2B5EF4-FFF2-40B4-BE49-F238E27FC236}">
-                <a16:creationId xmlns:a16="http://schemas.microsoft.com/office/drawing/2014/main" id="{FD27586E-3413-F66D-0595-44386A3CC643}"/>
-              </a:ext>
-            </a:extLst>
-          </p:cNvPr>
-          <p:cNvSpPr>
-            <a:spLocks noGrp="1" noRot="1" noChangeAspect="1"/>
-          </p:cNvSpPr>
-          <p:nvPr>
-            <p:ph type="sldImg" idx="2"/>
-          </p:nvPr>
-        </p:nvSpPr>
-        <p:spPr>
-          <a:xfrm>
-            <a:off x="381000" y="685800"/>
-            <a:ext cx="6096000" cy="3429000"/>
-          </a:xfrm>
-          <a:custGeom>
-            <a:avLst/>
-            <a:gdLst/>
-            <a:ahLst/>
-            <a:cxnLst/>
-            <a:rect l="l" t="t" r="r" b="b"/>
-            <a:pathLst>
-              <a:path w="120000" h="120000" extrusionOk="0">
-                <a:moveTo>
-                  <a:pt x="0" y="0"/>
-                </a:moveTo>
-                <a:lnTo>
-                  <a:pt x="120000" y="0"/>
-                </a:lnTo>
-                <a:lnTo>
-                  <a:pt x="120000" y="120000"/>
-                </a:lnTo>
-                <a:lnTo>
-                  <a:pt x="0" y="120000"/>
-                </a:lnTo>
-                <a:close/>
-              </a:path>
-            </a:pathLst>
-          </a:custGeom>
-        </p:spPr>
-      </p:sp>
-      <p:sp>
-        <p:nvSpPr>
-          <p:cNvPr id="109" name="Google Shape;109;g218b606cc07_1_8:notes">
-            <a:extLst>
-              <a:ext uri="{FF2B5EF4-FFF2-40B4-BE49-F238E27FC236}">
-                <a16:creationId xmlns:a16="http://schemas.microsoft.com/office/drawing/2014/main" id="{6046B31E-B9C6-07A2-DB0A-9A414259E6DB}"/>
-              </a:ext>
-            </a:extLst>
-          </p:cNvPr>
-          <p:cNvSpPr txBox="1">
-            <a:spLocks noGrp="1"/>
-          </p:cNvSpPr>
-          <p:nvPr>
-            <p:ph type="body" idx="1"/>
-          </p:nvPr>
-        </p:nvSpPr>
-        <p:spPr>
-          <a:xfrm>
-            <a:off x="685800" y="4343400"/>
-            <a:ext cx="5486400" cy="4114800"/>
-          </a:xfrm>
-          <a:prstGeom prst="rect">
-            <a:avLst/>
-          </a:prstGeom>
-        </p:spPr>
-        <p:txBody>
-          <a:bodyPr spcFirstLastPara="1" wrap="square" lIns="91425" tIns="91425" rIns="91425" bIns="91425" anchor="t" anchorCtr="0">
-            <a:noAutofit/>
-          </a:bodyPr>
-          <a:lstStyle/>
-          <a:p>
-            <a:pPr marL="0" lvl="0" indent="0" algn="l" rtl="0">
-              <a:spcBef>
-                <a:spcPts val="0"/>
-              </a:spcBef>
-              <a:spcAft>
-                <a:spcPts val="0"/>
-              </a:spcAft>
-              <a:buNone/>
-            </a:pPr>
-            <a:endParaRPr/>
-          </a:p>
-        </p:txBody>
-      </p:sp>
-    </p:spTree>
-    <p:extLst>
-      <p:ext uri="{BB962C8B-B14F-4D97-AF65-F5344CB8AC3E}">
-        <p14:creationId xmlns:p14="http://schemas.microsoft.com/office/powerpoint/2010/main" val="2732043766"/>
-      </p:ext>
-    </p:extLst>
-  </p:cSld>
-  <p:clrMapOvr>
-    <a:masterClrMapping/>
-  </p:clrMapOvr>
-</p:notes>
-</file>
-
-<file path=ppt/notesSlides/notesSlide16.xml><?xml version="1.0" encoding="utf-8"?>
-<p:notes xmlns:a="http://schemas.openxmlformats.org/drawingml/2006/main" xmlns:r="http://schemas.openxmlformats.org/officeDocument/2006/relationships" xmlns:p="http://schemas.openxmlformats.org/presentationml/2006/main" showMasterSp="0" showMasterPhAnim="0">
-  <p:cSld>
-    <p:spTree>
-      <p:nvGrpSpPr>
         <p:cNvPr id="1" name="Shape 107"/>
         <p:cNvGrpSpPr/>
         <p:nvPr/>
@@ -1564,7 +1434,7 @@
         </p:nvSpPr>
         <p:spPr>
           <a:xfrm>
-            <a:off x="381000" y="685800"/>
+            <a:off x="381300" y="685800"/>
             <a:ext cx="6096000" cy="3429000"/>
           </a:xfrm>
           <a:custGeom>
@@ -1639,134 +1509,7 @@
 </p:notes>
 </file>
 
-<file path=ppt/notesSlides/notesSlide17.xml><?xml version="1.0" encoding="utf-8"?>
-<p:notes xmlns:a="http://schemas.openxmlformats.org/drawingml/2006/main" xmlns:r="http://schemas.openxmlformats.org/officeDocument/2006/relationships" xmlns:p="http://schemas.openxmlformats.org/presentationml/2006/main" showMasterSp="0" showMasterPhAnim="0">
-  <p:cSld>
-    <p:spTree>
-      <p:nvGrpSpPr>
-        <p:cNvPr id="1" name="Shape 107">
-          <a:extLst>
-            <a:ext uri="{FF2B5EF4-FFF2-40B4-BE49-F238E27FC236}">
-              <a16:creationId xmlns:a16="http://schemas.microsoft.com/office/drawing/2014/main" id="{F415280E-BBBF-2E6B-D1FE-BC6124BE8C1E}"/>
-            </a:ext>
-          </a:extLst>
-        </p:cNvPr>
-        <p:cNvGrpSpPr/>
-        <p:nvPr/>
-      </p:nvGrpSpPr>
-      <p:grpSpPr>
-        <a:xfrm>
-          <a:off x="0" y="0"/>
-          <a:ext cx="0" cy="0"/>
-          <a:chOff x="0" y="0"/>
-          <a:chExt cx="0" cy="0"/>
-        </a:xfrm>
-      </p:grpSpPr>
-      <p:sp>
-        <p:nvSpPr>
-          <p:cNvPr id="108" name="Google Shape;108;g218b606cc07_1_8:notes">
-            <a:extLst>
-              <a:ext uri="{FF2B5EF4-FFF2-40B4-BE49-F238E27FC236}">
-                <a16:creationId xmlns:a16="http://schemas.microsoft.com/office/drawing/2014/main" id="{543FC7C5-2EEB-D88C-B22C-E9BFE4A5392D}"/>
-              </a:ext>
-            </a:extLst>
-          </p:cNvPr>
-          <p:cNvSpPr>
-            <a:spLocks noGrp="1" noRot="1" noChangeAspect="1"/>
-          </p:cNvSpPr>
-          <p:nvPr>
-            <p:ph type="sldImg" idx="2"/>
-          </p:nvPr>
-        </p:nvSpPr>
-        <p:spPr>
-          <a:xfrm>
-            <a:off x="381000" y="685800"/>
-            <a:ext cx="6096000" cy="3429000"/>
-          </a:xfrm>
-          <a:custGeom>
-            <a:avLst/>
-            <a:gdLst/>
-            <a:ahLst/>
-            <a:cxnLst/>
-            <a:rect l="l" t="t" r="r" b="b"/>
-            <a:pathLst>
-              <a:path w="120000" h="120000" extrusionOk="0">
-                <a:moveTo>
-                  <a:pt x="0" y="0"/>
-                </a:moveTo>
-                <a:lnTo>
-                  <a:pt x="120000" y="0"/>
-                </a:lnTo>
-                <a:lnTo>
-                  <a:pt x="120000" y="120000"/>
-                </a:lnTo>
-                <a:lnTo>
-                  <a:pt x="0" y="120000"/>
-                </a:lnTo>
-                <a:close/>
-              </a:path>
-            </a:pathLst>
-          </a:custGeom>
-        </p:spPr>
-      </p:sp>
-      <p:sp>
-        <p:nvSpPr>
-          <p:cNvPr id="109" name="Google Shape;109;g218b606cc07_1_8:notes">
-            <a:extLst>
-              <a:ext uri="{FF2B5EF4-FFF2-40B4-BE49-F238E27FC236}">
-                <a16:creationId xmlns:a16="http://schemas.microsoft.com/office/drawing/2014/main" id="{C202901E-9237-7410-C918-524B574FC2AE}"/>
-              </a:ext>
-            </a:extLst>
-          </p:cNvPr>
-          <p:cNvSpPr txBox="1">
-            <a:spLocks noGrp="1"/>
-          </p:cNvSpPr>
-          <p:nvPr>
-            <p:ph type="body" idx="1"/>
-          </p:nvPr>
-        </p:nvSpPr>
-        <p:spPr>
-          <a:xfrm>
-            <a:off x="685800" y="4343400"/>
-            <a:ext cx="5486400" cy="4114800"/>
-          </a:xfrm>
-          <a:prstGeom prst="rect">
-            <a:avLst/>
-          </a:prstGeom>
-        </p:spPr>
-        <p:txBody>
-          <a:bodyPr spcFirstLastPara="1" wrap="square" lIns="91425" tIns="91425" rIns="91425" bIns="91425" anchor="t" anchorCtr="0">
-            <a:noAutofit/>
-          </a:bodyPr>
-          <a:lstStyle/>
-          <a:p>
-            <a:pPr marL="0" lvl="0" indent="0" algn="l" rtl="0">
-              <a:spcBef>
-                <a:spcPts val="0"/>
-              </a:spcBef>
-              <a:spcAft>
-                <a:spcPts val="0"/>
-              </a:spcAft>
-              <a:buNone/>
-            </a:pPr>
-            <a:endParaRPr/>
-          </a:p>
-        </p:txBody>
-      </p:sp>
-    </p:spTree>
-    <p:extLst>
-      <p:ext uri="{BB962C8B-B14F-4D97-AF65-F5344CB8AC3E}">
-        <p14:creationId xmlns:p14="http://schemas.microsoft.com/office/powerpoint/2010/main" val="3853902264"/>
-      </p:ext>
-    </p:extLst>
-  </p:cSld>
-  <p:clrMapOvr>
-    <a:masterClrMapping/>
-  </p:clrMapOvr>
-</p:notes>
-</file>
-
-<file path=ppt/notesSlides/notesSlide18.xml><?xml version="1.0" encoding="utf-8"?>
+<file path=ppt/notesSlides/notesSlide16.xml><?xml version="1.0" encoding="utf-8"?>
 <p:notes xmlns:a="http://schemas.openxmlformats.org/drawingml/2006/main" xmlns:r="http://schemas.openxmlformats.org/officeDocument/2006/relationships" xmlns:p="http://schemas.openxmlformats.org/presentationml/2006/main" showMasterSp="0" showMasterPhAnim="0">
   <p:cSld>
     <p:spTree>
@@ -1795,7 +1538,7 @@
         </p:nvSpPr>
         <p:spPr>
           <a:xfrm>
-            <a:off x="381000" y="685800"/>
+            <a:off x="381300" y="685800"/>
             <a:ext cx="6096000" cy="3429000"/>
           </a:xfrm>
           <a:custGeom>
@@ -1870,7 +1613,7 @@
 </p:notes>
 </file>
 
-<file path=ppt/notesSlides/notesSlide19.xml><?xml version="1.0" encoding="utf-8"?>
+<file path=ppt/notesSlides/notesSlide17.xml><?xml version="1.0" encoding="utf-8"?>
 <p:notes xmlns:a="http://schemas.openxmlformats.org/drawingml/2006/main" xmlns:r="http://schemas.openxmlformats.org/officeDocument/2006/relationships" xmlns:p="http://schemas.openxmlformats.org/presentationml/2006/main" showMasterSp="0" showMasterPhAnim="0">
   <p:cSld>
     <p:spTree>
@@ -8388,8 +8131,15 @@
                 <a:cs typeface="Montserrat"/>
                 <a:sym typeface="Montserrat"/>
               </a:rPr>
-              <a:t>Suivi du projet avec le Kanban – 1/2</a:t>
+              <a:t>Suivi du projet avec le Kanban – 1/3</a:t>
             </a:r>
+            <a:br>
+              <a:rPr lang="fr" sz="2000" dirty="0">
+                <a:latin typeface="Montserrat"/>
+                <a:ea typeface="Montserrat"/>
+                <a:cs typeface="Montserrat"/>
+              </a:rPr>
+            </a:br>
             <a:endParaRPr sz="3000" dirty="0">
               <a:latin typeface="Montserrat"/>
               <a:ea typeface="Montserrat"/>
@@ -9439,6 +9189,141 @@
       </p:grpSpPr>
       <p:sp>
         <p:nvSpPr>
+          <p:cNvPr id="101" name="Google Shape;101;p19"/>
+          <p:cNvSpPr txBox="1">
+            <a:spLocks noGrp="1"/>
+          </p:cNvSpPr>
+          <p:nvPr>
+            <p:ph type="title"/>
+          </p:nvPr>
+        </p:nvSpPr>
+        <p:spPr>
+          <a:xfrm>
+            <a:off x="311700" y="445025"/>
+            <a:ext cx="8520600" cy="572700"/>
+          </a:xfrm>
+          <a:prstGeom prst="rect">
+            <a:avLst/>
+          </a:prstGeom>
+        </p:spPr>
+        <p:txBody>
+          <a:bodyPr spcFirstLastPara="1" wrap="square" lIns="91425" tIns="91425" rIns="91425" bIns="91425" anchor="t" anchorCtr="0">
+            <a:normAutofit/>
+          </a:bodyPr>
+          <a:lstStyle/>
+          <a:p>
+            <a:pPr marL="0" lvl="0" indent="0" algn="l" rtl="0">
+              <a:lnSpc>
+                <a:spcPct val="115000"/>
+              </a:lnSpc>
+              <a:spcBef>
+                <a:spcPts val="0"/>
+              </a:spcBef>
+              <a:spcAft>
+                <a:spcPts val="1200"/>
+              </a:spcAft>
+              <a:buNone/>
+            </a:pPr>
+            <a:r>
+              <a:rPr lang="fr" sz="1800">
+                <a:latin typeface="Montserrat"/>
+                <a:ea typeface="Montserrat"/>
+                <a:cs typeface="Montserrat"/>
+                <a:sym typeface="Montserrat"/>
+              </a:rPr>
+              <a:t>Spécifications techniques</a:t>
+            </a:r>
+            <a:endParaRPr sz="1800">
+              <a:solidFill>
+                <a:schemeClr val="dk2"/>
+              </a:solidFill>
+              <a:latin typeface="Montserrat"/>
+              <a:ea typeface="Montserrat"/>
+              <a:cs typeface="Montserrat"/>
+              <a:sym typeface="Montserrat"/>
+            </a:endParaRPr>
+          </a:p>
+        </p:txBody>
+      </p:sp>
+      <p:sp>
+        <p:nvSpPr>
+          <p:cNvPr id="102" name="Google Shape;102;p19"/>
+          <p:cNvSpPr txBox="1">
+            <a:spLocks noGrp="1"/>
+          </p:cNvSpPr>
+          <p:nvPr>
+            <p:ph type="body" idx="1"/>
+          </p:nvPr>
+        </p:nvSpPr>
+        <p:spPr>
+          <a:xfrm>
+            <a:off x="311700" y="1152475"/>
+            <a:ext cx="8520600" cy="3416400"/>
+          </a:xfrm>
+          <a:prstGeom prst="rect">
+            <a:avLst/>
+          </a:prstGeom>
+        </p:spPr>
+        <p:txBody>
+          <a:bodyPr spcFirstLastPara="1" wrap="square" lIns="91425" tIns="91425" rIns="91425" bIns="91425" anchor="t" anchorCtr="0">
+            <a:normAutofit/>
+          </a:bodyPr>
+          <a:lstStyle/>
+          <a:p>
+            <a:pPr marL="0" lvl="0" indent="0" algn="l" rtl="0">
+              <a:spcBef>
+                <a:spcPts val="0"/>
+              </a:spcBef>
+              <a:spcAft>
+                <a:spcPts val="0"/>
+              </a:spcAft>
+              <a:buNone/>
+            </a:pPr>
+            <a:endParaRPr>
+              <a:latin typeface="Montserrat"/>
+              <a:ea typeface="Montserrat"/>
+              <a:cs typeface="Montserrat"/>
+              <a:sym typeface="Montserrat"/>
+            </a:endParaRPr>
+          </a:p>
+          <a:p>
+            <a:pPr marL="0" lvl="0" indent="0" algn="l" rtl="0">
+              <a:spcBef>
+                <a:spcPts val="1200"/>
+              </a:spcBef>
+              <a:spcAft>
+                <a:spcPts val="0"/>
+              </a:spcAft>
+              <a:buNone/>
+            </a:pPr>
+            <a:endParaRPr>
+              <a:latin typeface="Montserrat"/>
+              <a:ea typeface="Montserrat"/>
+              <a:cs typeface="Montserrat"/>
+              <a:sym typeface="Montserrat"/>
+            </a:endParaRPr>
+          </a:p>
+          <a:p>
+            <a:pPr marL="457200" lvl="0" indent="0" algn="l" rtl="0">
+              <a:spcBef>
+                <a:spcPts val="1200"/>
+              </a:spcBef>
+              <a:spcAft>
+                <a:spcPts val="1200"/>
+              </a:spcAft>
+              <a:buNone/>
+            </a:pPr>
+            <a:endParaRPr>
+              <a:latin typeface="Montserrat"/>
+              <a:ea typeface="Montserrat"/>
+              <a:cs typeface="Montserrat"/>
+              <a:sym typeface="Montserrat"/>
+            </a:endParaRPr>
+          </a:p>
+        </p:txBody>
+      </p:sp>
+      <p:sp>
+        <p:nvSpPr>
           <p:cNvPr id="103" name="Google Shape;103;p19"/>
           <p:cNvSpPr txBox="1"/>
           <p:nvPr/>
@@ -9487,6 +9372,188 @@
               <a:t>Présentation de l’usage du no-code</a:t>
             </a:r>
             <a:endParaRPr sz="1000"/>
+          </a:p>
+        </p:txBody>
+      </p:sp>
+      <p:sp>
+        <p:nvSpPr>
+          <p:cNvPr id="104" name="Google Shape;104;p19"/>
+          <p:cNvSpPr txBox="1"/>
+          <p:nvPr/>
+        </p:nvSpPr>
+        <p:spPr>
+          <a:xfrm>
+            <a:off x="434775" y="1085525"/>
+            <a:ext cx="8320500" cy="2151900"/>
+          </a:xfrm>
+          <a:prstGeom prst="rect">
+            <a:avLst/>
+          </a:prstGeom>
+          <a:noFill/>
+          <a:ln>
+            <a:noFill/>
+          </a:ln>
+        </p:spPr>
+        <p:txBody>
+          <a:bodyPr spcFirstLastPara="1" wrap="square" lIns="91425" tIns="91425" rIns="91425" bIns="91425" anchor="t" anchorCtr="0">
+            <a:spAutoFit/>
+          </a:bodyPr>
+          <a:lstStyle/>
+          <a:p>
+            <a:pPr marL="457200" lvl="0" indent="-323850" algn="l" rtl="0">
+              <a:lnSpc>
+                <a:spcPct val="150000"/>
+              </a:lnSpc>
+              <a:spcBef>
+                <a:spcPts val="0"/>
+              </a:spcBef>
+              <a:spcAft>
+                <a:spcPts val="0"/>
+              </a:spcAft>
+              <a:buClr>
+                <a:srgbClr val="0D0D0D"/>
+              </a:buClr>
+              <a:buSzPts val="1500"/>
+              <a:buFont typeface="Montserrat"/>
+              <a:buChar char="●"/>
+            </a:pPr>
+            <a:r>
+              <a:rPr lang="fr" sz="1500">
+                <a:solidFill>
+                  <a:srgbClr val="0D0D0D"/>
+                </a:solidFill>
+                <a:highlight>
+                  <a:srgbClr val="FFFFFF"/>
+                </a:highlight>
+                <a:latin typeface="Montserrat"/>
+                <a:ea typeface="Montserrat"/>
+                <a:cs typeface="Montserrat"/>
+                <a:sym typeface="Montserrat"/>
+              </a:rPr>
+              <a:t>Liste des principales spécifications techniques.</a:t>
+            </a:r>
+            <a:endParaRPr sz="1500">
+              <a:solidFill>
+                <a:srgbClr val="0D0D0D"/>
+              </a:solidFill>
+              <a:highlight>
+                <a:srgbClr val="FFFFFF"/>
+              </a:highlight>
+              <a:latin typeface="Montserrat"/>
+              <a:ea typeface="Montserrat"/>
+              <a:cs typeface="Montserrat"/>
+              <a:sym typeface="Montserrat"/>
+            </a:endParaRPr>
+          </a:p>
+          <a:p>
+            <a:pPr marL="457200" lvl="0" indent="-323850" algn="l" rtl="0">
+              <a:lnSpc>
+                <a:spcPct val="150000"/>
+              </a:lnSpc>
+              <a:spcBef>
+                <a:spcPts val="0"/>
+              </a:spcBef>
+              <a:spcAft>
+                <a:spcPts val="0"/>
+              </a:spcAft>
+              <a:buClr>
+                <a:srgbClr val="0D0D0D"/>
+              </a:buClr>
+              <a:buSzPts val="1500"/>
+              <a:buFont typeface="Montserrat"/>
+              <a:buChar char="●"/>
+            </a:pPr>
+            <a:r>
+              <a:rPr lang="fr" sz="1500">
+                <a:solidFill>
+                  <a:srgbClr val="0D0D0D"/>
+                </a:solidFill>
+                <a:highlight>
+                  <a:srgbClr val="FFFFFF"/>
+                </a:highlight>
+                <a:latin typeface="Montserrat"/>
+                <a:ea typeface="Montserrat"/>
+                <a:cs typeface="Montserrat"/>
+                <a:sym typeface="Montserrat"/>
+              </a:rPr>
+              <a:t>Choix d'une spécification technique clé à vulgariser.</a:t>
+            </a:r>
+            <a:br>
+              <a:rPr lang="fr" sz="1500">
+                <a:solidFill>
+                  <a:srgbClr val="0D0D0D"/>
+                </a:solidFill>
+                <a:highlight>
+                  <a:srgbClr val="FFFFFF"/>
+                </a:highlight>
+                <a:latin typeface="Montserrat"/>
+                <a:ea typeface="Montserrat"/>
+                <a:cs typeface="Montserrat"/>
+                <a:sym typeface="Montserrat"/>
+              </a:rPr>
+            </a:br>
+            <a:r>
+              <a:rPr lang="fr" sz="1500">
+                <a:solidFill>
+                  <a:srgbClr val="0D0D0D"/>
+                </a:solidFill>
+                <a:highlight>
+                  <a:srgbClr val="FFFFFF"/>
+                </a:highlight>
+                <a:latin typeface="Montserrat"/>
+                <a:ea typeface="Montserrat"/>
+                <a:cs typeface="Montserrat"/>
+                <a:sym typeface="Montserrat"/>
+              </a:rPr>
+              <a:t>-&gt; Présentation de cette spécification via un schéma explicatif, un diagramme ou un dessin.</a:t>
+            </a:r>
+            <a:endParaRPr sz="1500">
+              <a:solidFill>
+                <a:srgbClr val="0D0D0D"/>
+              </a:solidFill>
+              <a:highlight>
+                <a:srgbClr val="FFFFFF"/>
+              </a:highlight>
+              <a:latin typeface="Montserrat"/>
+              <a:ea typeface="Montserrat"/>
+              <a:cs typeface="Montserrat"/>
+              <a:sym typeface="Montserrat"/>
+            </a:endParaRPr>
+          </a:p>
+          <a:p>
+            <a:pPr marL="0" lvl="0" indent="0" algn="l" rtl="0">
+              <a:lnSpc>
+                <a:spcPct val="115000"/>
+              </a:lnSpc>
+              <a:spcBef>
+                <a:spcPts val="0"/>
+              </a:spcBef>
+              <a:spcAft>
+                <a:spcPts val="0"/>
+              </a:spcAft>
+              <a:buNone/>
+            </a:pPr>
+            <a:endParaRPr sz="1200" i="1">
+              <a:solidFill>
+                <a:schemeClr val="dk1"/>
+              </a:solidFill>
+              <a:latin typeface="Montserrat"/>
+              <a:ea typeface="Montserrat"/>
+              <a:cs typeface="Montserrat"/>
+              <a:sym typeface="Montserrat"/>
+            </a:endParaRPr>
+          </a:p>
+          <a:p>
+            <a:pPr marL="0" lvl="0" indent="0" algn="l" rtl="0">
+              <a:spcBef>
+                <a:spcPts val="1200"/>
+              </a:spcBef>
+              <a:spcAft>
+                <a:spcPts val="0"/>
+              </a:spcAft>
+              <a:buNone/>
+            </a:pPr>
+            <a:endParaRPr/>
           </a:p>
         </p:txBody>
       </p:sp>
@@ -9564,1122 +9631,6 @@
           </a:ln>
         </p:spPr>
       </p:pic>
-      <p:graphicFrame>
-        <p:nvGraphicFramePr>
-          <p:cNvPr id="2" name="Tableau 1">
-            <a:extLst>
-              <a:ext uri="{FF2B5EF4-FFF2-40B4-BE49-F238E27FC236}">
-                <a16:creationId xmlns:a16="http://schemas.microsoft.com/office/drawing/2014/main" id="{583D763A-29EC-73ED-3822-A8DF136FB1F9}"/>
-              </a:ext>
-            </a:extLst>
-          </p:cNvPr>
-          <p:cNvGraphicFramePr>
-            <a:graphicFrameLocks noGrp="1"/>
-          </p:cNvGraphicFramePr>
-          <p:nvPr>
-            <p:extLst>
-              <p:ext uri="{D42A27DB-BD31-4B8C-83A1-F6EECF244321}">
-                <p14:modId xmlns:p14="http://schemas.microsoft.com/office/powerpoint/2010/main" val="389879617"/>
-              </p:ext>
-            </p:extLst>
-          </p:nvPr>
-        </p:nvGraphicFramePr>
-        <p:xfrm>
-          <a:off x="9218" y="341056"/>
-          <a:ext cx="9145340" cy="5664486"/>
-        </p:xfrm>
-        <a:graphic>
-          <a:graphicData uri="http://schemas.openxmlformats.org/drawingml/2006/table">
-            <a:tbl>
-              <a:tblPr firstRow="1" bandRow="1">
-                <a:tableStyleId>{5C22544A-7EE6-4342-B048-85BDC9FD1C3A}</a:tableStyleId>
-              </a:tblPr>
-              <a:tblGrid>
-                <a:gridCol w="2286335">
-                  <a:extLst>
-                    <a:ext uri="{9D8B030D-6E8A-4147-A177-3AD203B41FA5}">
-                      <a16:colId xmlns:a16="http://schemas.microsoft.com/office/drawing/2014/main" val="1625307677"/>
-                    </a:ext>
-                  </a:extLst>
-                </a:gridCol>
-                <a:gridCol w="2286335">
-                  <a:extLst>
-                    <a:ext uri="{9D8B030D-6E8A-4147-A177-3AD203B41FA5}">
-                      <a16:colId xmlns:a16="http://schemas.microsoft.com/office/drawing/2014/main" val="3711214532"/>
-                    </a:ext>
-                  </a:extLst>
-                </a:gridCol>
-                <a:gridCol w="2286335">
-                  <a:extLst>
-                    <a:ext uri="{9D8B030D-6E8A-4147-A177-3AD203B41FA5}">
-                      <a16:colId xmlns:a16="http://schemas.microsoft.com/office/drawing/2014/main" val="2412130098"/>
-                    </a:ext>
-                  </a:extLst>
-                </a:gridCol>
-                <a:gridCol w="2286335">
-                  <a:extLst>
-                    <a:ext uri="{9D8B030D-6E8A-4147-A177-3AD203B41FA5}">
-                      <a16:colId xmlns:a16="http://schemas.microsoft.com/office/drawing/2014/main" val="3429140577"/>
-                    </a:ext>
-                  </a:extLst>
-                </a:gridCol>
-              </a:tblGrid>
-              <a:tr h="543846">
-                <a:tc>
-                  <a:txBody>
-                    <a:bodyPr/>
-                    <a:lstStyle/>
-                    <a:p>
-                      <a:pPr lvl="0" algn="ctr">
-                        <a:lnSpc>
-                          <a:spcPct val="100000"/>
-                        </a:lnSpc>
-                        <a:spcBef>
-                          <a:spcPts val="0"/>
-                        </a:spcBef>
-                        <a:spcAft>
-                          <a:spcPts val="0"/>
-                        </a:spcAft>
-                        <a:buNone/>
-                      </a:pPr>
-                      <a:r>
-                        <a:rPr lang="fr-FR" b="1" dirty="0"/>
-                        <a:t>Fonctionnalité</a:t>
-                      </a:r>
-                      <a:endParaRPr lang="fr-FR" dirty="0"/>
-                    </a:p>
-                  </a:txBody>
-                  <a:tcPr/>
-                </a:tc>
-                <a:tc>
-                  <a:txBody>
-                    <a:bodyPr/>
-                    <a:lstStyle/>
-                    <a:p>
-                      <a:pPr lvl="0" algn="ctr">
-                        <a:lnSpc>
-                          <a:spcPct val="100000"/>
-                        </a:lnSpc>
-                        <a:spcBef>
-                          <a:spcPts val="0"/>
-                        </a:spcBef>
-                        <a:spcAft>
-                          <a:spcPts val="0"/>
-                        </a:spcAft>
-                        <a:buNone/>
-                      </a:pPr>
-                      <a:r>
-                        <a:rPr lang="fr-FR" b="1" dirty="0"/>
-                        <a:t>Contraintes principales</a:t>
-                      </a:r>
-                      <a:endParaRPr lang="fr-FR" dirty="0"/>
-                    </a:p>
-                  </a:txBody>
-                  <a:tcPr/>
-                </a:tc>
-                <a:tc>
-                  <a:txBody>
-                    <a:bodyPr/>
-                    <a:lstStyle/>
-                    <a:p>
-                      <a:pPr lvl="0" algn="ctr">
-                        <a:lnSpc>
-                          <a:spcPct val="100000"/>
-                        </a:lnSpc>
-                        <a:spcBef>
-                          <a:spcPts val="0"/>
-                        </a:spcBef>
-                        <a:spcAft>
-                          <a:spcPts val="0"/>
-                        </a:spcAft>
-                        <a:buNone/>
-                      </a:pPr>
-                      <a:r>
-                        <a:rPr lang="fr-FR" b="1" dirty="0"/>
-                        <a:t>Solution technique</a:t>
-                      </a:r>
-                      <a:endParaRPr lang="fr-FR" dirty="0"/>
-                    </a:p>
-                  </a:txBody>
-                  <a:tcPr/>
-                </a:tc>
-                <a:tc>
-                  <a:txBody>
-                    <a:bodyPr/>
-                    <a:lstStyle/>
-                    <a:p>
-                      <a:pPr lvl="0" algn="ctr">
-                        <a:lnSpc>
-                          <a:spcPct val="100000"/>
-                        </a:lnSpc>
-                        <a:spcBef>
-                          <a:spcPts val="0"/>
-                        </a:spcBef>
-                        <a:spcAft>
-                          <a:spcPts val="0"/>
-                        </a:spcAft>
-                        <a:buNone/>
-                      </a:pPr>
-                      <a:r>
-                        <a:rPr lang="fr-FR" b="1" dirty="0"/>
-                        <a:t>Description technique </a:t>
-                      </a:r>
-                      <a:endParaRPr lang="fr-FR" dirty="0"/>
-                    </a:p>
-                    <a:p>
-                      <a:pPr lvl="0">
-                        <a:buNone/>
-                      </a:pPr>
-                      <a:endParaRPr lang="fr-FR" dirty="0"/>
-                    </a:p>
-                  </a:txBody>
-                  <a:tcPr/>
-                </a:tc>
-                <a:extLst>
-                  <a:ext uri="{0D108BD9-81ED-4DB2-BD59-A6C34878D82A}">
-                    <a16:rowId xmlns:a16="http://schemas.microsoft.com/office/drawing/2014/main" val="3167845993"/>
-                  </a:ext>
-                </a:extLst>
-              </a:tr>
-              <a:tr h="469442">
-                <a:tc>
-                  <a:txBody>
-                    <a:bodyPr/>
-                    <a:lstStyle/>
-                    <a:p>
-                      <a:pPr lvl="0" algn="l">
-                        <a:lnSpc>
-                          <a:spcPct val="100000"/>
-                        </a:lnSpc>
-                        <a:spcBef>
-                          <a:spcPts val="0"/>
-                        </a:spcBef>
-                        <a:spcAft>
-                          <a:spcPts val="0"/>
-                        </a:spcAft>
-                        <a:buNone/>
-                      </a:pPr>
-                      <a:r>
-                        <a:rPr lang="fr-FR" b="1" dirty="0"/>
-                        <a:t>Landing non connectée</a:t>
-                      </a:r>
-                      <a:endParaRPr lang="fr-FR" dirty="0"/>
-                    </a:p>
-                  </a:txBody>
-                  <a:tcPr/>
-                </a:tc>
-                <a:tc>
-                  <a:txBody>
-                    <a:bodyPr/>
-                    <a:lstStyle/>
-                    <a:p>
-                      <a:pPr lvl="0" algn="l">
-                        <a:lnSpc>
-                          <a:spcPct val="100000"/>
-                        </a:lnSpc>
-                        <a:spcBef>
-                          <a:spcPts val="0"/>
-                        </a:spcBef>
-                        <a:spcAft>
-                          <a:spcPts val="0"/>
-                        </a:spcAft>
-                        <a:buNone/>
-                      </a:pPr>
-                      <a:r>
-                        <a:rPr lang="fr-FR" dirty="0"/>
-                        <a:t>Rapidité, aucun temps de chargement visible</a:t>
-                      </a:r>
-                    </a:p>
-                  </a:txBody>
-                  <a:tcPr/>
-                </a:tc>
-                <a:tc>
-                  <a:txBody>
-                    <a:bodyPr/>
-                    <a:lstStyle/>
-                    <a:p>
-                      <a:pPr lvl="0" algn="l">
-                        <a:lnSpc>
-                          <a:spcPct val="100000"/>
-                        </a:lnSpc>
-                        <a:spcBef>
-                          <a:spcPts val="0"/>
-                        </a:spcBef>
-                        <a:spcAft>
-                          <a:spcPts val="0"/>
-                        </a:spcAft>
-                        <a:buNone/>
-                      </a:pPr>
-                      <a:r>
-                        <a:rPr lang="fr-FR" dirty="0" err="1"/>
-                        <a:t>React</a:t>
-                      </a:r>
-                      <a:r>
-                        <a:rPr lang="fr-FR" dirty="0"/>
-                        <a:t>, </a:t>
-                      </a:r>
-                      <a:r>
-                        <a:rPr lang="fr-FR" dirty="0" err="1"/>
-                        <a:t>React</a:t>
-                      </a:r>
-                      <a:r>
-                        <a:rPr lang="fr-FR" dirty="0"/>
-                        <a:t> Router, </a:t>
-                      </a:r>
-                      <a:r>
-                        <a:rPr lang="fr-FR" dirty="0" err="1"/>
-                        <a:t>Tailwind</a:t>
-                      </a:r>
-                      <a:endParaRPr lang="fr-FR"/>
-                    </a:p>
-                    <a:p>
-                      <a:pPr lvl="0">
-                        <a:buNone/>
-                      </a:pPr>
-                      <a:endParaRPr lang="fr-FR" dirty="0"/>
-                    </a:p>
-                  </a:txBody>
-                  <a:tcPr/>
-                </a:tc>
-                <a:tc>
-                  <a:txBody>
-                    <a:bodyPr/>
-                    <a:lstStyle/>
-                    <a:p>
-                      <a:pPr lvl="0" algn="l">
-                        <a:lnSpc>
-                          <a:spcPct val="100000"/>
-                        </a:lnSpc>
-                        <a:spcBef>
-                          <a:spcPts val="0"/>
-                        </a:spcBef>
-                        <a:spcAft>
-                          <a:spcPts val="0"/>
-                        </a:spcAft>
-                        <a:buNone/>
-                      </a:pPr>
-                      <a:r>
-                        <a:rPr lang="fr-FR" dirty="0"/>
-                        <a:t>Composants </a:t>
-                      </a:r>
-                      <a:r>
-                        <a:rPr lang="fr-FR" dirty="0" err="1"/>
-                        <a:t>React</a:t>
-                      </a:r>
-                      <a:r>
-                        <a:rPr lang="fr-FR" dirty="0"/>
-                        <a:t> côté client, navigation instantanée</a:t>
-                      </a:r>
-                    </a:p>
-                  </a:txBody>
-                  <a:tcPr/>
-                </a:tc>
-                <a:extLst>
-                  <a:ext uri="{0D108BD9-81ED-4DB2-BD59-A6C34878D82A}">
-                    <a16:rowId xmlns:a16="http://schemas.microsoft.com/office/drawing/2014/main" val="2915365920"/>
-                  </a:ext>
-                </a:extLst>
-              </a:tr>
-              <a:tr h="536505">
-                <a:tc>
-                  <a:txBody>
-                    <a:bodyPr/>
-                    <a:lstStyle/>
-                    <a:p>
-                      <a:pPr lvl="0" algn="l">
-                        <a:lnSpc>
-                          <a:spcPct val="100000"/>
-                        </a:lnSpc>
-                        <a:spcBef>
-                          <a:spcPts val="0"/>
-                        </a:spcBef>
-                        <a:spcAft>
-                          <a:spcPts val="0"/>
-                        </a:spcAft>
-                        <a:buNone/>
-                      </a:pPr>
-                      <a:r>
-                        <a:rPr lang="fr-FR" b="1" dirty="0"/>
-                        <a:t>Page de login</a:t>
-                      </a:r>
-                      <a:endParaRPr lang="fr-FR" dirty="0"/>
-                    </a:p>
-                    <a:p>
-                      <a:pPr lvl="0">
-                        <a:buNone/>
-                      </a:pPr>
-                      <a:endParaRPr lang="fr-FR" dirty="0"/>
-                    </a:p>
-                  </a:txBody>
-                  <a:tcPr/>
-                </a:tc>
-                <a:tc>
-                  <a:txBody>
-                    <a:bodyPr/>
-                    <a:lstStyle/>
-                    <a:p>
-                      <a:pPr lvl="0" algn="l">
-                        <a:lnSpc>
-                          <a:spcPct val="100000"/>
-                        </a:lnSpc>
-                        <a:spcBef>
-                          <a:spcPts val="0"/>
-                        </a:spcBef>
-                        <a:spcAft>
-                          <a:spcPts val="0"/>
-                        </a:spcAft>
-                        <a:buNone/>
-                      </a:pPr>
-                      <a:r>
-                        <a:rPr lang="fr-FR" dirty="0"/>
-                        <a:t>Sécurité, aucune gestion de mot de passe</a:t>
-                      </a:r>
-                    </a:p>
-                  </a:txBody>
-                  <a:tcPr/>
-                </a:tc>
-                <a:tc>
-                  <a:txBody>
-                    <a:bodyPr/>
-                    <a:lstStyle/>
-                    <a:p>
-                      <a:pPr lvl="0" algn="l">
-                        <a:lnSpc>
-                          <a:spcPct val="100000"/>
-                        </a:lnSpc>
-                        <a:spcBef>
-                          <a:spcPts val="0"/>
-                        </a:spcBef>
-                        <a:spcAft>
-                          <a:spcPts val="0"/>
-                        </a:spcAft>
-                        <a:buNone/>
-                      </a:pPr>
-                      <a:r>
-                        <a:rPr lang="fr-FR" dirty="0" err="1"/>
-                        <a:t>Firebase</a:t>
-                      </a:r>
-                      <a:r>
-                        <a:rPr lang="fr-FR" dirty="0"/>
-                        <a:t> </a:t>
-                      </a:r>
-                      <a:r>
-                        <a:rPr lang="fr-FR" dirty="0" err="1"/>
-                        <a:t>Auth</a:t>
-                      </a:r>
-                      <a:r>
-                        <a:rPr lang="fr-FR" dirty="0"/>
-                        <a:t>, Magic Link</a:t>
-                      </a:r>
-                    </a:p>
-                    <a:p>
-                      <a:pPr lvl="0">
-                        <a:buNone/>
-                      </a:pPr>
-                      <a:endParaRPr lang="fr-FR" dirty="0"/>
-                    </a:p>
-                  </a:txBody>
-                  <a:tcPr/>
-                </a:tc>
-                <a:tc>
-                  <a:txBody>
-                    <a:bodyPr/>
-                    <a:lstStyle/>
-                    <a:p>
-                      <a:pPr lvl="0" algn="l">
-                        <a:lnSpc>
-                          <a:spcPct val="100000"/>
-                        </a:lnSpc>
-                        <a:spcBef>
-                          <a:spcPts val="0"/>
-                        </a:spcBef>
-                        <a:spcAft>
-                          <a:spcPts val="0"/>
-                        </a:spcAft>
-                        <a:buNone/>
-                      </a:pPr>
-                      <a:r>
-                        <a:rPr lang="fr-FR" dirty="0"/>
-                        <a:t>Authentification par lien envoyé par email, gestion utilisateur externe</a:t>
-                      </a:r>
-                    </a:p>
-                  </a:txBody>
-                  <a:tcPr/>
-                </a:tc>
-                <a:extLst>
-                  <a:ext uri="{0D108BD9-81ED-4DB2-BD59-A6C34878D82A}">
-                    <a16:rowId xmlns:a16="http://schemas.microsoft.com/office/drawing/2014/main" val="4083437801"/>
-                  </a:ext>
-                </a:extLst>
-              </a:tr>
-              <a:tr h="536505">
-                <a:tc>
-                  <a:txBody>
-                    <a:bodyPr/>
-                    <a:lstStyle/>
-                    <a:p>
-                      <a:pPr lvl="0" algn="l">
-                        <a:lnSpc>
-                          <a:spcPct val="100000"/>
-                        </a:lnSpc>
-                        <a:spcBef>
-                          <a:spcPts val="0"/>
-                        </a:spcBef>
-                        <a:spcAft>
-                          <a:spcPts val="0"/>
-                        </a:spcAft>
-                        <a:buNone/>
-                      </a:pPr>
-                      <a:r>
-                        <a:rPr lang="fr-FR" b="1" dirty="0"/>
-                        <a:t>Création de menu</a:t>
-                      </a:r>
-                      <a:endParaRPr lang="fr-FR" dirty="0"/>
-                    </a:p>
-                  </a:txBody>
-                  <a:tcPr/>
-                </a:tc>
-                <a:tc>
-                  <a:txBody>
-                    <a:bodyPr/>
-                    <a:lstStyle/>
-                    <a:p>
-                      <a:pPr lvl="0" algn="l">
-                        <a:lnSpc>
-                          <a:spcPct val="100000"/>
-                        </a:lnSpc>
-                        <a:spcBef>
-                          <a:spcPts val="0"/>
-                        </a:spcBef>
-                        <a:spcAft>
-                          <a:spcPts val="0"/>
-                        </a:spcAft>
-                        <a:buNone/>
-                      </a:pPr>
-                      <a:r>
-                        <a:rPr lang="fr-FR" dirty="0"/>
-                        <a:t>Interface intuitive, responsive, stockage flexible</a:t>
-                      </a:r>
-                    </a:p>
-                  </a:txBody>
-                  <a:tcPr/>
-                </a:tc>
-                <a:tc>
-                  <a:txBody>
-                    <a:bodyPr/>
-                    <a:lstStyle/>
-                    <a:p>
-                      <a:pPr lvl="0" algn="l">
-                        <a:lnSpc>
-                          <a:spcPct val="100000"/>
-                        </a:lnSpc>
-                        <a:spcBef>
-                          <a:spcPts val="0"/>
-                        </a:spcBef>
-                        <a:spcAft>
-                          <a:spcPts val="0"/>
-                        </a:spcAft>
-                        <a:buNone/>
-                      </a:pPr>
-                      <a:r>
-                        <a:rPr lang="fr-FR" dirty="0" err="1"/>
-                        <a:t>React</a:t>
-                      </a:r>
-                      <a:r>
-                        <a:rPr lang="fr-FR" dirty="0"/>
-                        <a:t>, MongoDB, Express, </a:t>
-                      </a:r>
-                      <a:r>
-                        <a:rPr lang="fr-FR" dirty="0" err="1"/>
-                        <a:t>Multer</a:t>
-                      </a:r>
-                    </a:p>
-                  </a:txBody>
-                  <a:tcPr/>
-                </a:tc>
-                <a:tc>
-                  <a:txBody>
-                    <a:bodyPr/>
-                    <a:lstStyle/>
-                    <a:p>
-                      <a:pPr lvl="0" algn="l">
-                        <a:lnSpc>
-                          <a:spcPct val="100000"/>
-                        </a:lnSpc>
-                        <a:spcBef>
-                          <a:spcPts val="0"/>
-                        </a:spcBef>
-                        <a:spcAft>
-                          <a:spcPts val="0"/>
-                        </a:spcAft>
-                        <a:buNone/>
-                      </a:pPr>
-                      <a:r>
-                        <a:rPr lang="fr-FR" dirty="0"/>
-                        <a:t>Modales de création, enregistrement en base, </a:t>
-                      </a:r>
-                      <a:r>
-                        <a:rPr lang="fr-FR" dirty="0" err="1"/>
-                        <a:t>upload</a:t>
-                      </a:r>
-                      <a:r>
-                        <a:rPr lang="fr-FR" dirty="0"/>
-                        <a:t> image</a:t>
-                      </a:r>
-                    </a:p>
-                  </a:txBody>
-                  <a:tcPr/>
-                </a:tc>
-                <a:extLst>
-                  <a:ext uri="{0D108BD9-81ED-4DB2-BD59-A6C34878D82A}">
-                    <a16:rowId xmlns:a16="http://schemas.microsoft.com/office/drawing/2014/main" val="2183477423"/>
-                  </a:ext>
-                </a:extLst>
-              </a:tr>
-              <a:tr h="536505">
-                <a:tc>
-                  <a:txBody>
-                    <a:bodyPr/>
-                    <a:lstStyle/>
-                    <a:p>
-                      <a:pPr lvl="0" algn="l">
-                        <a:lnSpc>
-                          <a:spcPct val="100000"/>
-                        </a:lnSpc>
-                        <a:spcBef>
-                          <a:spcPts val="0"/>
-                        </a:spcBef>
-                        <a:spcAft>
-                          <a:spcPts val="0"/>
-                        </a:spcAft>
-                        <a:buNone/>
-                      </a:pPr>
-                      <a:r>
-                        <a:rPr lang="fr-FR" b="1" dirty="0"/>
-                        <a:t>Export PDF</a:t>
-                      </a:r>
-                      <a:endParaRPr lang="fr-FR" dirty="0"/>
-                    </a:p>
-                    <a:p>
-                      <a:pPr lvl="0">
-                        <a:buNone/>
-                      </a:pPr>
-                      <a:endParaRPr lang="fr-FR" dirty="0"/>
-                    </a:p>
-                  </a:txBody>
-                  <a:tcPr/>
-                </a:tc>
-                <a:tc>
-                  <a:txBody>
-                    <a:bodyPr/>
-                    <a:lstStyle/>
-                    <a:p>
-                      <a:pPr lvl="0" algn="l">
-                        <a:lnSpc>
-                          <a:spcPct val="100000"/>
-                        </a:lnSpc>
-                        <a:spcBef>
-                          <a:spcPts val="0"/>
-                        </a:spcBef>
-                        <a:spcAft>
-                          <a:spcPts val="0"/>
-                        </a:spcAft>
-                        <a:buNone/>
-                      </a:pPr>
-                      <a:r>
-                        <a:rPr lang="fr-FR" dirty="0"/>
-                        <a:t>Fidélité au rendu, rapidité, sans </a:t>
-                      </a:r>
-                      <a:r>
-                        <a:rPr lang="fr-FR" dirty="0" err="1"/>
-                        <a:t>back-end</a:t>
-                      </a:r>
-                    </a:p>
-                    <a:p>
-                      <a:pPr lvl="0">
-                        <a:buNone/>
-                      </a:pPr>
-                      <a:endParaRPr lang="fr-FR" dirty="0"/>
-                    </a:p>
-                  </a:txBody>
-                  <a:tcPr/>
-                </a:tc>
-                <a:tc>
-                  <a:txBody>
-                    <a:bodyPr/>
-                    <a:lstStyle/>
-                    <a:p>
-                      <a:pPr lvl="0" algn="l">
-                        <a:lnSpc>
-                          <a:spcPct val="100000"/>
-                        </a:lnSpc>
-                        <a:spcBef>
-                          <a:spcPts val="0"/>
-                        </a:spcBef>
-                        <a:spcAft>
-                          <a:spcPts val="0"/>
-                        </a:spcAft>
-                        <a:buNone/>
-                      </a:pPr>
-                      <a:r>
-                        <a:rPr lang="fr-FR" dirty="0"/>
-                        <a:t>html2canvas, </a:t>
-                      </a:r>
-                      <a:r>
-                        <a:rPr lang="fr-FR" dirty="0" err="1"/>
-                        <a:t>jsPDF</a:t>
-                      </a:r>
-                    </a:p>
-                    <a:p>
-                      <a:pPr lvl="0">
-                        <a:buNone/>
-                      </a:pPr>
-                      <a:endParaRPr lang="fr-FR" dirty="0"/>
-                    </a:p>
-                  </a:txBody>
-                  <a:tcPr/>
-                </a:tc>
-                <a:tc>
-                  <a:txBody>
-                    <a:bodyPr/>
-                    <a:lstStyle/>
-                    <a:p>
-                      <a:pPr lvl="0" algn="l">
-                        <a:lnSpc>
-                          <a:spcPct val="100000"/>
-                        </a:lnSpc>
-                        <a:spcBef>
-                          <a:spcPts val="0"/>
-                        </a:spcBef>
-                        <a:spcAft>
-                          <a:spcPts val="0"/>
-                        </a:spcAft>
-                        <a:buNone/>
-                      </a:pPr>
-                      <a:r>
-                        <a:rPr lang="fr-FR" dirty="0"/>
-                        <a:t>Capture DOM côté client, génération et téléchargement PDF</a:t>
-                      </a:r>
-                    </a:p>
-                  </a:txBody>
-                  <a:tcPr/>
-                </a:tc>
-                <a:extLst>
-                  <a:ext uri="{0D108BD9-81ED-4DB2-BD59-A6C34878D82A}">
-                    <a16:rowId xmlns:a16="http://schemas.microsoft.com/office/drawing/2014/main" val="2548571256"/>
-                  </a:ext>
-                </a:extLst>
-              </a:tr>
-              <a:tr h="536505">
-                <a:tc>
-                  <a:txBody>
-                    <a:bodyPr/>
-                    <a:lstStyle/>
-                    <a:p>
-                      <a:pPr lvl="0" algn="l">
-                        <a:lnSpc>
-                          <a:spcPct val="100000"/>
-                        </a:lnSpc>
-                        <a:spcBef>
-                          <a:spcPts val="0"/>
-                        </a:spcBef>
-                        <a:spcAft>
-                          <a:spcPts val="0"/>
-                        </a:spcAft>
-                        <a:buNone/>
-                      </a:pPr>
-                      <a:r>
-                        <a:rPr lang="fr-FR" b="1" dirty="0"/>
-                        <a:t>Personnalisation menu</a:t>
-                      </a:r>
-                      <a:endParaRPr lang="fr-FR" dirty="0"/>
-                    </a:p>
-                    <a:p>
-                      <a:pPr lvl="0">
-                        <a:buNone/>
-                      </a:pPr>
-                      <a:endParaRPr lang="fr-FR" dirty="0"/>
-                    </a:p>
-                  </a:txBody>
-                  <a:tcPr/>
-                </a:tc>
-                <a:tc>
-                  <a:txBody>
-                    <a:bodyPr/>
-                    <a:lstStyle/>
-                    <a:p>
-                      <a:pPr lvl="0" algn="l">
-                        <a:lnSpc>
-                          <a:spcPct val="100000"/>
-                        </a:lnSpc>
-                        <a:spcBef>
-                          <a:spcPts val="0"/>
-                        </a:spcBef>
-                        <a:spcAft>
-                          <a:spcPts val="0"/>
-                        </a:spcAft>
-                        <a:buNone/>
-                      </a:pPr>
-                      <a:r>
-                        <a:rPr lang="fr-FR" dirty="0"/>
-                        <a:t>Respect de la charte graphique, live </a:t>
-                      </a:r>
-                      <a:r>
-                        <a:rPr lang="fr-FR" dirty="0" err="1"/>
-                        <a:t>preview</a:t>
-                      </a:r>
-                    </a:p>
-                  </a:txBody>
-                  <a:tcPr/>
-                </a:tc>
-                <a:tc>
-                  <a:txBody>
-                    <a:bodyPr/>
-                    <a:lstStyle/>
-                    <a:p>
-                      <a:pPr lvl="0" algn="l">
-                        <a:lnSpc>
-                          <a:spcPct val="100000"/>
-                        </a:lnSpc>
-                        <a:spcBef>
-                          <a:spcPts val="0"/>
-                        </a:spcBef>
-                        <a:spcAft>
-                          <a:spcPts val="0"/>
-                        </a:spcAft>
-                        <a:buNone/>
-                      </a:pPr>
-                      <a:r>
-                        <a:rPr lang="fr-FR" dirty="0" err="1"/>
-                        <a:t>React</a:t>
-                      </a:r>
-                      <a:r>
-                        <a:rPr lang="fr-FR" dirty="0"/>
-                        <a:t>, </a:t>
-                      </a:r>
-                      <a:r>
-                        <a:rPr lang="fr-FR" dirty="0" err="1"/>
-                        <a:t>Tailwind</a:t>
-                      </a:r>
-                    </a:p>
-                    <a:p>
-                      <a:pPr lvl="0">
-                        <a:buNone/>
-                      </a:pPr>
-                      <a:endParaRPr lang="fr-FR" dirty="0"/>
-                    </a:p>
-                  </a:txBody>
-                  <a:tcPr/>
-                </a:tc>
-                <a:tc>
-                  <a:txBody>
-                    <a:bodyPr/>
-                    <a:lstStyle/>
-                    <a:p>
-                      <a:pPr lvl="0" algn="l">
-                        <a:lnSpc>
-                          <a:spcPct val="100000"/>
-                        </a:lnSpc>
-                        <a:spcBef>
-                          <a:spcPts val="0"/>
-                        </a:spcBef>
-                        <a:spcAft>
-                          <a:spcPts val="0"/>
-                        </a:spcAft>
-                        <a:buNone/>
-                      </a:pPr>
-                      <a:r>
-                        <a:rPr lang="fr-FR" dirty="0"/>
-                        <a:t>Styles générés dynamiquement selon choix utilisateur</a:t>
-                      </a:r>
-                    </a:p>
-                  </a:txBody>
-                  <a:tcPr/>
-                </a:tc>
-                <a:extLst>
-                  <a:ext uri="{0D108BD9-81ED-4DB2-BD59-A6C34878D82A}">
-                    <a16:rowId xmlns:a16="http://schemas.microsoft.com/office/drawing/2014/main" val="359933027"/>
-                  </a:ext>
-                </a:extLst>
-              </a:tr>
-              <a:tr h="536505">
-                <a:tc>
-                  <a:txBody>
-                    <a:bodyPr/>
-                    <a:lstStyle/>
-                    <a:p>
-                      <a:pPr lvl="0" algn="l">
-                        <a:lnSpc>
-                          <a:spcPct val="100000"/>
-                        </a:lnSpc>
-                        <a:spcBef>
-                          <a:spcPts val="0"/>
-                        </a:spcBef>
-                        <a:spcAft>
-                          <a:spcPts val="0"/>
-                        </a:spcAft>
-                        <a:buNone/>
-                      </a:pPr>
-                      <a:r>
-                        <a:rPr lang="fr-FR" b="1" dirty="0"/>
-                        <a:t>Connexion/déconnexion</a:t>
-                      </a:r>
-                      <a:endParaRPr lang="fr-FR" dirty="0"/>
-                    </a:p>
-                    <a:p>
-                      <a:pPr lvl="0">
-                        <a:buNone/>
-                      </a:pPr>
-                      <a:endParaRPr lang="fr-FR" dirty="0"/>
-                    </a:p>
-                  </a:txBody>
-                  <a:tcPr/>
-                </a:tc>
-                <a:tc>
-                  <a:txBody>
-                    <a:bodyPr/>
-                    <a:lstStyle/>
-                    <a:p>
-                      <a:pPr lvl="0" algn="l">
-                        <a:lnSpc>
-                          <a:spcPct val="100000"/>
-                        </a:lnSpc>
-                        <a:spcBef>
-                          <a:spcPts val="0"/>
-                        </a:spcBef>
-                        <a:spcAft>
-                          <a:spcPts val="0"/>
-                        </a:spcAft>
-                        <a:buNone/>
-                      </a:pPr>
-                      <a:r>
-                        <a:rPr lang="fr-FR" dirty="0"/>
-                        <a:t>Sécurité, UX fluide</a:t>
-                      </a:r>
-                    </a:p>
-                    <a:p>
-                      <a:pPr lvl="0">
-                        <a:buNone/>
-                      </a:pPr>
-                      <a:endParaRPr lang="fr-FR" dirty="0"/>
-                    </a:p>
-                  </a:txBody>
-                  <a:tcPr/>
-                </a:tc>
-                <a:tc>
-                  <a:txBody>
-                    <a:bodyPr/>
-                    <a:lstStyle/>
-                    <a:p>
-                      <a:pPr lvl="0" algn="l">
-                        <a:lnSpc>
-                          <a:spcPct val="100000"/>
-                        </a:lnSpc>
-                        <a:spcBef>
-                          <a:spcPts val="0"/>
-                        </a:spcBef>
-                        <a:spcAft>
-                          <a:spcPts val="0"/>
-                        </a:spcAft>
-                        <a:buNone/>
-                      </a:pPr>
-                      <a:r>
-                        <a:rPr lang="fr-FR" dirty="0" err="1"/>
-                        <a:t>Firebase</a:t>
-                      </a:r>
-                      <a:r>
-                        <a:rPr lang="fr-FR" dirty="0"/>
-                        <a:t> </a:t>
-                      </a:r>
-                      <a:r>
-                        <a:rPr lang="fr-FR" dirty="0" err="1"/>
-                        <a:t>Auth</a:t>
-                      </a:r>
-                    </a:p>
-                    <a:p>
-                      <a:pPr lvl="0">
-                        <a:buNone/>
-                      </a:pPr>
-                      <a:endParaRPr lang="fr-FR" dirty="0"/>
-                    </a:p>
-                  </a:txBody>
-                  <a:tcPr/>
-                </a:tc>
-                <a:tc>
-                  <a:txBody>
-                    <a:bodyPr/>
-                    <a:lstStyle/>
-                    <a:p>
-                      <a:pPr lvl="0" algn="l">
-                        <a:lnSpc>
-                          <a:spcPct val="100000"/>
-                        </a:lnSpc>
-                        <a:spcBef>
-                          <a:spcPts val="0"/>
-                        </a:spcBef>
-                        <a:spcAft>
-                          <a:spcPts val="0"/>
-                        </a:spcAft>
-                        <a:buNone/>
-                      </a:pPr>
-                      <a:r>
-                        <a:rPr lang="fr-FR" dirty="0" err="1"/>
-                        <a:t>SignIn</a:t>
-                      </a:r>
-                      <a:r>
-                        <a:rPr lang="fr-FR" dirty="0"/>
-                        <a:t>/</a:t>
-                      </a:r>
-                      <a:r>
-                        <a:rPr lang="fr-FR" dirty="0" err="1"/>
-                        <a:t>SignOut</a:t>
-                      </a:r>
-                      <a:r>
-                        <a:rPr lang="fr-FR" dirty="0"/>
-                        <a:t> via Google, redirections </a:t>
-                      </a:r>
-                      <a:r>
-                        <a:rPr lang="fr-FR" dirty="0" err="1"/>
-                        <a:t>React</a:t>
-                      </a:r>
-                      <a:r>
-                        <a:rPr lang="fr-FR" dirty="0"/>
-                        <a:t> Router</a:t>
-                      </a:r>
-                    </a:p>
-                  </a:txBody>
-                  <a:tcPr/>
-                </a:tc>
-                <a:extLst>
-                  <a:ext uri="{0D108BD9-81ED-4DB2-BD59-A6C34878D82A}">
-                    <a16:rowId xmlns:a16="http://schemas.microsoft.com/office/drawing/2014/main" val="714226097"/>
-                  </a:ext>
-                </a:extLst>
-              </a:tr>
-              <a:tr h="536505">
-                <a:tc>
-                  <a:txBody>
-                    <a:bodyPr/>
-                    <a:lstStyle/>
-                    <a:p>
-                      <a:pPr lvl="0" algn="l">
-                        <a:lnSpc>
-                          <a:spcPct val="100000"/>
-                        </a:lnSpc>
-                        <a:spcBef>
-                          <a:spcPts val="0"/>
-                        </a:spcBef>
-                        <a:spcAft>
-                          <a:spcPts val="0"/>
-                        </a:spcAft>
-                        <a:buNone/>
-                      </a:pPr>
-                      <a:r>
-                        <a:rPr lang="fr-FR" b="1" dirty="0"/>
-                        <a:t>Dashboard</a:t>
-                      </a:r>
-                      <a:endParaRPr lang="fr-FR" dirty="0"/>
-                    </a:p>
-                    <a:p>
-                      <a:pPr lvl="0">
-                        <a:buNone/>
-                      </a:pPr>
-                      <a:endParaRPr lang="fr-FR" dirty="0"/>
-                    </a:p>
-                  </a:txBody>
-                  <a:tcPr/>
-                </a:tc>
-                <a:tc>
-                  <a:txBody>
-                    <a:bodyPr/>
-                    <a:lstStyle/>
-                    <a:p>
-                      <a:pPr lvl="0" algn="l">
-                        <a:lnSpc>
-                          <a:spcPct val="100000"/>
-                        </a:lnSpc>
-                        <a:spcBef>
-                          <a:spcPts val="0"/>
-                        </a:spcBef>
-                        <a:spcAft>
-                          <a:spcPts val="0"/>
-                        </a:spcAft>
-                        <a:buNone/>
-                      </a:pPr>
-                      <a:r>
-                        <a:rPr lang="fr-FR" dirty="0"/>
-                        <a:t>Sécurité, données à jour, centralisation</a:t>
-                      </a:r>
-                    </a:p>
-                  </a:txBody>
-                  <a:tcPr/>
-                </a:tc>
-                <a:tc>
-                  <a:txBody>
-                    <a:bodyPr/>
-                    <a:lstStyle/>
-                    <a:p>
-                      <a:pPr lvl="0" algn="l">
-                        <a:lnSpc>
-                          <a:spcPct val="100000"/>
-                        </a:lnSpc>
-                        <a:spcBef>
-                          <a:spcPts val="0"/>
-                        </a:spcBef>
-                        <a:spcAft>
-                          <a:spcPts val="0"/>
-                        </a:spcAft>
-                        <a:buNone/>
-                      </a:pPr>
-                      <a:r>
-                        <a:rPr lang="fr-FR" dirty="0" err="1"/>
-                        <a:t>React</a:t>
-                      </a:r>
-                      <a:r>
-                        <a:rPr lang="fr-FR" dirty="0"/>
-                        <a:t>, Express, JWT</a:t>
-                      </a:r>
-                    </a:p>
-                    <a:p>
-                      <a:pPr lvl="0">
-                        <a:buNone/>
-                      </a:pPr>
-                      <a:endParaRPr lang="fr-FR" dirty="0"/>
-                    </a:p>
-                  </a:txBody>
-                  <a:tcPr/>
-                </a:tc>
-                <a:tc>
-                  <a:txBody>
-                    <a:bodyPr/>
-                    <a:lstStyle/>
-                    <a:p>
-                      <a:r>
-                        <a:rPr lang="fr-FR" dirty="0"/>
-                        <a:t>Vue unique, </a:t>
-                      </a:r>
-                      <a:r>
-                        <a:rPr lang="fr-FR" dirty="0" err="1"/>
-                        <a:t>accés</a:t>
-                      </a:r>
-                      <a:r>
-                        <a:rPr lang="fr-FR" dirty="0"/>
-                        <a:t> aux données utilisateurs, API sécurisé</a:t>
-                      </a:r>
-                    </a:p>
-                  </a:txBody>
-                  <a:tcPr/>
-                </a:tc>
-                <a:extLst>
-                  <a:ext uri="{0D108BD9-81ED-4DB2-BD59-A6C34878D82A}">
-                    <a16:rowId xmlns:a16="http://schemas.microsoft.com/office/drawing/2014/main" val="348658075"/>
-                  </a:ext>
-                </a:extLst>
-              </a:tr>
-            </a:tbl>
-          </a:graphicData>
-        </a:graphic>
-      </p:graphicFrame>
     </p:spTree>
   </p:cSld>
   <p:clrMapOvr>
@@ -10689,557 +9640,6 @@
 </file>
 
 <file path=ppt/slides/slide15.xml><?xml version="1.0" encoding="utf-8"?>
-<p:sld xmlns:a="http://schemas.openxmlformats.org/drawingml/2006/main" xmlns:r="http://schemas.openxmlformats.org/officeDocument/2006/relationships" xmlns:p="http://schemas.openxmlformats.org/presentationml/2006/main">
-  <p:cSld>
-    <p:spTree>
-      <p:nvGrpSpPr>
-        <p:cNvPr id="1" name="Shape 110">
-          <a:extLst>
-            <a:ext uri="{FF2B5EF4-FFF2-40B4-BE49-F238E27FC236}">
-              <a16:creationId xmlns:a16="http://schemas.microsoft.com/office/drawing/2014/main" id="{6566A5FB-1368-AF73-14F3-D1D837E3CF21}"/>
-            </a:ext>
-          </a:extLst>
-        </p:cNvPr>
-        <p:cNvGrpSpPr/>
-        <p:nvPr/>
-      </p:nvGrpSpPr>
-      <p:grpSpPr>
-        <a:xfrm>
-          <a:off x="0" y="0"/>
-          <a:ext cx="0" cy="0"/>
-          <a:chOff x="0" y="0"/>
-          <a:chExt cx="0" cy="0"/>
-        </a:xfrm>
-      </p:grpSpPr>
-      <p:sp>
-        <p:nvSpPr>
-          <p:cNvPr id="111" name="Google Shape;111;p20">
-            <a:extLst>
-              <a:ext uri="{FF2B5EF4-FFF2-40B4-BE49-F238E27FC236}">
-                <a16:creationId xmlns:a16="http://schemas.microsoft.com/office/drawing/2014/main" id="{3DFD7A2C-4A1E-9291-3EB6-883B5278F563}"/>
-              </a:ext>
-            </a:extLst>
-          </p:cNvPr>
-          <p:cNvSpPr txBox="1">
-            <a:spLocks noGrp="1"/>
-          </p:cNvSpPr>
-          <p:nvPr>
-            <p:ph type="title"/>
-          </p:nvPr>
-        </p:nvSpPr>
-        <p:spPr>
-          <a:xfrm>
-            <a:off x="311700" y="445025"/>
-            <a:ext cx="8520600" cy="572700"/>
-          </a:xfrm>
-          <a:prstGeom prst="rect">
-            <a:avLst/>
-          </a:prstGeom>
-        </p:spPr>
-        <p:txBody>
-          <a:bodyPr spcFirstLastPara="1" wrap="square" lIns="91425" tIns="91425" rIns="91425" bIns="91425" anchor="t" anchorCtr="0">
-            <a:normAutofit fontScale="90000"/>
-          </a:bodyPr>
-          <a:lstStyle/>
-          <a:p>
-            <a:pPr>
-              <a:lnSpc>
-                <a:spcPct val="114999"/>
-              </a:lnSpc>
-              <a:spcAft>
-                <a:spcPts val="1200"/>
-              </a:spcAft>
-            </a:pPr>
-            <a:r>
-              <a:rPr lang="fr" sz="2000" dirty="0">
-                <a:latin typeface="Montserrat"/>
-              </a:rPr>
-              <a:t>Spécifications Techniques - Exemple</a:t>
-            </a:r>
-            <a:endParaRPr lang="fr-FR" sz="2000" dirty="0">
-              <a:solidFill>
-                <a:schemeClr val="dk2"/>
-              </a:solidFill>
-              <a:latin typeface="Montserrat"/>
-            </a:endParaRPr>
-          </a:p>
-        </p:txBody>
-      </p:sp>
-      <p:sp>
-        <p:nvSpPr>
-          <p:cNvPr id="112" name="Google Shape;112;p20">
-            <a:extLst>
-              <a:ext uri="{FF2B5EF4-FFF2-40B4-BE49-F238E27FC236}">
-                <a16:creationId xmlns:a16="http://schemas.microsoft.com/office/drawing/2014/main" id="{85A41EC0-127E-AEC3-E6E6-16A0CDB32330}"/>
-              </a:ext>
-            </a:extLst>
-          </p:cNvPr>
-          <p:cNvSpPr txBox="1">
-            <a:spLocks noGrp="1"/>
-          </p:cNvSpPr>
-          <p:nvPr>
-            <p:ph type="body" idx="1"/>
-          </p:nvPr>
-        </p:nvSpPr>
-        <p:spPr>
-          <a:xfrm>
-            <a:off x="311700" y="875943"/>
-            <a:ext cx="8502165" cy="2761941"/>
-          </a:xfrm>
-          <a:prstGeom prst="rect">
-            <a:avLst/>
-          </a:prstGeom>
-        </p:spPr>
-        <p:txBody>
-          <a:bodyPr spcFirstLastPara="1" wrap="square" lIns="91425" tIns="91425" rIns="91425" bIns="91425" anchor="t" anchorCtr="0">
-            <a:normAutofit fontScale="92500" lnSpcReduction="10000"/>
-          </a:bodyPr>
-          <a:lstStyle/>
-          <a:p>
-            <a:pPr>
-              <a:lnSpc>
-                <a:spcPct val="114999"/>
-              </a:lnSpc>
-              <a:buNone/>
-            </a:pPr>
-            <a:r>
-              <a:rPr lang="fr-FR" sz="1400" b="1" dirty="0">
-                <a:solidFill>
-                  <a:schemeClr val="tx1"/>
-                </a:solidFill>
-                <a:latin typeface="Montserrat"/>
-              </a:rPr>
-              <a:t>Page login - Authentification “Magic Link” (Connexion sans mot de passe)</a:t>
-            </a:r>
-            <a:endParaRPr lang="fr-FR" sz="1400" dirty="0">
-              <a:solidFill>
-                <a:schemeClr val="tx1"/>
-              </a:solidFill>
-              <a:latin typeface="Montserrat"/>
-            </a:endParaRPr>
-          </a:p>
-          <a:p>
-            <a:pPr lvl="0" algn="l">
-              <a:lnSpc>
-                <a:spcPct val="114999"/>
-              </a:lnSpc>
-              <a:spcBef>
-                <a:spcPts val="0"/>
-              </a:spcBef>
-              <a:spcAft>
-                <a:spcPts val="0"/>
-              </a:spcAft>
-              <a:buNone/>
-            </a:pPr>
-            <a:endParaRPr lang="fr-FR" sz="1400" b="1" dirty="0">
-              <a:solidFill>
-                <a:schemeClr val="tx1"/>
-              </a:solidFill>
-              <a:ea typeface="Montserrat"/>
-            </a:endParaRPr>
-          </a:p>
-          <a:p>
-            <a:pPr>
-              <a:lnSpc>
-                <a:spcPct val="114999"/>
-              </a:lnSpc>
-              <a:buNone/>
-            </a:pPr>
-            <a:r>
-              <a:rPr lang="fr-FR" sz="1400" b="1" dirty="0">
-                <a:solidFill>
-                  <a:schemeClr val="tx1"/>
-                </a:solidFill>
-                <a:latin typeface="Montserrat"/>
-              </a:rPr>
-              <a:t>Pourquoi ce choix ?</a:t>
-            </a:r>
-            <a:endParaRPr lang="fr-FR" sz="1400">
-              <a:solidFill>
-                <a:schemeClr val="tx1"/>
-              </a:solidFill>
-              <a:latin typeface="Montserrat"/>
-            </a:endParaRPr>
-          </a:p>
-          <a:p>
-            <a:pPr>
-              <a:lnSpc>
-                <a:spcPct val="114999"/>
-              </a:lnSpc>
-              <a:buFont typeface="Calibri"/>
-              <a:buChar char="-"/>
-            </a:pPr>
-            <a:r>
-              <a:rPr lang="fr-FR" sz="1400" dirty="0">
-                <a:solidFill>
-                  <a:schemeClr val="tx1"/>
-                </a:solidFill>
-                <a:latin typeface="Montserrat"/>
-              </a:rPr>
-              <a:t>Simplifier la connexion et améliorer la sécurité : pas de mot de passe à retenir ou à stocker, moins de risques de piratage ou d’oubli.</a:t>
-            </a:r>
-            <a:endParaRPr lang="fr-FR">
-              <a:solidFill>
-                <a:schemeClr val="tx1"/>
-              </a:solidFill>
-              <a:latin typeface="Montserrat"/>
-            </a:endParaRPr>
-          </a:p>
-          <a:p>
-            <a:pPr lvl="0" algn="l">
-              <a:lnSpc>
-                <a:spcPct val="114999"/>
-              </a:lnSpc>
-              <a:spcAft>
-                <a:spcPts val="0"/>
-              </a:spcAft>
-              <a:buFont typeface="Calibri"/>
-              <a:buChar char="-"/>
-            </a:pPr>
-            <a:endParaRPr lang="fr-FR" sz="1400" dirty="0">
-              <a:solidFill>
-                <a:schemeClr val="tx1"/>
-              </a:solidFill>
-              <a:ea typeface="Montserrat"/>
-            </a:endParaRPr>
-          </a:p>
-          <a:p>
-            <a:pPr marL="114300" indent="0">
-              <a:lnSpc>
-                <a:spcPct val="114999"/>
-              </a:lnSpc>
-              <a:buNone/>
-            </a:pPr>
-            <a:r>
-              <a:rPr lang="fr-FR" sz="1400" dirty="0">
-                <a:solidFill>
-                  <a:schemeClr val="tx1"/>
-                </a:solidFill>
-                <a:latin typeface="Montserrat"/>
-                <a:ea typeface="Montserrat"/>
-              </a:rPr>
-              <a:t>L’utilisateur accède à la page de connexion et saisit simplement son adresse e-mail. Lorsqu’il valide, un lien sécurisé (“magic link”) lui est envoyé par e-mail. Il lui suffit de cliquer sur ce lien pour accéder à son espace, sans avoir besoin de mot de passe.</a:t>
-            </a:r>
-            <a:br>
-              <a:rPr lang="fr-FR" sz="1400" dirty="0">
-                <a:latin typeface="Montserrat"/>
-                <a:ea typeface="Montserrat"/>
-              </a:rPr>
-            </a:br>
-            <a:r>
-              <a:rPr lang="fr-FR" sz="1400" dirty="0">
-                <a:solidFill>
-                  <a:schemeClr val="tx1"/>
-                </a:solidFill>
-                <a:latin typeface="Montserrat"/>
-                <a:ea typeface="Montserrat"/>
-              </a:rPr>
-              <a:t>Ce système est géré par un service d’authentification externe (ex : </a:t>
-            </a:r>
-            <a:r>
-              <a:rPr lang="fr-FR" sz="1400" dirty="0" err="1">
-                <a:solidFill>
-                  <a:schemeClr val="tx1"/>
-                </a:solidFill>
-                <a:latin typeface="Montserrat"/>
-                <a:ea typeface="Montserrat"/>
-              </a:rPr>
-              <a:t>Firebase</a:t>
-            </a:r>
-            <a:r>
-              <a:rPr lang="fr-FR" sz="1400" dirty="0">
-                <a:solidFill>
-                  <a:schemeClr val="tx1"/>
-                </a:solidFill>
-                <a:latin typeface="Montserrat"/>
-                <a:ea typeface="Montserrat"/>
-              </a:rPr>
-              <a:t> </a:t>
-            </a:r>
-            <a:r>
-              <a:rPr lang="fr-FR" sz="1400" dirty="0" err="1">
-                <a:solidFill>
-                  <a:schemeClr val="tx1"/>
-                </a:solidFill>
-                <a:latin typeface="Montserrat"/>
-                <a:ea typeface="Montserrat"/>
-              </a:rPr>
-              <a:t>Auth</a:t>
-            </a:r>
-            <a:r>
-              <a:rPr lang="fr-FR" sz="1400" dirty="0">
-                <a:solidFill>
-                  <a:schemeClr val="tx1"/>
-                </a:solidFill>
-                <a:latin typeface="Montserrat"/>
-                <a:ea typeface="Montserrat"/>
-              </a:rPr>
-              <a:t>). Le service vérifie l’identité de l’utilisateur et lui donne accès au site en toute sécurité. Cela réduit la friction à la connexion et renforce la sécurité globale du service.</a:t>
-            </a:r>
-          </a:p>
-          <a:p>
-            <a:pPr lvl="0" algn="l">
-              <a:lnSpc>
-                <a:spcPct val="114999"/>
-              </a:lnSpc>
-              <a:buFont typeface="Calibri"/>
-              <a:buChar char="-"/>
-            </a:pPr>
-            <a:endParaRPr lang="fr-FR" sz="1400" dirty="0">
-              <a:solidFill>
-                <a:schemeClr val="tx1"/>
-              </a:solidFill>
-              <a:ea typeface="Montserrat"/>
-            </a:endParaRPr>
-          </a:p>
-          <a:p>
-            <a:pPr>
-              <a:lnSpc>
-                <a:spcPct val="114999"/>
-              </a:lnSpc>
-              <a:buNone/>
-            </a:pPr>
-            <a:endParaRPr lang="fr-FR" sz="1400" dirty="0">
-              <a:solidFill>
-                <a:srgbClr val="000000"/>
-              </a:solidFill>
-              <a:latin typeface="Montserrat"/>
-              <a:ea typeface="Montserrat"/>
-            </a:endParaRPr>
-          </a:p>
-          <a:p>
-            <a:pPr marL="0" indent="0">
-              <a:lnSpc>
-                <a:spcPct val="114999"/>
-              </a:lnSpc>
-              <a:buNone/>
-            </a:pPr>
-            <a:endParaRPr lang="fr-FR" dirty="0">
-              <a:latin typeface="Montserrat"/>
-              <a:ea typeface="Montserrat"/>
-              <a:cs typeface="Montserrat"/>
-            </a:endParaRPr>
-          </a:p>
-          <a:p>
-            <a:pPr marL="0" indent="0">
-              <a:spcBef>
-                <a:spcPts val="1200"/>
-              </a:spcBef>
-              <a:buNone/>
-            </a:pPr>
-            <a:endParaRPr lang="fr-FR">
-              <a:latin typeface="Montserrat"/>
-              <a:ea typeface="Montserrat"/>
-              <a:cs typeface="Montserrat"/>
-            </a:endParaRPr>
-          </a:p>
-          <a:p>
-            <a:pPr indent="0">
-              <a:spcBef>
-                <a:spcPts val="1200"/>
-              </a:spcBef>
-              <a:spcAft>
-                <a:spcPts val="1200"/>
-              </a:spcAft>
-              <a:buNone/>
-            </a:pPr>
-            <a:endParaRPr lang="fr-FR">
-              <a:latin typeface="Montserrat"/>
-              <a:ea typeface="Montserrat"/>
-              <a:cs typeface="Montserrat"/>
-            </a:endParaRPr>
-          </a:p>
-        </p:txBody>
-      </p:sp>
-      <p:sp>
-        <p:nvSpPr>
-          <p:cNvPr id="113" name="Google Shape;113;p20">
-            <a:extLst>
-              <a:ext uri="{FF2B5EF4-FFF2-40B4-BE49-F238E27FC236}">
-                <a16:creationId xmlns:a16="http://schemas.microsoft.com/office/drawing/2014/main" id="{00F7C11B-09E3-687B-7AB7-81A9A852C655}"/>
-              </a:ext>
-            </a:extLst>
-          </p:cNvPr>
-          <p:cNvSpPr txBox="1"/>
-          <p:nvPr/>
-        </p:nvSpPr>
-        <p:spPr>
-          <a:xfrm>
-            <a:off x="0" y="0"/>
-            <a:ext cx="4911600" cy="338700"/>
-          </a:xfrm>
-          <a:prstGeom prst="rect">
-            <a:avLst/>
-          </a:prstGeom>
-          <a:noFill/>
-          <a:ln>
-            <a:noFill/>
-          </a:ln>
-        </p:spPr>
-        <p:txBody>
-          <a:bodyPr spcFirstLastPara="1" wrap="square" lIns="91425" tIns="91425" rIns="91425" bIns="91425" anchor="t" anchorCtr="0">
-            <a:spAutoFit/>
-          </a:bodyPr>
-          <a:lstStyle/>
-          <a:p>
-            <a:pPr marL="0" lvl="0" indent="0" algn="l" rtl="0">
-              <a:lnSpc>
-                <a:spcPct val="115000"/>
-              </a:lnSpc>
-              <a:spcBef>
-                <a:spcPts val="0"/>
-              </a:spcBef>
-              <a:spcAft>
-                <a:spcPts val="1200"/>
-              </a:spcAft>
-              <a:buNone/>
-            </a:pPr>
-            <a:r>
-              <a:rPr lang="fr" sz="1000">
-                <a:solidFill>
-                  <a:schemeClr val="dk2"/>
-                </a:solidFill>
-                <a:latin typeface="Montserrat"/>
-                <a:ea typeface="Montserrat"/>
-                <a:cs typeface="Montserrat"/>
-                <a:sym typeface="Montserrat"/>
-              </a:rPr>
-              <a:t>Présentation de l’usage du no-code</a:t>
-            </a:r>
-            <a:endParaRPr sz="1000"/>
-          </a:p>
-        </p:txBody>
-      </p:sp>
-      <p:sp>
-        <p:nvSpPr>
-          <p:cNvPr id="115" name="Google Shape;115;p20">
-            <a:extLst>
-              <a:ext uri="{FF2B5EF4-FFF2-40B4-BE49-F238E27FC236}">
-                <a16:creationId xmlns:a16="http://schemas.microsoft.com/office/drawing/2014/main" id="{9405EB0C-A3C8-2AA3-7F0B-99E1682DA2A7}"/>
-              </a:ext>
-            </a:extLst>
-          </p:cNvPr>
-          <p:cNvSpPr/>
-          <p:nvPr/>
-        </p:nvSpPr>
-        <p:spPr>
-          <a:xfrm>
-            <a:off x="-4800" y="0"/>
-            <a:ext cx="9153600" cy="239700"/>
-          </a:xfrm>
-          <a:prstGeom prst="rect">
-            <a:avLst/>
-          </a:prstGeom>
-          <a:solidFill>
-            <a:srgbClr val="FCE5CD"/>
-          </a:solidFill>
-          <a:ln w="9525" cap="flat" cmpd="sng">
-            <a:solidFill>
-              <a:srgbClr val="F7EDDE"/>
-            </a:solidFill>
-            <a:prstDash val="solid"/>
-            <a:round/>
-            <a:headEnd type="none" w="sm" len="sm"/>
-            <a:tailEnd type="none" w="sm" len="sm"/>
-          </a:ln>
-        </p:spPr>
-        <p:txBody>
-          <a:bodyPr spcFirstLastPara="1" wrap="square" lIns="91425" tIns="91425" rIns="91425" bIns="91425" anchor="ctr" anchorCtr="0">
-            <a:noAutofit/>
-          </a:bodyPr>
-          <a:lstStyle/>
-          <a:p>
-            <a:pPr marL="0" lvl="0" indent="0" algn="ctr" rtl="0">
-              <a:spcBef>
-                <a:spcPts val="0"/>
-              </a:spcBef>
-              <a:spcAft>
-                <a:spcPts val="0"/>
-              </a:spcAft>
-              <a:buNone/>
-            </a:pPr>
-            <a:endParaRPr/>
-          </a:p>
-        </p:txBody>
-      </p:sp>
-      <p:pic>
-        <p:nvPicPr>
-          <p:cNvPr id="116" name="Google Shape;116;p20">
-            <a:extLst>
-              <a:ext uri="{FF2B5EF4-FFF2-40B4-BE49-F238E27FC236}">
-                <a16:creationId xmlns:a16="http://schemas.microsoft.com/office/drawing/2014/main" id="{92D3C1BF-C0A3-0780-CE6C-66EB91BAA924}"/>
-              </a:ext>
-            </a:extLst>
-          </p:cNvPr>
-          <p:cNvPicPr preferRelativeResize="0"/>
-          <p:nvPr/>
-        </p:nvPicPr>
-        <p:blipFill>
-          <a:blip r:embed="rId3">
-            <a:alphaModFix/>
-          </a:blip>
-          <a:stretch>
-            <a:fillRect/>
-          </a:stretch>
-        </p:blipFill>
-        <p:spPr>
-          <a:xfrm>
-            <a:off x="8469575" y="-4"/>
-            <a:ext cx="674425" cy="340550"/>
-          </a:xfrm>
-          <a:prstGeom prst="rect">
-            <a:avLst/>
-          </a:prstGeom>
-          <a:noFill/>
-          <a:ln>
-            <a:noFill/>
-          </a:ln>
-        </p:spPr>
-      </p:pic>
-      <p:pic>
-        <p:nvPicPr>
-          <p:cNvPr id="7" name="Image 6" descr="Une image contenant texte, capture d’écran, Police, conception&#10;&#10;Le contenu généré par l’IA peut être incorrect.">
-            <a:extLst>
-              <a:ext uri="{FF2B5EF4-FFF2-40B4-BE49-F238E27FC236}">
-                <a16:creationId xmlns:a16="http://schemas.microsoft.com/office/drawing/2014/main" id="{54250E6E-B784-2105-3EB5-7A515E1875E5}"/>
-              </a:ext>
-            </a:extLst>
-          </p:cNvPr>
-          <p:cNvPicPr>
-            <a:picLocks noChangeAspect="1"/>
-          </p:cNvPicPr>
-          <p:nvPr/>
-        </p:nvPicPr>
-        <p:blipFill>
-          <a:blip r:embed="rId4"/>
-          <a:stretch>
-            <a:fillRect/>
-          </a:stretch>
-        </p:blipFill>
-        <p:spPr>
-          <a:xfrm>
-            <a:off x="1989188" y="2665770"/>
-            <a:ext cx="4907526" cy="3268613"/>
-          </a:xfrm>
-          <a:prstGeom prst="rect">
-            <a:avLst/>
-          </a:prstGeom>
-        </p:spPr>
-      </p:pic>
-    </p:spTree>
-    <p:extLst>
-      <p:ext uri="{BB962C8B-B14F-4D97-AF65-F5344CB8AC3E}">
-        <p14:creationId xmlns:p14="http://schemas.microsoft.com/office/powerpoint/2010/main" val="2389512558"/>
-      </p:ext>
-    </p:extLst>
-  </p:cSld>
-  <p:clrMapOvr>
-    <a:masterClrMapping/>
-  </p:clrMapOvr>
-</p:sld>
-</file>
-
-<file path=ppt/slides/slide16.xml><?xml version="1.0" encoding="utf-8"?>
 <p:sld xmlns:a="http://schemas.openxmlformats.org/drawingml/2006/main" xmlns:r="http://schemas.openxmlformats.org/officeDocument/2006/relationships" xmlns:p="http://schemas.openxmlformats.org/presentationml/2006/main">
   <p:cSld>
     <p:spTree>
@@ -11277,28 +9677,32 @@
         </p:spPr>
         <p:txBody>
           <a:bodyPr spcFirstLastPara="1" wrap="square" lIns="91425" tIns="91425" rIns="91425" bIns="91425" anchor="t" anchorCtr="0">
-            <a:normAutofit fontScale="90000"/>
+            <a:normAutofit/>
           </a:bodyPr>
           <a:lstStyle/>
           <a:p>
-            <a:pPr>
+            <a:pPr marL="0" lvl="0" indent="0" algn="l" rtl="0">
               <a:lnSpc>
                 <a:spcPct val="115000"/>
               </a:lnSpc>
+              <a:spcBef>
+                <a:spcPts val="0"/>
+              </a:spcBef>
               <a:spcAft>
                 <a:spcPts val="1200"/>
               </a:spcAft>
+              <a:buNone/>
             </a:pPr>
             <a:r>
-              <a:rPr lang="fr" sz="2000" dirty="0">
+              <a:rPr lang="fr" sz="2000">
                 <a:latin typeface="Montserrat"/>
                 <a:ea typeface="Montserrat"/>
                 <a:cs typeface="Montserrat"/>
                 <a:sym typeface="Montserrat"/>
               </a:rPr>
-              <a:t>Veille Technologique – 1/2</a:t>
+              <a:t>Veille Technologique</a:t>
             </a:r>
-            <a:endParaRPr sz="2000" dirty="0">
+            <a:endParaRPr sz="2000">
               <a:solidFill>
                 <a:schemeClr val="dk2"/>
               </a:solidFill>
@@ -11448,8 +9852,8 @@
         </p:nvSpPr>
         <p:spPr>
           <a:xfrm>
-            <a:off x="425557" y="1085525"/>
-            <a:ext cx="8403459" cy="5336815"/>
+            <a:off x="434775" y="1085525"/>
+            <a:ext cx="8320500" cy="2498100"/>
           </a:xfrm>
           <a:prstGeom prst="rect">
             <a:avLst/>
@@ -11465,17 +9869,25 @@
           </a:bodyPr>
           <a:lstStyle/>
           <a:p>
-            <a:pPr marL="133350">
+            <a:pPr marL="457200" lvl="0" indent="-323850" algn="l" rtl="0">
               <a:lnSpc>
                 <a:spcPct val="150000"/>
               </a:lnSpc>
+              <a:spcBef>
+                <a:spcPts val="0"/>
+              </a:spcBef>
+              <a:spcAft>
+                <a:spcPts val="0"/>
+              </a:spcAft>
               <a:buClr>
                 <a:srgbClr val="0D0D0D"/>
               </a:buClr>
               <a:buSzPts val="1500"/>
+              <a:buFont typeface="Montserrat"/>
+              <a:buChar char="●"/>
             </a:pPr>
             <a:r>
-              <a:rPr lang="fr" b="1" dirty="0">
+              <a:rPr lang="fr" sz="1500">
                 <a:solidFill>
                   <a:srgbClr val="0D0D0D"/>
                 </a:solidFill>
@@ -11487,9 +9899,9 @@
                 <a:cs typeface="Montserrat"/>
                 <a:sym typeface="Montserrat"/>
               </a:rPr>
-              <a:t>Méthode de classification des sources d'information :</a:t>
+              <a:t>Captures d’écran de la veille (max 5)</a:t>
             </a:r>
-            <a:endParaRPr lang="fr-FR" b="1">
+            <a:endParaRPr sz="1500">
               <a:solidFill>
                 <a:srgbClr val="0D0D0D"/>
               </a:solidFill>
@@ -11499,17 +9911,29 @@
               <a:latin typeface="Montserrat"/>
               <a:ea typeface="Montserrat"/>
               <a:cs typeface="Montserrat"/>
+              <a:sym typeface="Montserrat"/>
             </a:endParaRPr>
           </a:p>
           <a:p>
-            <a:pPr>
+            <a:pPr marL="457200" lvl="0" indent="-323850" algn="l" rtl="0">
+              <a:lnSpc>
+                <a:spcPct val="150000"/>
+              </a:lnSpc>
+              <a:spcBef>
+                <a:spcPts val="0"/>
+              </a:spcBef>
+              <a:spcAft>
+                <a:spcPts val="0"/>
+              </a:spcAft>
               <a:buClr>
                 <a:srgbClr val="0D0D0D"/>
               </a:buClr>
               <a:buSzPts val="1500"/>
+              <a:buFont typeface="Montserrat"/>
+              <a:buChar char="●"/>
             </a:pPr>
             <a:r>
-              <a:rPr lang="fr" dirty="0">
+              <a:rPr lang="fr" sz="1500">
                 <a:solidFill>
                   <a:srgbClr val="0D0D0D"/>
                 </a:solidFill>
@@ -11517,383 +9941,13 @@
                   <a:srgbClr val="FFFFFF"/>
                 </a:highlight>
                 <a:latin typeface="Montserrat"/>
+                <a:ea typeface="Montserrat"/>
+                <a:cs typeface="Montserrat"/>
+                <a:sym typeface="Montserrat"/>
               </a:rPr>
-              <a:t> Ma veille technologique est organisée sur </a:t>
+              <a:t>Méthode de classification des sources d'information.</a:t>
             </a:r>
-            <a:r>
-              <a:rPr lang="fr" err="1">
-                <a:solidFill>
-                  <a:srgbClr val="0D0D0D"/>
-                </a:solidFill>
-                <a:highlight>
-                  <a:srgbClr val="FFFFFF"/>
-                </a:highlight>
-                <a:latin typeface="Montserrat"/>
-              </a:rPr>
-              <a:t>Feedly</a:t>
-            </a:r>
-            <a:r>
-              <a:rPr lang="fr" dirty="0">
-                <a:solidFill>
-                  <a:srgbClr val="0D0D0D"/>
-                </a:solidFill>
-                <a:highlight>
-                  <a:srgbClr val="FFFFFF"/>
-                </a:highlight>
-                <a:latin typeface="Montserrat"/>
-              </a:rPr>
-              <a:t> en deux catégories principales :</a:t>
-            </a:r>
-          </a:p>
-          <a:p>
-            <a:pPr marL="285750" indent="-285750">
-              <a:buSzPts val="1500"/>
-              <a:buFont typeface="Calibri"/>
-              <a:buChar char="-"/>
-            </a:pPr>
-            <a:r>
-              <a:rPr lang="fr" dirty="0">
-                <a:solidFill>
-                  <a:srgbClr val="0D0D0D"/>
-                </a:solidFill>
-                <a:highlight>
-                  <a:srgbClr val="FFFFFF"/>
-                </a:highlight>
-                <a:latin typeface="Montserrat"/>
-              </a:rPr>
-              <a:t>Dev Web : veille généraliste sur le développement web (HTML, CSS, accessibilité, sécurité, tendances…)</a:t>
-            </a:r>
-            <a:endParaRPr lang="fr">
-              <a:latin typeface="Montserrat"/>
-            </a:endParaRPr>
-          </a:p>
-          <a:p>
-            <a:pPr marL="285750" indent="-285750">
-              <a:buSzPts val="1500"/>
-              <a:buFont typeface="Calibri"/>
-              <a:buChar char="-"/>
-            </a:pPr>
-            <a:r>
-              <a:rPr lang="fr" dirty="0">
-                <a:solidFill>
-                  <a:srgbClr val="0D0D0D"/>
-                </a:solidFill>
-                <a:highlight>
-                  <a:srgbClr val="FFFFFF"/>
-                </a:highlight>
-                <a:latin typeface="Montserrat"/>
-              </a:rPr>
-              <a:t>Menu Maker – Tech : veille spécifique sur les technologies utilisées pour le projet (</a:t>
-            </a:r>
-            <a:r>
-              <a:rPr lang="fr" err="1">
-                <a:solidFill>
-                  <a:srgbClr val="0D0D0D"/>
-                </a:solidFill>
-                <a:highlight>
-                  <a:srgbClr val="FFFFFF"/>
-                </a:highlight>
-                <a:latin typeface="Montserrat"/>
-              </a:rPr>
-              <a:t>Firebase</a:t>
-            </a:r>
-            <a:r>
-              <a:rPr lang="fr" dirty="0">
-                <a:solidFill>
-                  <a:srgbClr val="0D0D0D"/>
-                </a:solidFill>
-                <a:highlight>
-                  <a:srgbClr val="FFFFFF"/>
-                </a:highlight>
-                <a:latin typeface="Montserrat"/>
-              </a:rPr>
-              <a:t>, MongoDB, Node.js, </a:t>
-            </a:r>
-            <a:r>
-              <a:rPr lang="fr" err="1">
-                <a:solidFill>
-                  <a:srgbClr val="0D0D0D"/>
-                </a:solidFill>
-                <a:highlight>
-                  <a:srgbClr val="FFFFFF"/>
-                </a:highlight>
-                <a:latin typeface="Montserrat"/>
-              </a:rPr>
-              <a:t>Tailwind</a:t>
-            </a:r>
-            <a:r>
-              <a:rPr lang="fr" dirty="0">
-                <a:solidFill>
-                  <a:srgbClr val="0D0D0D"/>
-                </a:solidFill>
-                <a:highlight>
-                  <a:srgbClr val="FFFFFF"/>
-                </a:highlight>
-                <a:latin typeface="Montserrat"/>
-              </a:rPr>
-              <a:t> CSS, </a:t>
-            </a:r>
-            <a:r>
-              <a:rPr lang="fr" err="1">
-                <a:solidFill>
-                  <a:srgbClr val="0D0D0D"/>
-                </a:solidFill>
-                <a:highlight>
-                  <a:srgbClr val="FFFFFF"/>
-                </a:highlight>
-                <a:latin typeface="Montserrat"/>
-              </a:rPr>
-              <a:t>React</a:t>
-            </a:r>
-            <a:r>
-              <a:rPr lang="fr" dirty="0">
-                <a:solidFill>
-                  <a:srgbClr val="0D0D0D"/>
-                </a:solidFill>
-                <a:highlight>
-                  <a:srgbClr val="FFFFFF"/>
-                </a:highlight>
-                <a:latin typeface="Montserrat"/>
-              </a:rPr>
-              <a:t>, etc.)</a:t>
-            </a:r>
-          </a:p>
-          <a:p>
-            <a:pPr marL="285750" indent="-285750">
-              <a:buSzPts val="1500"/>
-              <a:buFont typeface="Calibri"/>
-              <a:buChar char="-"/>
-            </a:pPr>
-            <a:endParaRPr lang="fr" dirty="0">
-              <a:solidFill>
-                <a:srgbClr val="0D0D0D"/>
-              </a:solidFill>
-              <a:highlight>
-                <a:srgbClr val="FFFFFF"/>
-              </a:highlight>
-              <a:latin typeface="Montserrat"/>
-            </a:endParaRPr>
-          </a:p>
-          <a:p>
-            <a:pPr>
-              <a:buSzPts val="1500"/>
-            </a:pPr>
-            <a:r>
-              <a:rPr lang="fr" b="1" dirty="0">
-                <a:solidFill>
-                  <a:srgbClr val="0D0D0D"/>
-                </a:solidFill>
-                <a:highlight>
-                  <a:srgbClr val="FFFFFF"/>
-                </a:highlight>
-                <a:latin typeface="Montserrat"/>
-              </a:rPr>
-              <a:t> Pour chaque sujet, je privilégie :</a:t>
-            </a:r>
-            <a:endParaRPr lang="fr" b="1">
-              <a:latin typeface="Montserrat"/>
-            </a:endParaRPr>
-          </a:p>
-          <a:p>
-            <a:pPr marL="285750" indent="-285750">
-              <a:buSzPts val="1500"/>
-              <a:buFont typeface="Calibri"/>
-              <a:buChar char="-"/>
-            </a:pPr>
-            <a:r>
-              <a:rPr lang="fr" dirty="0">
-                <a:solidFill>
-                  <a:srgbClr val="0D0D0D"/>
-                </a:solidFill>
-                <a:highlight>
-                  <a:srgbClr val="FFFFFF"/>
-                </a:highlight>
-                <a:latin typeface="Montserrat"/>
-              </a:rPr>
-              <a:t>La documentation officielle</a:t>
-            </a:r>
-            <a:endParaRPr lang="fr">
-              <a:latin typeface="Montserrat"/>
-            </a:endParaRPr>
-          </a:p>
-          <a:p>
-            <a:pPr marL="285750" indent="-285750">
-              <a:buSzPts val="1500"/>
-              <a:buFont typeface="Calibri"/>
-              <a:buChar char="-"/>
-            </a:pPr>
-            <a:r>
-              <a:rPr lang="fr" dirty="0">
-                <a:solidFill>
-                  <a:srgbClr val="0D0D0D"/>
-                </a:solidFill>
-                <a:highlight>
-                  <a:srgbClr val="FFFFFF"/>
-                </a:highlight>
-                <a:latin typeface="Montserrat"/>
-              </a:rPr>
-              <a:t>Des blogs spécialisés ou newsletters tech</a:t>
-            </a:r>
-            <a:endParaRPr lang="fr">
-              <a:latin typeface="Montserrat"/>
-            </a:endParaRPr>
-          </a:p>
-          <a:p>
-            <a:pPr marL="285750" indent="-285750">
-              <a:buSzPts val="1500"/>
-              <a:buFont typeface="Calibri"/>
-              <a:buChar char="-"/>
-            </a:pPr>
-            <a:r>
-              <a:rPr lang="fr" dirty="0">
-                <a:solidFill>
-                  <a:srgbClr val="0D0D0D"/>
-                </a:solidFill>
-                <a:highlight>
-                  <a:srgbClr val="FFFFFF"/>
-                </a:highlight>
-                <a:latin typeface="Montserrat"/>
-              </a:rPr>
-              <a:t>Des sources de veille sécurité</a:t>
-            </a:r>
-            <a:endParaRPr lang="fr" dirty="0">
-              <a:latin typeface="Montserrat"/>
-            </a:endParaRPr>
-          </a:p>
-          <a:p>
-            <a:pPr marL="133350">
-              <a:lnSpc>
-                <a:spcPct val="150000"/>
-              </a:lnSpc>
-            </a:pPr>
-            <a:r>
-              <a:rPr lang="fr" dirty="0">
-                <a:solidFill>
-                  <a:schemeClr val="tx1"/>
-                </a:solidFill>
-                <a:highlight>
-                  <a:srgbClr val="FFFFFF"/>
-                </a:highlight>
-                <a:latin typeface="Montserrat"/>
-              </a:rPr>
-              <a:t>Exemple :</a:t>
-            </a:r>
-            <a:endParaRPr lang="fr" dirty="0">
-              <a:solidFill>
-                <a:schemeClr val="tx1"/>
-              </a:solidFill>
-              <a:latin typeface="Montserrat"/>
-            </a:endParaRPr>
-          </a:p>
-          <a:p>
-            <a:pPr marL="285750" indent="-285750">
-              <a:buFont typeface="Calibri"/>
-              <a:buChar char="-"/>
-            </a:pPr>
-            <a:r>
-              <a:rPr lang="fr" i="1" dirty="0">
-                <a:solidFill>
-                  <a:schemeClr val="tx1"/>
-                </a:solidFill>
-                <a:highlight>
-                  <a:srgbClr val="FFFFFF"/>
-                </a:highlight>
-                <a:latin typeface="Montserrat"/>
-              </a:rPr>
-              <a:t>Pour la partie « Dev Web », j’utilise par exemple le blog CSS-Tricks pour me tenir informé   des nouveautés sur le CSS et l’UI.</a:t>
-            </a:r>
-            <a:endParaRPr lang="fr" dirty="0">
-              <a:solidFill>
-                <a:schemeClr val="tx1"/>
-              </a:solidFill>
-              <a:latin typeface="Montserrat"/>
-            </a:endParaRPr>
-          </a:p>
-          <a:p>
-            <a:pPr marL="285750" indent="-285750">
-              <a:buFont typeface="Calibri"/>
-              <a:buChar char="-"/>
-            </a:pPr>
-            <a:endParaRPr lang="fr" i="1" dirty="0">
-              <a:solidFill>
-                <a:schemeClr val="tx1"/>
-              </a:solidFill>
-              <a:highlight>
-                <a:srgbClr val="FFFFFF"/>
-              </a:highlight>
-              <a:latin typeface="Montserrat"/>
-            </a:endParaRPr>
-          </a:p>
-          <a:p>
-            <a:pPr marL="285750" indent="-285750">
-              <a:buFont typeface="Calibri"/>
-              <a:buChar char="-"/>
-            </a:pPr>
-            <a:r>
-              <a:rPr lang="fr" i="1" dirty="0">
-                <a:solidFill>
-                  <a:schemeClr val="tx1"/>
-                </a:solidFill>
-                <a:highlight>
-                  <a:srgbClr val="FFFFFF"/>
-                </a:highlight>
-                <a:latin typeface="Montserrat"/>
-              </a:rPr>
-              <a:t>Pour la partie « Menu Maker – Tech », j’utilise la documentation officielle </a:t>
-            </a:r>
-            <a:r>
-              <a:rPr lang="fr" i="1" dirty="0" err="1">
-                <a:solidFill>
-                  <a:schemeClr val="tx1"/>
-                </a:solidFill>
-                <a:highlight>
-                  <a:srgbClr val="FFFFFF"/>
-                </a:highlight>
-                <a:latin typeface="Montserrat"/>
-              </a:rPr>
-              <a:t>Firebase</a:t>
-            </a:r>
-            <a:r>
-              <a:rPr lang="fr" i="1" dirty="0">
-                <a:solidFill>
-                  <a:schemeClr val="tx1"/>
-                </a:solidFill>
-                <a:highlight>
-                  <a:srgbClr val="FFFFFF"/>
-                </a:highlight>
-                <a:latin typeface="Montserrat"/>
-              </a:rPr>
-              <a:t> afin d’implémenter une authentification moderne et sécurisée (Magic Link).</a:t>
-            </a:r>
-            <a:endParaRPr lang="fr">
-              <a:solidFill>
-                <a:schemeClr val="tx1"/>
-              </a:solidFill>
-              <a:latin typeface="Montserrat"/>
-            </a:endParaRPr>
-          </a:p>
-          <a:p>
-            <a:pPr marL="133350">
-              <a:lnSpc>
-                <a:spcPct val="150000"/>
-              </a:lnSpc>
-            </a:pPr>
-            <a:endParaRPr lang="fr" sz="1500" dirty="0">
-              <a:highlight>
-                <a:srgbClr val="FFFFFF"/>
-              </a:highlight>
-              <a:latin typeface="Montserrat"/>
-            </a:endParaRPr>
-          </a:p>
-          <a:p>
-            <a:pPr marL="133350">
-              <a:lnSpc>
-                <a:spcPct val="150000"/>
-              </a:lnSpc>
-              <a:buSzPts val="1500"/>
-              <a:buFont typeface="Calibri"/>
-            </a:pPr>
-            <a:endParaRPr lang="fr" sz="1500" dirty="0">
+            <a:endParaRPr sz="1500">
               <a:solidFill>
                 <a:srgbClr val="0D0D0D"/>
               </a:solidFill>
@@ -11903,10 +9957,103 @@
               <a:latin typeface="Montserrat"/>
               <a:ea typeface="Montserrat"/>
               <a:cs typeface="Montserrat"/>
+              <a:sym typeface="Montserrat"/>
             </a:endParaRPr>
           </a:p>
           <a:p>
-            <a:pPr lvl="0" algn="l" rtl="0">
+            <a:pPr marL="457200" lvl="0" indent="-323850" algn="l" rtl="0">
+              <a:lnSpc>
+                <a:spcPct val="150000"/>
+              </a:lnSpc>
+              <a:spcBef>
+                <a:spcPts val="0"/>
+              </a:spcBef>
+              <a:spcAft>
+                <a:spcPts val="0"/>
+              </a:spcAft>
+              <a:buClr>
+                <a:srgbClr val="0D0D0D"/>
+              </a:buClr>
+              <a:buSzPts val="1500"/>
+              <a:buFont typeface="Montserrat"/>
+              <a:buChar char="●"/>
+            </a:pPr>
+            <a:r>
+              <a:rPr lang="fr" sz="1500">
+                <a:solidFill>
+                  <a:srgbClr val="0D0D0D"/>
+                </a:solidFill>
+                <a:highlight>
+                  <a:srgbClr val="FFFFFF"/>
+                </a:highlight>
+                <a:latin typeface="Montserrat"/>
+                <a:ea typeface="Montserrat"/>
+                <a:cs typeface="Montserrat"/>
+                <a:sym typeface="Montserrat"/>
+              </a:rPr>
+              <a:t>Exemple et explication du choix d’une source pour chacun des 2 axes de veille </a:t>
+            </a:r>
+            <a:endParaRPr sz="1500">
+              <a:solidFill>
+                <a:srgbClr val="0D0D0D"/>
+              </a:solidFill>
+              <a:highlight>
+                <a:srgbClr val="FFFFFF"/>
+              </a:highlight>
+              <a:latin typeface="Montserrat"/>
+              <a:ea typeface="Montserrat"/>
+              <a:cs typeface="Montserrat"/>
+              <a:sym typeface="Montserrat"/>
+            </a:endParaRPr>
+          </a:p>
+          <a:p>
+            <a:pPr marL="457200" lvl="0" indent="-323850" algn="l" rtl="0">
+              <a:lnSpc>
+                <a:spcPct val="150000"/>
+              </a:lnSpc>
+              <a:spcBef>
+                <a:spcPts val="0"/>
+              </a:spcBef>
+              <a:spcAft>
+                <a:spcPts val="0"/>
+              </a:spcAft>
+              <a:buClr>
+                <a:srgbClr val="0D0D0D"/>
+              </a:buClr>
+              <a:buSzPts val="1500"/>
+              <a:buFont typeface="Montserrat"/>
+              <a:buChar char="●"/>
+            </a:pPr>
+            <a:r>
+              <a:rPr lang="fr" sz="1500">
+                <a:solidFill>
+                  <a:srgbClr val="0D0D0D"/>
+                </a:solidFill>
+                <a:highlight>
+                  <a:srgbClr val="FFFFFF"/>
+                </a:highlight>
+                <a:latin typeface="Montserrat"/>
+                <a:ea typeface="Montserrat"/>
+                <a:cs typeface="Montserrat"/>
+                <a:sym typeface="Montserrat"/>
+              </a:rPr>
+              <a:t>Explication de la contribution de la veille à l'élaboration des spécifications techniques.</a:t>
+            </a:r>
+            <a:endParaRPr sz="1500">
+              <a:solidFill>
+                <a:srgbClr val="0D0D0D"/>
+              </a:solidFill>
+              <a:highlight>
+                <a:srgbClr val="FFFFFF"/>
+              </a:highlight>
+              <a:latin typeface="Montserrat"/>
+              <a:ea typeface="Montserrat"/>
+              <a:cs typeface="Montserrat"/>
+              <a:sym typeface="Montserrat"/>
+            </a:endParaRPr>
+          </a:p>
+          <a:p>
+            <a:pPr marL="0" lvl="0" indent="0" algn="l" rtl="0">
               <a:lnSpc>
                 <a:spcPct val="115000"/>
               </a:lnSpc>
@@ -11916,6 +10063,7 @@
               <a:spcAft>
                 <a:spcPts val="0"/>
               </a:spcAft>
+              <a:buNone/>
             </a:pPr>
             <a:endParaRPr sz="1200" i="1">
               <a:solidFill>
@@ -12023,739 +10171,7 @@
 </p:sld>
 </file>
 
-<file path=ppt/slides/slide17.xml><?xml version="1.0" encoding="utf-8"?>
-<p:sld xmlns:a="http://schemas.openxmlformats.org/drawingml/2006/main" xmlns:r="http://schemas.openxmlformats.org/officeDocument/2006/relationships" xmlns:p="http://schemas.openxmlformats.org/presentationml/2006/main">
-  <p:cSld>
-    <p:spTree>
-      <p:nvGrpSpPr>
-        <p:cNvPr id="1" name=""/>
-        <p:cNvGrpSpPr/>
-        <p:nvPr/>
-      </p:nvGrpSpPr>
-      <p:grpSpPr>
-        <a:xfrm>
-          <a:off x="0" y="0"/>
-          <a:ext cx="0" cy="0"/>
-          <a:chOff x="0" y="0"/>
-          <a:chExt cx="0" cy="0"/>
-        </a:xfrm>
-      </p:grpSpPr>
-      <p:pic>
-        <p:nvPicPr>
-          <p:cNvPr id="3" name="Image 2" descr="Une image contenant texte, capture d’écran, logiciel, Logiciel multimédia&#10;&#10;Le contenu généré par l’IA peut être incorrect.">
-            <a:extLst>
-              <a:ext uri="{FF2B5EF4-FFF2-40B4-BE49-F238E27FC236}">
-                <a16:creationId xmlns:a16="http://schemas.microsoft.com/office/drawing/2014/main" id="{DD4038D2-D026-0687-06A8-A33A702E41E3}"/>
-              </a:ext>
-            </a:extLst>
-          </p:cNvPr>
-          <p:cNvPicPr>
-            <a:picLocks noChangeAspect="1"/>
-          </p:cNvPicPr>
-          <p:nvPr/>
-        </p:nvPicPr>
-        <p:blipFill>
-          <a:blip r:embed="rId2"/>
-          <a:stretch>
-            <a:fillRect/>
-          </a:stretch>
-        </p:blipFill>
-        <p:spPr>
-          <a:xfrm>
-            <a:off x="0" y="2146"/>
-            <a:ext cx="9144000" cy="5139208"/>
-          </a:xfrm>
-          <a:prstGeom prst="rect">
-            <a:avLst/>
-          </a:prstGeom>
-        </p:spPr>
-      </p:pic>
-    </p:spTree>
-    <p:extLst>
-      <p:ext uri="{BB962C8B-B14F-4D97-AF65-F5344CB8AC3E}">
-        <p14:creationId xmlns:p14="http://schemas.microsoft.com/office/powerpoint/2010/main" val="2055301882"/>
-      </p:ext>
-    </p:extLst>
-  </p:cSld>
-  <p:clrMapOvr>
-    <a:masterClrMapping/>
-  </p:clrMapOvr>
-</p:sld>
-</file>
-
-<file path=ppt/slides/slide18.xml><?xml version="1.0" encoding="utf-8"?>
-<p:sld xmlns:a="http://schemas.openxmlformats.org/drawingml/2006/main" xmlns:r="http://schemas.openxmlformats.org/officeDocument/2006/relationships" xmlns:p="http://schemas.openxmlformats.org/presentationml/2006/main">
-  <p:cSld>
-    <p:spTree>
-      <p:nvGrpSpPr>
-        <p:cNvPr id="1" name="Shape 110">
-          <a:extLst>
-            <a:ext uri="{FF2B5EF4-FFF2-40B4-BE49-F238E27FC236}">
-              <a16:creationId xmlns:a16="http://schemas.microsoft.com/office/drawing/2014/main" id="{4484A97D-1225-1411-AF0D-6F23F5BC89AE}"/>
-            </a:ext>
-          </a:extLst>
-        </p:cNvPr>
-        <p:cNvGrpSpPr/>
-        <p:nvPr/>
-      </p:nvGrpSpPr>
-      <p:grpSpPr>
-        <a:xfrm>
-          <a:off x="0" y="0"/>
-          <a:ext cx="0" cy="0"/>
-          <a:chOff x="0" y="0"/>
-          <a:chExt cx="0" cy="0"/>
-        </a:xfrm>
-      </p:grpSpPr>
-      <p:sp>
-        <p:nvSpPr>
-          <p:cNvPr id="111" name="Google Shape;111;p20">
-            <a:extLst>
-              <a:ext uri="{FF2B5EF4-FFF2-40B4-BE49-F238E27FC236}">
-                <a16:creationId xmlns:a16="http://schemas.microsoft.com/office/drawing/2014/main" id="{E80F2272-A1BC-9290-0565-DCA43061D788}"/>
-              </a:ext>
-            </a:extLst>
-          </p:cNvPr>
-          <p:cNvSpPr txBox="1">
-            <a:spLocks noGrp="1"/>
-          </p:cNvSpPr>
-          <p:nvPr>
-            <p:ph type="title"/>
-          </p:nvPr>
-        </p:nvSpPr>
-        <p:spPr>
-          <a:xfrm>
-            <a:off x="311700" y="445025"/>
-            <a:ext cx="8520600" cy="572700"/>
-          </a:xfrm>
-          <a:prstGeom prst="rect">
-            <a:avLst/>
-          </a:prstGeom>
-        </p:spPr>
-        <p:txBody>
-          <a:bodyPr spcFirstLastPara="1" wrap="square" lIns="91425" tIns="91425" rIns="91425" bIns="91425" anchor="t" anchorCtr="0">
-            <a:normAutofit fontScale="90000"/>
-          </a:bodyPr>
-          <a:lstStyle/>
-          <a:p>
-            <a:pPr>
-              <a:lnSpc>
-                <a:spcPct val="115000"/>
-              </a:lnSpc>
-              <a:spcAft>
-                <a:spcPts val="1200"/>
-              </a:spcAft>
-            </a:pPr>
-            <a:r>
-              <a:rPr lang="fr" sz="2000" dirty="0">
-                <a:latin typeface="Montserrat"/>
-                <a:ea typeface="Montserrat"/>
-                <a:cs typeface="Montserrat"/>
-                <a:sym typeface="Montserrat"/>
-              </a:rPr>
-              <a:t>Veille Technologique – 2/2</a:t>
-            </a:r>
-            <a:endParaRPr sz="2000" dirty="0">
-              <a:solidFill>
-                <a:schemeClr val="dk2"/>
-              </a:solidFill>
-              <a:latin typeface="Montserrat"/>
-              <a:ea typeface="Montserrat"/>
-              <a:cs typeface="Montserrat"/>
-              <a:sym typeface="Montserrat"/>
-            </a:endParaRPr>
-          </a:p>
-        </p:txBody>
-      </p:sp>
-      <p:sp>
-        <p:nvSpPr>
-          <p:cNvPr id="112" name="Google Shape;112;p20">
-            <a:extLst>
-              <a:ext uri="{FF2B5EF4-FFF2-40B4-BE49-F238E27FC236}">
-                <a16:creationId xmlns:a16="http://schemas.microsoft.com/office/drawing/2014/main" id="{197A31C2-4DC1-A8DD-C20F-2112895A8DDB}"/>
-              </a:ext>
-            </a:extLst>
-          </p:cNvPr>
-          <p:cNvSpPr txBox="1">
-            <a:spLocks noGrp="1"/>
-          </p:cNvSpPr>
-          <p:nvPr>
-            <p:ph type="body" idx="1"/>
-          </p:nvPr>
-        </p:nvSpPr>
-        <p:spPr>
-          <a:xfrm>
-            <a:off x="311700" y="1152475"/>
-            <a:ext cx="8520600" cy="3416400"/>
-          </a:xfrm>
-          <a:prstGeom prst="rect">
-            <a:avLst/>
-          </a:prstGeom>
-        </p:spPr>
-        <p:txBody>
-          <a:bodyPr spcFirstLastPara="1" wrap="square" lIns="91425" tIns="91425" rIns="91425" bIns="91425" anchor="t" anchorCtr="0">
-            <a:normAutofit/>
-          </a:bodyPr>
-          <a:lstStyle/>
-          <a:p>
-            <a:pPr marL="0" lvl="0" indent="0" algn="l" rtl="0">
-              <a:spcBef>
-                <a:spcPts val="0"/>
-              </a:spcBef>
-              <a:spcAft>
-                <a:spcPts val="0"/>
-              </a:spcAft>
-              <a:buNone/>
-            </a:pPr>
-            <a:endParaRPr>
-              <a:latin typeface="Montserrat"/>
-              <a:ea typeface="Montserrat"/>
-              <a:cs typeface="Montserrat"/>
-              <a:sym typeface="Montserrat"/>
-            </a:endParaRPr>
-          </a:p>
-          <a:p>
-            <a:pPr marL="0" lvl="0" indent="0" algn="l" rtl="0">
-              <a:spcBef>
-                <a:spcPts val="1200"/>
-              </a:spcBef>
-              <a:spcAft>
-                <a:spcPts val="0"/>
-              </a:spcAft>
-              <a:buNone/>
-            </a:pPr>
-            <a:endParaRPr>
-              <a:latin typeface="Montserrat"/>
-              <a:ea typeface="Montserrat"/>
-              <a:cs typeface="Montserrat"/>
-              <a:sym typeface="Montserrat"/>
-            </a:endParaRPr>
-          </a:p>
-          <a:p>
-            <a:pPr marL="457200" lvl="0" indent="0" algn="l" rtl="0">
-              <a:spcBef>
-                <a:spcPts val="1200"/>
-              </a:spcBef>
-              <a:spcAft>
-                <a:spcPts val="1200"/>
-              </a:spcAft>
-              <a:buNone/>
-            </a:pPr>
-            <a:endParaRPr>
-              <a:latin typeface="Montserrat"/>
-              <a:ea typeface="Montserrat"/>
-              <a:cs typeface="Montserrat"/>
-              <a:sym typeface="Montserrat"/>
-            </a:endParaRPr>
-          </a:p>
-        </p:txBody>
-      </p:sp>
-      <p:sp>
-        <p:nvSpPr>
-          <p:cNvPr id="113" name="Google Shape;113;p20">
-            <a:extLst>
-              <a:ext uri="{FF2B5EF4-FFF2-40B4-BE49-F238E27FC236}">
-                <a16:creationId xmlns:a16="http://schemas.microsoft.com/office/drawing/2014/main" id="{CACAD838-5AD9-9C71-FE08-FE2042C6C047}"/>
-              </a:ext>
-            </a:extLst>
-          </p:cNvPr>
-          <p:cNvSpPr txBox="1"/>
-          <p:nvPr/>
-        </p:nvSpPr>
-        <p:spPr>
-          <a:xfrm>
-            <a:off x="0" y="0"/>
-            <a:ext cx="4911600" cy="338700"/>
-          </a:xfrm>
-          <a:prstGeom prst="rect">
-            <a:avLst/>
-          </a:prstGeom>
-          <a:noFill/>
-          <a:ln>
-            <a:noFill/>
-          </a:ln>
-        </p:spPr>
-        <p:txBody>
-          <a:bodyPr spcFirstLastPara="1" wrap="square" lIns="91425" tIns="91425" rIns="91425" bIns="91425" anchor="t" anchorCtr="0">
-            <a:spAutoFit/>
-          </a:bodyPr>
-          <a:lstStyle/>
-          <a:p>
-            <a:pPr marL="0" lvl="0" indent="0" algn="l" rtl="0">
-              <a:lnSpc>
-                <a:spcPct val="115000"/>
-              </a:lnSpc>
-              <a:spcBef>
-                <a:spcPts val="0"/>
-              </a:spcBef>
-              <a:spcAft>
-                <a:spcPts val="1200"/>
-              </a:spcAft>
-              <a:buNone/>
-            </a:pPr>
-            <a:r>
-              <a:rPr lang="fr" sz="1000">
-                <a:solidFill>
-                  <a:schemeClr val="dk2"/>
-                </a:solidFill>
-                <a:latin typeface="Montserrat"/>
-                <a:ea typeface="Montserrat"/>
-                <a:cs typeface="Montserrat"/>
-                <a:sym typeface="Montserrat"/>
-              </a:rPr>
-              <a:t>Présentation de l’usage du no-code</a:t>
-            </a:r>
-            <a:endParaRPr sz="1000"/>
-          </a:p>
-        </p:txBody>
-      </p:sp>
-      <p:sp>
-        <p:nvSpPr>
-          <p:cNvPr id="114" name="Google Shape;114;p20">
-            <a:extLst>
-              <a:ext uri="{FF2B5EF4-FFF2-40B4-BE49-F238E27FC236}">
-                <a16:creationId xmlns:a16="http://schemas.microsoft.com/office/drawing/2014/main" id="{7614F9AF-8780-5172-9FC1-22184DCFA9E5}"/>
-              </a:ext>
-            </a:extLst>
-          </p:cNvPr>
-          <p:cNvSpPr txBox="1"/>
-          <p:nvPr/>
-        </p:nvSpPr>
-        <p:spPr>
-          <a:xfrm>
-            <a:off x="425557" y="1085525"/>
-            <a:ext cx="8403459" cy="3844099"/>
-          </a:xfrm>
-          <a:prstGeom prst="rect">
-            <a:avLst/>
-          </a:prstGeom>
-          <a:noFill/>
-          <a:ln>
-            <a:noFill/>
-          </a:ln>
-        </p:spPr>
-        <p:txBody>
-          <a:bodyPr spcFirstLastPara="1" wrap="square" lIns="91425" tIns="91425" rIns="91425" bIns="91425" anchor="t" anchorCtr="0">
-            <a:spAutoFit/>
-          </a:bodyPr>
-          <a:lstStyle/>
-          <a:p>
-            <a:r>
-              <a:rPr lang="fr" b="1" dirty="0">
-                <a:solidFill>
-                  <a:srgbClr val="0D0D0D"/>
-                </a:solidFill>
-                <a:highlight>
-                  <a:srgbClr val="FFFFFF"/>
-                </a:highlight>
-                <a:latin typeface="Montserrat"/>
-              </a:rPr>
-              <a:t>Explication de la contribution de la veille à l’élaboration des spécifications techniques :</a:t>
-            </a:r>
-            <a:endParaRPr lang="fr-FR">
-              <a:latin typeface="Montserrat"/>
-            </a:endParaRPr>
-          </a:p>
-          <a:p>
-            <a:endParaRPr lang="fr" b="1" dirty="0">
-              <a:solidFill>
-                <a:srgbClr val="0D0D0D"/>
-              </a:solidFill>
-              <a:highlight>
-                <a:srgbClr val="FFFFFF"/>
-              </a:highlight>
-              <a:latin typeface="Montserrat"/>
-            </a:endParaRPr>
-          </a:p>
-          <a:p>
-            <a:r>
-              <a:rPr lang="fr" dirty="0">
-                <a:solidFill>
-                  <a:srgbClr val="0D0D0D"/>
-                </a:solidFill>
-                <a:highlight>
-                  <a:srgbClr val="FFFFFF"/>
-                </a:highlight>
-                <a:latin typeface="Montserrat"/>
-              </a:rPr>
-              <a:t>Grâce à cette veille, j’ai pu proposer les solutions techniques les plus récentes et adaptées au projet : par exemple, la connexion par lien magique (</a:t>
-            </a:r>
-            <a:r>
-              <a:rPr lang="fr" err="1">
-                <a:solidFill>
-                  <a:srgbClr val="0D0D0D"/>
-                </a:solidFill>
-                <a:highlight>
-                  <a:srgbClr val="FFFFFF"/>
-                </a:highlight>
-                <a:latin typeface="Montserrat"/>
-              </a:rPr>
-              <a:t>magic</a:t>
-            </a:r>
-            <a:r>
-              <a:rPr lang="fr" dirty="0">
-                <a:solidFill>
-                  <a:srgbClr val="0D0D0D"/>
-                </a:solidFill>
-                <a:highlight>
-                  <a:srgbClr val="FFFFFF"/>
-                </a:highlight>
-                <a:latin typeface="Montserrat"/>
-              </a:rPr>
-              <a:t> </a:t>
-            </a:r>
-            <a:r>
-              <a:rPr lang="fr" err="1">
-                <a:solidFill>
-                  <a:srgbClr val="0D0D0D"/>
-                </a:solidFill>
-                <a:highlight>
-                  <a:srgbClr val="FFFFFF"/>
-                </a:highlight>
-                <a:latin typeface="Montserrat"/>
-              </a:rPr>
-              <a:t>link</a:t>
-            </a:r>
-            <a:r>
-              <a:rPr lang="fr" dirty="0">
-                <a:solidFill>
-                  <a:srgbClr val="0D0D0D"/>
-                </a:solidFill>
-                <a:highlight>
-                  <a:srgbClr val="FFFFFF"/>
-                </a:highlight>
-                <a:latin typeface="Montserrat"/>
-              </a:rPr>
-              <a:t>) avec </a:t>
-            </a:r>
-            <a:r>
-              <a:rPr lang="fr" err="1">
-                <a:solidFill>
-                  <a:srgbClr val="0D0D0D"/>
-                </a:solidFill>
-                <a:highlight>
-                  <a:srgbClr val="FFFFFF"/>
-                </a:highlight>
-                <a:latin typeface="Montserrat"/>
-              </a:rPr>
-              <a:t>Firebase</a:t>
-            </a:r>
-            <a:r>
-              <a:rPr lang="fr" dirty="0">
-                <a:solidFill>
-                  <a:srgbClr val="0D0D0D"/>
-                </a:solidFill>
-                <a:highlight>
-                  <a:srgbClr val="FFFFFF"/>
-                </a:highlight>
-                <a:latin typeface="Montserrat"/>
-              </a:rPr>
-              <a:t> </a:t>
-            </a:r>
-            <a:r>
-              <a:rPr lang="fr" err="1">
-                <a:solidFill>
-                  <a:srgbClr val="0D0D0D"/>
-                </a:solidFill>
-                <a:highlight>
-                  <a:srgbClr val="FFFFFF"/>
-                </a:highlight>
-                <a:latin typeface="Montserrat"/>
-              </a:rPr>
-              <a:t>Auth</a:t>
-            </a:r>
-            <a:r>
-              <a:rPr lang="fr" dirty="0">
-                <a:solidFill>
-                  <a:srgbClr val="0D0D0D"/>
-                </a:solidFill>
-                <a:highlight>
-                  <a:srgbClr val="FFFFFF"/>
-                </a:highlight>
-                <a:latin typeface="Montserrat"/>
-              </a:rPr>
-              <a:t>, la génération de PDF en </a:t>
-            </a:r>
-            <a:r>
-              <a:rPr lang="fr" err="1">
-                <a:solidFill>
-                  <a:srgbClr val="0D0D0D"/>
-                </a:solidFill>
-                <a:highlight>
-                  <a:srgbClr val="FFFFFF"/>
-                </a:highlight>
-                <a:latin typeface="Montserrat"/>
-              </a:rPr>
-              <a:t>front-end</a:t>
-            </a:r>
-            <a:r>
-              <a:rPr lang="fr" dirty="0">
-                <a:solidFill>
-                  <a:srgbClr val="0D0D0D"/>
-                </a:solidFill>
-                <a:highlight>
-                  <a:srgbClr val="FFFFFF"/>
-                </a:highlight>
-                <a:latin typeface="Montserrat"/>
-              </a:rPr>
-              <a:t> avec html2canvas et </a:t>
-            </a:r>
-            <a:r>
-              <a:rPr lang="fr" err="1">
-                <a:solidFill>
-                  <a:srgbClr val="0D0D0D"/>
-                </a:solidFill>
-                <a:highlight>
-                  <a:srgbClr val="FFFFFF"/>
-                </a:highlight>
-                <a:latin typeface="Montserrat"/>
-              </a:rPr>
-              <a:t>jsPDF</a:t>
-            </a:r>
-            <a:r>
-              <a:rPr lang="fr" dirty="0">
-                <a:solidFill>
-                  <a:srgbClr val="0D0D0D"/>
-                </a:solidFill>
-                <a:highlight>
-                  <a:srgbClr val="FFFFFF"/>
-                </a:highlight>
-                <a:latin typeface="Montserrat"/>
-              </a:rPr>
-              <a:t>, ou encore la personnalisation avancée des menus avec </a:t>
-            </a:r>
-            <a:r>
-              <a:rPr lang="fr" err="1">
-                <a:solidFill>
-                  <a:srgbClr val="0D0D0D"/>
-                </a:solidFill>
-                <a:highlight>
-                  <a:srgbClr val="FFFFFF"/>
-                </a:highlight>
-                <a:latin typeface="Montserrat"/>
-              </a:rPr>
-              <a:t>Tailwind</a:t>
-            </a:r>
-            <a:r>
-              <a:rPr lang="fr" dirty="0">
-                <a:solidFill>
-                  <a:srgbClr val="0D0D0D"/>
-                </a:solidFill>
-                <a:highlight>
-                  <a:srgbClr val="FFFFFF"/>
-                </a:highlight>
-                <a:latin typeface="Montserrat"/>
-              </a:rPr>
-              <a:t> CSS.</a:t>
-            </a:r>
-          </a:p>
-          <a:p>
-            <a:endParaRPr lang="fr" dirty="0">
-              <a:solidFill>
-                <a:srgbClr val="0D0D0D"/>
-              </a:solidFill>
-              <a:highlight>
-                <a:srgbClr val="FFFFFF"/>
-              </a:highlight>
-              <a:latin typeface="Montserrat"/>
-            </a:endParaRPr>
-          </a:p>
-          <a:p>
-            <a:r>
-              <a:rPr lang="fr" dirty="0">
-                <a:solidFill>
-                  <a:srgbClr val="0D0D0D"/>
-                </a:solidFill>
-                <a:highlight>
-                  <a:srgbClr val="FFFFFF"/>
-                </a:highlight>
-                <a:latin typeface="Montserrat"/>
-              </a:rPr>
-              <a:t>Cette veille m’a également permis d’anticiper certains besoins (accessibilité, responsive, sécurité des données) et d’intégrer les bonnes pratiques directement dans les spécifications techniques.</a:t>
-            </a:r>
-            <a:endParaRPr lang="fr" dirty="0">
-              <a:latin typeface="Montserrat"/>
-            </a:endParaRPr>
-          </a:p>
-          <a:p>
-            <a:endParaRPr lang="fr" sz="1500" dirty="0">
-              <a:solidFill>
-                <a:srgbClr val="0D0D0D"/>
-              </a:solidFill>
-              <a:highlight>
-                <a:srgbClr val="FFFFFF"/>
-              </a:highlight>
-              <a:latin typeface="Montserrat"/>
-            </a:endParaRPr>
-          </a:p>
-          <a:p>
-            <a:pPr marL="133350">
-              <a:lnSpc>
-                <a:spcPct val="150000"/>
-              </a:lnSpc>
-            </a:pPr>
-            <a:endParaRPr lang="fr" sz="1500" dirty="0">
-              <a:highlight>
-                <a:srgbClr val="FFFFFF"/>
-              </a:highlight>
-              <a:latin typeface="Montserrat"/>
-            </a:endParaRPr>
-          </a:p>
-          <a:p>
-            <a:pPr marL="133350">
-              <a:lnSpc>
-                <a:spcPct val="150000"/>
-              </a:lnSpc>
-              <a:buSzPts val="1500"/>
-              <a:buFont typeface="Calibri"/>
-            </a:pPr>
-            <a:endParaRPr lang="fr" sz="1500" dirty="0">
-              <a:solidFill>
-                <a:srgbClr val="0D0D0D"/>
-              </a:solidFill>
-              <a:highlight>
-                <a:srgbClr val="FFFFFF"/>
-              </a:highlight>
-              <a:latin typeface="Montserrat"/>
-              <a:ea typeface="Montserrat"/>
-              <a:cs typeface="Montserrat"/>
-            </a:endParaRPr>
-          </a:p>
-          <a:p>
-            <a:pPr lvl="0" algn="l" rtl="0">
-              <a:lnSpc>
-                <a:spcPct val="115000"/>
-              </a:lnSpc>
-              <a:spcBef>
-                <a:spcPts val="0"/>
-              </a:spcBef>
-              <a:spcAft>
-                <a:spcPts val="0"/>
-              </a:spcAft>
-            </a:pPr>
-            <a:endParaRPr sz="1200" i="1">
-              <a:solidFill>
-                <a:schemeClr val="dk1"/>
-              </a:solidFill>
-              <a:latin typeface="Montserrat"/>
-              <a:ea typeface="Montserrat"/>
-              <a:cs typeface="Montserrat"/>
-              <a:sym typeface="Montserrat"/>
-            </a:endParaRPr>
-          </a:p>
-          <a:p>
-            <a:pPr marL="0" lvl="0" indent="0" algn="l" rtl="0">
-              <a:spcBef>
-                <a:spcPts val="1200"/>
-              </a:spcBef>
-              <a:spcAft>
-                <a:spcPts val="0"/>
-              </a:spcAft>
-              <a:buNone/>
-            </a:pPr>
-            <a:endParaRPr/>
-          </a:p>
-        </p:txBody>
-      </p:sp>
-      <p:sp>
-        <p:nvSpPr>
-          <p:cNvPr id="115" name="Google Shape;115;p20">
-            <a:extLst>
-              <a:ext uri="{FF2B5EF4-FFF2-40B4-BE49-F238E27FC236}">
-                <a16:creationId xmlns:a16="http://schemas.microsoft.com/office/drawing/2014/main" id="{8E379429-B51F-4814-9841-EAE4DEDD9627}"/>
-              </a:ext>
-            </a:extLst>
-          </p:cNvPr>
-          <p:cNvSpPr/>
-          <p:nvPr/>
-        </p:nvSpPr>
-        <p:spPr>
-          <a:xfrm>
-            <a:off x="-4800" y="0"/>
-            <a:ext cx="9153600" cy="239700"/>
-          </a:xfrm>
-          <a:prstGeom prst="rect">
-            <a:avLst/>
-          </a:prstGeom>
-          <a:solidFill>
-            <a:srgbClr val="FCE5CD"/>
-          </a:solidFill>
-          <a:ln w="9525" cap="flat" cmpd="sng">
-            <a:solidFill>
-              <a:srgbClr val="F7EDDE"/>
-            </a:solidFill>
-            <a:prstDash val="solid"/>
-            <a:round/>
-            <a:headEnd type="none" w="sm" len="sm"/>
-            <a:tailEnd type="none" w="sm" len="sm"/>
-          </a:ln>
-        </p:spPr>
-        <p:txBody>
-          <a:bodyPr spcFirstLastPara="1" wrap="square" lIns="91425" tIns="91425" rIns="91425" bIns="91425" anchor="ctr" anchorCtr="0">
-            <a:noAutofit/>
-          </a:bodyPr>
-          <a:lstStyle/>
-          <a:p>
-            <a:pPr marL="0" lvl="0" indent="0" algn="ctr" rtl="0">
-              <a:spcBef>
-                <a:spcPts val="0"/>
-              </a:spcBef>
-              <a:spcAft>
-                <a:spcPts val="0"/>
-              </a:spcAft>
-              <a:buNone/>
-            </a:pPr>
-            <a:endParaRPr/>
-          </a:p>
-        </p:txBody>
-      </p:sp>
-      <p:pic>
-        <p:nvPicPr>
-          <p:cNvPr id="116" name="Google Shape;116;p20">
-            <a:extLst>
-              <a:ext uri="{FF2B5EF4-FFF2-40B4-BE49-F238E27FC236}">
-                <a16:creationId xmlns:a16="http://schemas.microsoft.com/office/drawing/2014/main" id="{C274503A-025B-C2A8-C1C7-1B4EF5CEB29B}"/>
-              </a:ext>
-            </a:extLst>
-          </p:cNvPr>
-          <p:cNvPicPr preferRelativeResize="0"/>
-          <p:nvPr/>
-        </p:nvPicPr>
-        <p:blipFill>
-          <a:blip r:embed="rId3">
-            <a:alphaModFix/>
-          </a:blip>
-          <a:stretch>
-            <a:fillRect/>
-          </a:stretch>
-        </p:blipFill>
-        <p:spPr>
-          <a:xfrm>
-            <a:off x="8469575" y="-4"/>
-            <a:ext cx="674425" cy="340550"/>
-          </a:xfrm>
-          <a:prstGeom prst="rect">
-            <a:avLst/>
-          </a:prstGeom>
-          <a:noFill/>
-          <a:ln>
-            <a:noFill/>
-          </a:ln>
-        </p:spPr>
-      </p:pic>
-    </p:spTree>
-    <p:extLst>
-      <p:ext uri="{BB962C8B-B14F-4D97-AF65-F5344CB8AC3E}">
-        <p14:creationId xmlns:p14="http://schemas.microsoft.com/office/powerpoint/2010/main" val="1877879800"/>
-      </p:ext>
-    </p:extLst>
-  </p:cSld>
-  <p:clrMapOvr>
-    <a:masterClrMapping/>
-  </p:clrMapOvr>
-</p:sld>
-</file>
-
-<file path=ppt/slides/slide19.xml><?xml version="1.0" encoding="utf-8"?>
+<file path=ppt/slides/slide16.xml><?xml version="1.0" encoding="utf-8"?>
 <p:sld xmlns:a="http://schemas.openxmlformats.org/drawingml/2006/main" xmlns:r="http://schemas.openxmlformats.org/officeDocument/2006/relationships" xmlns:p="http://schemas.openxmlformats.org/presentationml/2006/main">
   <p:cSld>
     <p:spTree>
@@ -12969,7 +10385,7 @@
         <p:spPr>
           <a:xfrm>
             <a:off x="434775" y="1085525"/>
-            <a:ext cx="8366588" cy="4263445"/>
+            <a:ext cx="8320500" cy="1085100"/>
           </a:xfrm>
           <a:prstGeom prst="rect">
             <a:avLst/>
@@ -12985,16 +10401,25 @@
           </a:bodyPr>
           <a:lstStyle/>
           <a:p>
-            <a:pPr marL="285750" indent="-285750">
+            <a:pPr marL="457200" lvl="0" indent="-342900" algn="l" rtl="0">
+              <a:lnSpc>
+                <a:spcPct val="115000"/>
+              </a:lnSpc>
+              <a:spcBef>
+                <a:spcPts val="0"/>
+              </a:spcBef>
+              <a:spcAft>
+                <a:spcPts val="0"/>
+              </a:spcAft>
               <a:buClr>
                 <a:srgbClr val="0D0D0D"/>
               </a:buClr>
               <a:buSzPts val="1800"/>
-              <a:buFont typeface="Calibri"/>
-              <a:buChar char="-"/>
+              <a:buFont typeface="Montserrat"/>
+              <a:buChar char="●"/>
             </a:pPr>
             <a:r>
-              <a:rPr lang="fr" dirty="0">
+              <a:rPr lang="fr" sz="1500">
                 <a:solidFill>
                   <a:srgbClr val="0D0D0D"/>
                 </a:solidFill>
@@ -13003,345 +10428,12 @@
                 </a:highlight>
                 <a:latin typeface="Montserrat"/>
                 <a:ea typeface="Montserrat"/>
+                <a:cs typeface="Montserrat"/>
                 <a:sym typeface="Montserrat"/>
               </a:rPr>
-              <a:t>Le projet </a:t>
+              <a:t>Résumé des points clés de la présentation</a:t>
             </a:r>
-            <a:r>
-              <a:rPr lang="fr" b="1" dirty="0">
-                <a:solidFill>
-                  <a:srgbClr val="0D0D0D"/>
-                </a:solidFill>
-                <a:highlight>
-                  <a:srgbClr val="FFFFFF"/>
-                </a:highlight>
-                <a:latin typeface="Montserrat"/>
-                <a:ea typeface="Montserrat"/>
-                <a:sym typeface="Montserrat"/>
-              </a:rPr>
-              <a:t>Menu Maker by </a:t>
-            </a:r>
-            <a:r>
-              <a:rPr lang="fr" b="1" err="1">
-                <a:solidFill>
-                  <a:srgbClr val="0D0D0D"/>
-                </a:solidFill>
-                <a:highlight>
-                  <a:srgbClr val="FFFFFF"/>
-                </a:highlight>
-                <a:latin typeface="Montserrat"/>
-                <a:ea typeface="Montserrat"/>
-                <a:sym typeface="Montserrat"/>
-              </a:rPr>
-              <a:t>Qwenta</a:t>
-            </a:r>
-            <a:r>
-              <a:rPr lang="fr" dirty="0">
-                <a:solidFill>
-                  <a:srgbClr val="0D0D0D"/>
-                </a:solidFill>
-                <a:highlight>
-                  <a:srgbClr val="FFFFFF"/>
-                </a:highlight>
-                <a:latin typeface="Montserrat"/>
-                <a:ea typeface="Montserrat"/>
-                <a:sym typeface="Montserrat"/>
-              </a:rPr>
-              <a:t> vise à offrir aux restaurateurs un outil moderne et intuitif pour créer, personnaliser et diffuser leurs menus facilement.</a:t>
-            </a:r>
-            <a:endParaRPr lang="fr" dirty="0">
-              <a:solidFill>
-                <a:srgbClr val="0D0D0D"/>
-              </a:solidFill>
-              <a:highlight>
-                <a:srgbClr val="FFFFFF"/>
-              </a:highlight>
-              <a:latin typeface="Montserrat"/>
-              <a:ea typeface="Montserrat"/>
-            </a:endParaRPr>
-          </a:p>
-          <a:p>
-            <a:pPr marL="285750" indent="-285750">
-              <a:buClr>
-                <a:srgbClr val="0D0D0D"/>
-              </a:buClr>
-              <a:buSzPts val="1800"/>
-              <a:buFont typeface="Calibri"/>
-              <a:buChar char="-"/>
-            </a:pPr>
-            <a:endParaRPr lang="fr" dirty="0">
-              <a:solidFill>
-                <a:srgbClr val="0D0D0D"/>
-              </a:solidFill>
-              <a:highlight>
-                <a:srgbClr val="FFFFFF"/>
-              </a:highlight>
-              <a:latin typeface="Montserrat"/>
-              <a:ea typeface="Montserrat"/>
-            </a:endParaRPr>
-          </a:p>
-          <a:p>
-            <a:pPr marL="285750" indent="-285750">
-              <a:buSzPts val="1800"/>
-              <a:buFont typeface="Calibri"/>
-              <a:buChar char="-"/>
-            </a:pPr>
-            <a:r>
-              <a:rPr lang="fr" dirty="0">
-                <a:solidFill>
-                  <a:srgbClr val="0D0D0D"/>
-                </a:solidFill>
-                <a:highlight>
-                  <a:srgbClr val="FFFFFF"/>
-                </a:highlight>
-                <a:latin typeface="Montserrat"/>
-                <a:ea typeface="Montserrat"/>
-                <a:sym typeface="Montserrat"/>
-              </a:rPr>
-              <a:t>La démarche a reposé sur une analyse fonctionnelle détaillée, la définition de spécifications techniques adaptées, et une gestion de projet Agile organisée via un Kanban.</a:t>
-            </a:r>
-            <a:endParaRPr lang="fr">
-              <a:latin typeface="Montserrat"/>
-              <a:ea typeface="Montserrat"/>
-            </a:endParaRPr>
-          </a:p>
-          <a:p>
-            <a:pPr marL="285750" indent="-285750">
-              <a:buSzPts val="1800"/>
-              <a:buFont typeface="Calibri"/>
-              <a:buChar char="-"/>
-            </a:pPr>
-            <a:endParaRPr lang="fr" dirty="0">
-              <a:solidFill>
-                <a:srgbClr val="0D0D0D"/>
-              </a:solidFill>
-              <a:highlight>
-                <a:srgbClr val="FFFFFF"/>
-              </a:highlight>
-              <a:latin typeface="Montserrat"/>
-            </a:endParaRPr>
-          </a:p>
-          <a:p>
-            <a:pPr marL="285750" indent="-285750">
-              <a:buSzPts val="1800"/>
-              <a:buFont typeface="Calibri"/>
-              <a:buChar char="-"/>
-            </a:pPr>
-            <a:r>
-              <a:rPr lang="fr" dirty="0">
-                <a:solidFill>
-                  <a:srgbClr val="0D0D0D"/>
-                </a:solidFill>
-                <a:highlight>
-                  <a:srgbClr val="FFFFFF"/>
-                </a:highlight>
-                <a:latin typeface="Montserrat"/>
-                <a:ea typeface="Montserrat"/>
-                <a:sym typeface="Montserrat"/>
-              </a:rPr>
-              <a:t>Les choix technologiques (</a:t>
-            </a:r>
-            <a:r>
-              <a:rPr lang="fr" err="1">
-                <a:solidFill>
-                  <a:srgbClr val="0D0D0D"/>
-                </a:solidFill>
-                <a:highlight>
-                  <a:srgbClr val="FFFFFF"/>
-                </a:highlight>
-                <a:latin typeface="Montserrat"/>
-                <a:ea typeface="Montserrat"/>
-                <a:sym typeface="Montserrat"/>
-              </a:rPr>
-              <a:t>React</a:t>
-            </a:r>
-            <a:r>
-              <a:rPr lang="fr" dirty="0">
-                <a:solidFill>
-                  <a:srgbClr val="0D0D0D"/>
-                </a:solidFill>
-                <a:highlight>
-                  <a:srgbClr val="FFFFFF"/>
-                </a:highlight>
-                <a:latin typeface="Montserrat"/>
-                <a:ea typeface="Montserrat"/>
-                <a:sym typeface="Montserrat"/>
-              </a:rPr>
-              <a:t>, Node.js, </a:t>
-            </a:r>
-            <a:r>
-              <a:rPr lang="fr" err="1">
-                <a:solidFill>
-                  <a:srgbClr val="0D0D0D"/>
-                </a:solidFill>
-                <a:highlight>
-                  <a:srgbClr val="FFFFFF"/>
-                </a:highlight>
-                <a:latin typeface="Montserrat"/>
-                <a:ea typeface="Montserrat"/>
-                <a:sym typeface="Montserrat"/>
-              </a:rPr>
-              <a:t>Firebase</a:t>
-            </a:r>
-            <a:r>
-              <a:rPr lang="fr" dirty="0">
-                <a:solidFill>
-                  <a:srgbClr val="0D0D0D"/>
-                </a:solidFill>
-                <a:highlight>
-                  <a:srgbClr val="FFFFFF"/>
-                </a:highlight>
-                <a:latin typeface="Montserrat"/>
-                <a:ea typeface="Montserrat"/>
-                <a:sym typeface="Montserrat"/>
-              </a:rPr>
-              <a:t>, MongoDB, </a:t>
-            </a:r>
-            <a:r>
-              <a:rPr lang="fr" err="1">
-                <a:solidFill>
-                  <a:srgbClr val="0D0D0D"/>
-                </a:solidFill>
-                <a:highlight>
-                  <a:srgbClr val="FFFFFF"/>
-                </a:highlight>
-                <a:latin typeface="Montserrat"/>
-                <a:ea typeface="Montserrat"/>
-                <a:sym typeface="Montserrat"/>
-              </a:rPr>
-              <a:t>Tailwind</a:t>
-            </a:r>
-            <a:r>
-              <a:rPr lang="fr" dirty="0">
-                <a:solidFill>
-                  <a:srgbClr val="0D0D0D"/>
-                </a:solidFill>
-                <a:highlight>
-                  <a:srgbClr val="FFFFFF"/>
-                </a:highlight>
-                <a:latin typeface="Montserrat"/>
-                <a:ea typeface="Montserrat"/>
-                <a:sym typeface="Montserrat"/>
-              </a:rPr>
-              <a:t> CSS…) garantissent une solution à la fois performante, évolutive et accessible.</a:t>
-            </a:r>
-            <a:endParaRPr lang="fr" dirty="0">
-              <a:solidFill>
-                <a:srgbClr val="0D0D0D"/>
-              </a:solidFill>
-              <a:highlight>
-                <a:srgbClr val="FFFFFF"/>
-              </a:highlight>
-              <a:latin typeface="Montserrat"/>
-            </a:endParaRPr>
-          </a:p>
-          <a:p>
-            <a:pPr marL="285750" indent="-285750">
-              <a:buSzPts val="1800"/>
-              <a:buFont typeface="Calibri"/>
-              <a:buChar char="-"/>
-            </a:pPr>
-            <a:endParaRPr lang="fr" dirty="0">
-              <a:solidFill>
-                <a:srgbClr val="0D0D0D"/>
-              </a:solidFill>
-              <a:highlight>
-                <a:srgbClr val="FFFFFF"/>
-              </a:highlight>
-              <a:latin typeface="Montserrat"/>
-              <a:ea typeface="Montserrat"/>
-            </a:endParaRPr>
-          </a:p>
-          <a:p>
-            <a:pPr marL="285750" indent="-285750">
-              <a:buSzPts val="1800"/>
-              <a:buFont typeface="Calibri"/>
-              <a:buChar char="-"/>
-            </a:pPr>
-            <a:r>
-              <a:rPr lang="fr" dirty="0">
-                <a:solidFill>
-                  <a:srgbClr val="0D0D0D"/>
-                </a:solidFill>
-                <a:highlight>
-                  <a:srgbClr val="FFFFFF"/>
-                </a:highlight>
-                <a:latin typeface="Montserrat"/>
-                <a:ea typeface="Montserrat"/>
-                <a:sym typeface="Montserrat"/>
-              </a:rPr>
-              <a:t>La veille technologique a permis d’intégrer les meilleures pratiques et les outils les plus récents du marché.</a:t>
-            </a:r>
-            <a:endParaRPr lang="fr" dirty="0">
-              <a:solidFill>
-                <a:srgbClr val="0D0D0D"/>
-              </a:solidFill>
-              <a:highlight>
-                <a:srgbClr val="FFFFFF"/>
-              </a:highlight>
-              <a:latin typeface="Montserrat"/>
-            </a:endParaRPr>
-          </a:p>
-          <a:p>
-            <a:pPr marL="285750" indent="-285750">
-              <a:buSzPts val="1800"/>
-              <a:buFont typeface="Calibri"/>
-              <a:buChar char="-"/>
-            </a:pPr>
-            <a:endParaRPr lang="fr" dirty="0">
-              <a:solidFill>
-                <a:srgbClr val="0D0D0D"/>
-              </a:solidFill>
-              <a:highlight>
-                <a:srgbClr val="FFFFFF"/>
-              </a:highlight>
-              <a:latin typeface="Montserrat"/>
-              <a:ea typeface="Montserrat"/>
-            </a:endParaRPr>
-          </a:p>
-          <a:p>
-            <a:pPr marL="285750" indent="-285750">
-              <a:buSzPts val="1800"/>
-              <a:buFont typeface="Calibri"/>
-              <a:buChar char="-"/>
-            </a:pPr>
-            <a:r>
-              <a:rPr lang="fr" dirty="0">
-                <a:solidFill>
-                  <a:srgbClr val="0D0D0D"/>
-                </a:solidFill>
-                <a:highlight>
-                  <a:srgbClr val="FFFFFF"/>
-                </a:highlight>
-                <a:latin typeface="Montserrat"/>
-                <a:ea typeface="Montserrat"/>
-                <a:sym typeface="Montserrat"/>
-              </a:rPr>
-              <a:t>Ce cadrage prépare la suite du développement pour garantir un déploiement rapide et une expérience utilisateur optimale.</a:t>
-            </a:r>
-            <a:endParaRPr lang="fr" dirty="0">
-              <a:latin typeface="Montserrat"/>
-            </a:endParaRPr>
-          </a:p>
-          <a:p>
-            <a:pPr marL="457200" lvl="0" indent="-342900" algn="l">
-              <a:lnSpc>
-                <a:spcPct val="114999"/>
-              </a:lnSpc>
-              <a:spcBef>
-                <a:spcPts val="0"/>
-              </a:spcBef>
-              <a:spcAft>
-                <a:spcPts val="0"/>
-              </a:spcAft>
-              <a:buClr>
-                <a:srgbClr val="0D0D0D"/>
-              </a:buClr>
-              <a:buSzPts val="1800"/>
-              <a:buFont typeface="Calibri"/>
-              <a:buChar char="-"/>
-            </a:pPr>
-            <a:endParaRPr lang="fr" sz="1500" dirty="0">
+            <a:endParaRPr sz="1800">
               <a:solidFill>
                 <a:srgbClr val="0D0D0D"/>
               </a:solidFill>
@@ -13351,6 +10443,7 @@
               <a:latin typeface="Montserrat"/>
               <a:ea typeface="Montserrat"/>
               <a:cs typeface="Montserrat"/>
+              <a:sym typeface="Montserrat"/>
             </a:endParaRPr>
           </a:p>
           <a:p>
@@ -13439,6 +10532,171 @@
       <p:pic>
         <p:nvPicPr>
           <p:cNvPr id="126" name="Google Shape;126;p21"/>
+          <p:cNvPicPr preferRelativeResize="0"/>
+          <p:nvPr/>
+        </p:nvPicPr>
+        <p:blipFill>
+          <a:blip r:embed="rId3">
+            <a:alphaModFix/>
+          </a:blip>
+          <a:stretch>
+            <a:fillRect/>
+          </a:stretch>
+        </p:blipFill>
+        <p:spPr>
+          <a:xfrm>
+            <a:off x="8469575" y="-4"/>
+            <a:ext cx="674425" cy="340550"/>
+          </a:xfrm>
+          <a:prstGeom prst="rect">
+            <a:avLst/>
+          </a:prstGeom>
+          <a:noFill/>
+          <a:ln>
+            <a:noFill/>
+          </a:ln>
+        </p:spPr>
+      </p:pic>
+    </p:spTree>
+  </p:cSld>
+  <p:clrMapOvr>
+    <a:masterClrMapping/>
+  </p:clrMapOvr>
+</p:sld>
+</file>
+
+<file path=ppt/slides/slide17.xml><?xml version="1.0" encoding="utf-8"?>
+<p:sld xmlns:a="http://schemas.openxmlformats.org/drawingml/2006/main" xmlns:r="http://schemas.openxmlformats.org/officeDocument/2006/relationships" xmlns:p="http://schemas.openxmlformats.org/presentationml/2006/main">
+  <p:cSld>
+    <p:bg>
+      <p:bgPr>
+        <a:solidFill>
+          <a:srgbClr val="FCE5CD"/>
+        </a:solidFill>
+        <a:effectLst/>
+      </p:bgPr>
+    </p:bg>
+    <p:spTree>
+      <p:nvGrpSpPr>
+        <p:cNvPr id="1" name="Shape 130"/>
+        <p:cNvGrpSpPr/>
+        <p:nvPr/>
+      </p:nvGrpSpPr>
+      <p:grpSpPr>
+        <a:xfrm>
+          <a:off x="0" y="0"/>
+          <a:ext cx="0" cy="0"/>
+          <a:chOff x="0" y="0"/>
+          <a:chExt cx="0" cy="0"/>
+        </a:xfrm>
+      </p:grpSpPr>
+      <p:sp>
+        <p:nvSpPr>
+          <p:cNvPr id="131" name="Google Shape;131;p22"/>
+          <p:cNvSpPr txBox="1"/>
+          <p:nvPr/>
+        </p:nvSpPr>
+        <p:spPr>
+          <a:xfrm>
+            <a:off x="2411475" y="2125800"/>
+            <a:ext cx="4222200" cy="801900"/>
+          </a:xfrm>
+          <a:prstGeom prst="rect">
+            <a:avLst/>
+          </a:prstGeom>
+          <a:noFill/>
+          <a:ln>
+            <a:noFill/>
+          </a:ln>
+        </p:spPr>
+        <p:txBody>
+          <a:bodyPr spcFirstLastPara="1" wrap="square" lIns="91425" tIns="91425" rIns="91425" bIns="91425" anchor="t" anchorCtr="0">
+            <a:noAutofit/>
+          </a:bodyPr>
+          <a:lstStyle/>
+          <a:p>
+            <a:pPr marL="0" lvl="0" indent="0" algn="ctr" rtl="0">
+              <a:spcBef>
+                <a:spcPts val="0"/>
+              </a:spcBef>
+              <a:spcAft>
+                <a:spcPts val="0"/>
+              </a:spcAft>
+              <a:buNone/>
+            </a:pPr>
+            <a:r>
+              <a:rPr lang="fr" sz="3500">
+                <a:solidFill>
+                  <a:schemeClr val="dk1"/>
+                </a:solidFill>
+                <a:latin typeface="Montserrat"/>
+                <a:ea typeface="Montserrat"/>
+                <a:cs typeface="Montserrat"/>
+                <a:sym typeface="Montserrat"/>
+              </a:rPr>
+              <a:t>QUESTIONS ?</a:t>
+            </a:r>
+            <a:endParaRPr sz="3500">
+              <a:solidFill>
+                <a:schemeClr val="dk1"/>
+              </a:solidFill>
+              <a:latin typeface="Montserrat"/>
+              <a:ea typeface="Montserrat"/>
+              <a:cs typeface="Montserrat"/>
+              <a:sym typeface="Montserrat"/>
+            </a:endParaRPr>
+          </a:p>
+        </p:txBody>
+      </p:sp>
+      <p:sp>
+        <p:nvSpPr>
+          <p:cNvPr id="132" name="Google Shape;132;p22"/>
+          <p:cNvSpPr txBox="1"/>
+          <p:nvPr/>
+        </p:nvSpPr>
+        <p:spPr>
+          <a:xfrm>
+            <a:off x="115175" y="118275"/>
+            <a:ext cx="2384700" cy="280200"/>
+          </a:xfrm>
+          <a:prstGeom prst="rect">
+            <a:avLst/>
+          </a:prstGeom>
+          <a:noFill/>
+          <a:ln>
+            <a:noFill/>
+          </a:ln>
+        </p:spPr>
+        <p:txBody>
+          <a:bodyPr spcFirstLastPara="1" wrap="square" lIns="91425" tIns="91425" rIns="91425" bIns="91425" anchor="t" anchorCtr="0">
+            <a:noAutofit/>
+          </a:bodyPr>
+          <a:lstStyle/>
+          <a:p>
+            <a:pPr marL="0" lvl="0" indent="0" algn="l" rtl="0">
+              <a:spcBef>
+                <a:spcPts val="0"/>
+              </a:spcBef>
+              <a:spcAft>
+                <a:spcPts val="0"/>
+              </a:spcAft>
+              <a:buNone/>
+            </a:pPr>
+            <a:endParaRPr sz="1500">
+              <a:solidFill>
+                <a:schemeClr val="dk1"/>
+              </a:solidFill>
+              <a:latin typeface="Montserrat"/>
+              <a:ea typeface="Montserrat"/>
+              <a:cs typeface="Montserrat"/>
+              <a:sym typeface="Montserrat"/>
+            </a:endParaRPr>
+          </a:p>
+        </p:txBody>
+      </p:sp>
+      <p:pic>
+        <p:nvPicPr>
+          <p:cNvPr id="133" name="Google Shape;133;p22"/>
           <p:cNvPicPr preferRelativeResize="0"/>
           <p:nvPr/>
         </p:nvPicPr>
@@ -13961,171 +11219,6 @@
       <p:pic>
         <p:nvPicPr>
           <p:cNvPr id="63" name="Google Shape;63;p14"/>
-          <p:cNvPicPr preferRelativeResize="0"/>
-          <p:nvPr/>
-        </p:nvPicPr>
-        <p:blipFill>
-          <a:blip r:embed="rId3">
-            <a:alphaModFix/>
-          </a:blip>
-          <a:stretch>
-            <a:fillRect/>
-          </a:stretch>
-        </p:blipFill>
-        <p:spPr>
-          <a:xfrm>
-            <a:off x="8469575" y="-4"/>
-            <a:ext cx="674425" cy="340550"/>
-          </a:xfrm>
-          <a:prstGeom prst="rect">
-            <a:avLst/>
-          </a:prstGeom>
-          <a:noFill/>
-          <a:ln>
-            <a:noFill/>
-          </a:ln>
-        </p:spPr>
-      </p:pic>
-    </p:spTree>
-  </p:cSld>
-  <p:clrMapOvr>
-    <a:masterClrMapping/>
-  </p:clrMapOvr>
-</p:sld>
-</file>
-
-<file path=ppt/slides/slide20.xml><?xml version="1.0" encoding="utf-8"?>
-<p:sld xmlns:a="http://schemas.openxmlformats.org/drawingml/2006/main" xmlns:r="http://schemas.openxmlformats.org/officeDocument/2006/relationships" xmlns:p="http://schemas.openxmlformats.org/presentationml/2006/main">
-  <p:cSld>
-    <p:bg>
-      <p:bgPr>
-        <a:solidFill>
-          <a:srgbClr val="FCE5CD"/>
-        </a:solidFill>
-        <a:effectLst/>
-      </p:bgPr>
-    </p:bg>
-    <p:spTree>
-      <p:nvGrpSpPr>
-        <p:cNvPr id="1" name="Shape 130"/>
-        <p:cNvGrpSpPr/>
-        <p:nvPr/>
-      </p:nvGrpSpPr>
-      <p:grpSpPr>
-        <a:xfrm>
-          <a:off x="0" y="0"/>
-          <a:ext cx="0" cy="0"/>
-          <a:chOff x="0" y="0"/>
-          <a:chExt cx="0" cy="0"/>
-        </a:xfrm>
-      </p:grpSpPr>
-      <p:sp>
-        <p:nvSpPr>
-          <p:cNvPr id="131" name="Google Shape;131;p22"/>
-          <p:cNvSpPr txBox="1"/>
-          <p:nvPr/>
-        </p:nvSpPr>
-        <p:spPr>
-          <a:xfrm>
-            <a:off x="2411475" y="2125800"/>
-            <a:ext cx="4222200" cy="801900"/>
-          </a:xfrm>
-          <a:prstGeom prst="rect">
-            <a:avLst/>
-          </a:prstGeom>
-          <a:noFill/>
-          <a:ln>
-            <a:noFill/>
-          </a:ln>
-        </p:spPr>
-        <p:txBody>
-          <a:bodyPr spcFirstLastPara="1" wrap="square" lIns="91425" tIns="91425" rIns="91425" bIns="91425" anchor="t" anchorCtr="0">
-            <a:noAutofit/>
-          </a:bodyPr>
-          <a:lstStyle/>
-          <a:p>
-            <a:pPr marL="0" lvl="0" indent="0" algn="ctr" rtl="0">
-              <a:spcBef>
-                <a:spcPts val="0"/>
-              </a:spcBef>
-              <a:spcAft>
-                <a:spcPts val="0"/>
-              </a:spcAft>
-              <a:buNone/>
-            </a:pPr>
-            <a:r>
-              <a:rPr lang="fr" sz="3500">
-                <a:solidFill>
-                  <a:schemeClr val="dk1"/>
-                </a:solidFill>
-                <a:latin typeface="Montserrat"/>
-                <a:ea typeface="Montserrat"/>
-                <a:cs typeface="Montserrat"/>
-                <a:sym typeface="Montserrat"/>
-              </a:rPr>
-              <a:t>QUESTIONS ?</a:t>
-            </a:r>
-            <a:endParaRPr sz="3500">
-              <a:solidFill>
-                <a:schemeClr val="dk1"/>
-              </a:solidFill>
-              <a:latin typeface="Montserrat"/>
-              <a:ea typeface="Montserrat"/>
-              <a:cs typeface="Montserrat"/>
-              <a:sym typeface="Montserrat"/>
-            </a:endParaRPr>
-          </a:p>
-        </p:txBody>
-      </p:sp>
-      <p:sp>
-        <p:nvSpPr>
-          <p:cNvPr id="132" name="Google Shape;132;p22"/>
-          <p:cNvSpPr txBox="1"/>
-          <p:nvPr/>
-        </p:nvSpPr>
-        <p:spPr>
-          <a:xfrm>
-            <a:off x="115175" y="118275"/>
-            <a:ext cx="2384700" cy="280200"/>
-          </a:xfrm>
-          <a:prstGeom prst="rect">
-            <a:avLst/>
-          </a:prstGeom>
-          <a:noFill/>
-          <a:ln>
-            <a:noFill/>
-          </a:ln>
-        </p:spPr>
-        <p:txBody>
-          <a:bodyPr spcFirstLastPara="1" wrap="square" lIns="91425" tIns="91425" rIns="91425" bIns="91425" anchor="t" anchorCtr="0">
-            <a:noAutofit/>
-          </a:bodyPr>
-          <a:lstStyle/>
-          <a:p>
-            <a:pPr marL="0" lvl="0" indent="0" algn="l" rtl="0">
-              <a:spcBef>
-                <a:spcPts val="0"/>
-              </a:spcBef>
-              <a:spcAft>
-                <a:spcPts val="0"/>
-              </a:spcAft>
-              <a:buNone/>
-            </a:pPr>
-            <a:endParaRPr sz="1500">
-              <a:solidFill>
-                <a:schemeClr val="dk1"/>
-              </a:solidFill>
-              <a:latin typeface="Montserrat"/>
-              <a:ea typeface="Montserrat"/>
-              <a:cs typeface="Montserrat"/>
-              <a:sym typeface="Montserrat"/>
-            </a:endParaRPr>
-          </a:p>
-        </p:txBody>
-      </p:sp>
-      <p:pic>
-        <p:nvPicPr>
-          <p:cNvPr id="133" name="Google Shape;133;p22"/>
           <p:cNvPicPr preferRelativeResize="0"/>
           <p:nvPr/>
         </p:nvPicPr>
@@ -15976,7 +13069,7 @@
         </p:nvSpPr>
         <p:spPr>
           <a:xfrm>
-            <a:off x="5982873" y="783786"/>
+            <a:off x="5992091" y="710044"/>
             <a:ext cx="3158835" cy="3570208"/>
           </a:xfrm>
           <a:prstGeom prst="rect">

--- a/Présentation Menu Maker.pptx
+++ b/Présentation Menu Maker.pptx
@@ -5,7 +5,7 @@
     <p:sldMasterId id="2147483659" r:id="rId1"/>
   </p:sldMasterIdLst>
   <p:notesMasterIdLst>
-    <p:notesMasterId r:id="rId19"/>
+    <p:notesMasterId r:id="rId22"/>
   </p:notesMasterIdLst>
   <p:sldIdLst>
     <p:sldId id="256" r:id="rId2"/>
@@ -22,19 +22,22 @@
     <p:sldId id="272" r:id="rId13"/>
     <p:sldId id="273" r:id="rId14"/>
     <p:sldId id="262" r:id="rId15"/>
-    <p:sldId id="263" r:id="rId16"/>
-    <p:sldId id="264" r:id="rId17"/>
-    <p:sldId id="265" r:id="rId18"/>
+    <p:sldId id="274" r:id="rId16"/>
+    <p:sldId id="263" r:id="rId17"/>
+    <p:sldId id="278" r:id="rId18"/>
+    <p:sldId id="275" r:id="rId19"/>
+    <p:sldId id="264" r:id="rId20"/>
+    <p:sldId id="265" r:id="rId21"/>
   </p:sldIdLst>
   <p:sldSz cx="9144000" cy="5143500" type="screen16x9"/>
   <p:notesSz cx="6858000" cy="9144000"/>
   <p:embeddedFontLst>
     <p:embeddedFont>
       <p:font typeface="Montserrat" panose="00000500000000000000" pitchFamily="2" charset="0"/>
-      <p:regular r:id="rId20"/>
-      <p:bold r:id="rId21"/>
-      <p:italic r:id="rId22"/>
-      <p:boldItalic r:id="rId23"/>
+      <p:regular r:id="rId23"/>
+      <p:bold r:id="rId24"/>
+      <p:italic r:id="rId25"/>
+      <p:boldItalic r:id="rId26"/>
     </p:embeddedFont>
   </p:embeddedFontLst>
   <p:defaultTextStyle>
@@ -288,8 +291,8 @@
 <file path=ppt/revisionInfo.xml><?xml version="1.0" encoding="utf-8"?>
 <p1510:revInfo xmlns:a="http://schemas.openxmlformats.org/drawingml/2006/main" xmlns:r="http://schemas.openxmlformats.org/officeDocument/2006/relationships" xmlns:p1510="http://schemas.microsoft.com/office/powerpoint/2015/10/main">
   <p1510:revLst>
+    <p1510:client id="{3B4F9258-31B9-4EDB-8342-BA0E276EB308}" v="721" dt="2025-07-06T11:55:46.885"/>
     <p1510:client id="{A502681F-5AA6-4D81-84EF-2C43976C2F72}" v="930" dt="2025-07-06T10:38:55.396"/>
-    <p1510:client id="{EDE6C121-BF7E-47D8-934F-937BEEF58BF7}" v="4" dt="2025-07-06T14:51:24.137"/>
   </p1510:revLst>
 </p1510:revInfo>
 </file>
@@ -1330,7 +1333,7 @@
         </p:nvSpPr>
         <p:spPr>
           <a:xfrm>
-            <a:off x="381300" y="685800"/>
+            <a:off x="381000" y="685800"/>
             <a:ext cx="6096000" cy="3429000"/>
           </a:xfrm>
           <a:custGeom>
@@ -1410,6 +1413,133 @@
   <p:cSld>
     <p:spTree>
       <p:nvGrpSpPr>
+        <p:cNvPr id="1" name="Shape 107">
+          <a:extLst>
+            <a:ext uri="{FF2B5EF4-FFF2-40B4-BE49-F238E27FC236}">
+              <a16:creationId xmlns:a16="http://schemas.microsoft.com/office/drawing/2014/main" id="{9851BF93-8C05-C8ED-5FF4-D5709CC7763C}"/>
+            </a:ext>
+          </a:extLst>
+        </p:cNvPr>
+        <p:cNvGrpSpPr/>
+        <p:nvPr/>
+      </p:nvGrpSpPr>
+      <p:grpSpPr>
+        <a:xfrm>
+          <a:off x="0" y="0"/>
+          <a:ext cx="0" cy="0"/>
+          <a:chOff x="0" y="0"/>
+          <a:chExt cx="0" cy="0"/>
+        </a:xfrm>
+      </p:grpSpPr>
+      <p:sp>
+        <p:nvSpPr>
+          <p:cNvPr id="108" name="Google Shape;108;g218b606cc07_1_8:notes">
+            <a:extLst>
+              <a:ext uri="{FF2B5EF4-FFF2-40B4-BE49-F238E27FC236}">
+                <a16:creationId xmlns:a16="http://schemas.microsoft.com/office/drawing/2014/main" id="{FD27586E-3413-F66D-0595-44386A3CC643}"/>
+              </a:ext>
+            </a:extLst>
+          </p:cNvPr>
+          <p:cNvSpPr>
+            <a:spLocks noGrp="1" noRot="1" noChangeAspect="1"/>
+          </p:cNvSpPr>
+          <p:nvPr>
+            <p:ph type="sldImg" idx="2"/>
+          </p:nvPr>
+        </p:nvSpPr>
+        <p:spPr>
+          <a:xfrm>
+            <a:off x="381000" y="685800"/>
+            <a:ext cx="6096000" cy="3429000"/>
+          </a:xfrm>
+          <a:custGeom>
+            <a:avLst/>
+            <a:gdLst/>
+            <a:ahLst/>
+            <a:cxnLst/>
+            <a:rect l="l" t="t" r="r" b="b"/>
+            <a:pathLst>
+              <a:path w="120000" h="120000" extrusionOk="0">
+                <a:moveTo>
+                  <a:pt x="0" y="0"/>
+                </a:moveTo>
+                <a:lnTo>
+                  <a:pt x="120000" y="0"/>
+                </a:lnTo>
+                <a:lnTo>
+                  <a:pt x="120000" y="120000"/>
+                </a:lnTo>
+                <a:lnTo>
+                  <a:pt x="0" y="120000"/>
+                </a:lnTo>
+                <a:close/>
+              </a:path>
+            </a:pathLst>
+          </a:custGeom>
+        </p:spPr>
+      </p:sp>
+      <p:sp>
+        <p:nvSpPr>
+          <p:cNvPr id="109" name="Google Shape;109;g218b606cc07_1_8:notes">
+            <a:extLst>
+              <a:ext uri="{FF2B5EF4-FFF2-40B4-BE49-F238E27FC236}">
+                <a16:creationId xmlns:a16="http://schemas.microsoft.com/office/drawing/2014/main" id="{6046B31E-B9C6-07A2-DB0A-9A414259E6DB}"/>
+              </a:ext>
+            </a:extLst>
+          </p:cNvPr>
+          <p:cNvSpPr txBox="1">
+            <a:spLocks noGrp="1"/>
+          </p:cNvSpPr>
+          <p:nvPr>
+            <p:ph type="body" idx="1"/>
+          </p:nvPr>
+        </p:nvSpPr>
+        <p:spPr>
+          <a:xfrm>
+            <a:off x="685800" y="4343400"/>
+            <a:ext cx="5486400" cy="4114800"/>
+          </a:xfrm>
+          <a:prstGeom prst="rect">
+            <a:avLst/>
+          </a:prstGeom>
+        </p:spPr>
+        <p:txBody>
+          <a:bodyPr spcFirstLastPara="1" wrap="square" lIns="91425" tIns="91425" rIns="91425" bIns="91425" anchor="t" anchorCtr="0">
+            <a:noAutofit/>
+          </a:bodyPr>
+          <a:lstStyle/>
+          <a:p>
+            <a:pPr marL="0" lvl="0" indent="0" algn="l" rtl="0">
+              <a:spcBef>
+                <a:spcPts val="0"/>
+              </a:spcBef>
+              <a:spcAft>
+                <a:spcPts val="0"/>
+              </a:spcAft>
+              <a:buNone/>
+            </a:pPr>
+            <a:endParaRPr/>
+          </a:p>
+        </p:txBody>
+      </p:sp>
+    </p:spTree>
+    <p:extLst>
+      <p:ext uri="{BB962C8B-B14F-4D97-AF65-F5344CB8AC3E}">
+        <p14:creationId xmlns:p14="http://schemas.microsoft.com/office/powerpoint/2010/main" val="2732043766"/>
+      </p:ext>
+    </p:extLst>
+  </p:cSld>
+  <p:clrMapOvr>
+    <a:masterClrMapping/>
+  </p:clrMapOvr>
+</p:notes>
+</file>
+
+<file path=ppt/notesSlides/notesSlide16.xml><?xml version="1.0" encoding="utf-8"?>
+<p:notes xmlns:a="http://schemas.openxmlformats.org/drawingml/2006/main" xmlns:r="http://schemas.openxmlformats.org/officeDocument/2006/relationships" xmlns:p="http://schemas.openxmlformats.org/presentationml/2006/main" showMasterSp="0" showMasterPhAnim="0">
+  <p:cSld>
+    <p:spTree>
+      <p:nvGrpSpPr>
         <p:cNvPr id="1" name="Shape 107"/>
         <p:cNvGrpSpPr/>
         <p:nvPr/>
@@ -1434,7 +1564,7 @@
         </p:nvSpPr>
         <p:spPr>
           <a:xfrm>
-            <a:off x="381300" y="685800"/>
+            <a:off x="381000" y="685800"/>
             <a:ext cx="6096000" cy="3429000"/>
           </a:xfrm>
           <a:custGeom>
@@ -1509,7 +1639,134 @@
 </p:notes>
 </file>
 
-<file path=ppt/notesSlides/notesSlide16.xml><?xml version="1.0" encoding="utf-8"?>
+<file path=ppt/notesSlides/notesSlide17.xml><?xml version="1.0" encoding="utf-8"?>
+<p:notes xmlns:a="http://schemas.openxmlformats.org/drawingml/2006/main" xmlns:r="http://schemas.openxmlformats.org/officeDocument/2006/relationships" xmlns:p="http://schemas.openxmlformats.org/presentationml/2006/main" showMasterSp="0" showMasterPhAnim="0">
+  <p:cSld>
+    <p:spTree>
+      <p:nvGrpSpPr>
+        <p:cNvPr id="1" name="Shape 107">
+          <a:extLst>
+            <a:ext uri="{FF2B5EF4-FFF2-40B4-BE49-F238E27FC236}">
+              <a16:creationId xmlns:a16="http://schemas.microsoft.com/office/drawing/2014/main" id="{F415280E-BBBF-2E6B-D1FE-BC6124BE8C1E}"/>
+            </a:ext>
+          </a:extLst>
+        </p:cNvPr>
+        <p:cNvGrpSpPr/>
+        <p:nvPr/>
+      </p:nvGrpSpPr>
+      <p:grpSpPr>
+        <a:xfrm>
+          <a:off x="0" y="0"/>
+          <a:ext cx="0" cy="0"/>
+          <a:chOff x="0" y="0"/>
+          <a:chExt cx="0" cy="0"/>
+        </a:xfrm>
+      </p:grpSpPr>
+      <p:sp>
+        <p:nvSpPr>
+          <p:cNvPr id="108" name="Google Shape;108;g218b606cc07_1_8:notes">
+            <a:extLst>
+              <a:ext uri="{FF2B5EF4-FFF2-40B4-BE49-F238E27FC236}">
+                <a16:creationId xmlns:a16="http://schemas.microsoft.com/office/drawing/2014/main" id="{543FC7C5-2EEB-D88C-B22C-E9BFE4A5392D}"/>
+              </a:ext>
+            </a:extLst>
+          </p:cNvPr>
+          <p:cNvSpPr>
+            <a:spLocks noGrp="1" noRot="1" noChangeAspect="1"/>
+          </p:cNvSpPr>
+          <p:nvPr>
+            <p:ph type="sldImg" idx="2"/>
+          </p:nvPr>
+        </p:nvSpPr>
+        <p:spPr>
+          <a:xfrm>
+            <a:off x="381000" y="685800"/>
+            <a:ext cx="6096000" cy="3429000"/>
+          </a:xfrm>
+          <a:custGeom>
+            <a:avLst/>
+            <a:gdLst/>
+            <a:ahLst/>
+            <a:cxnLst/>
+            <a:rect l="l" t="t" r="r" b="b"/>
+            <a:pathLst>
+              <a:path w="120000" h="120000" extrusionOk="0">
+                <a:moveTo>
+                  <a:pt x="0" y="0"/>
+                </a:moveTo>
+                <a:lnTo>
+                  <a:pt x="120000" y="0"/>
+                </a:lnTo>
+                <a:lnTo>
+                  <a:pt x="120000" y="120000"/>
+                </a:lnTo>
+                <a:lnTo>
+                  <a:pt x="0" y="120000"/>
+                </a:lnTo>
+                <a:close/>
+              </a:path>
+            </a:pathLst>
+          </a:custGeom>
+        </p:spPr>
+      </p:sp>
+      <p:sp>
+        <p:nvSpPr>
+          <p:cNvPr id="109" name="Google Shape;109;g218b606cc07_1_8:notes">
+            <a:extLst>
+              <a:ext uri="{FF2B5EF4-FFF2-40B4-BE49-F238E27FC236}">
+                <a16:creationId xmlns:a16="http://schemas.microsoft.com/office/drawing/2014/main" id="{C202901E-9237-7410-C918-524B574FC2AE}"/>
+              </a:ext>
+            </a:extLst>
+          </p:cNvPr>
+          <p:cNvSpPr txBox="1">
+            <a:spLocks noGrp="1"/>
+          </p:cNvSpPr>
+          <p:nvPr>
+            <p:ph type="body" idx="1"/>
+          </p:nvPr>
+        </p:nvSpPr>
+        <p:spPr>
+          <a:xfrm>
+            <a:off x="685800" y="4343400"/>
+            <a:ext cx="5486400" cy="4114800"/>
+          </a:xfrm>
+          <a:prstGeom prst="rect">
+            <a:avLst/>
+          </a:prstGeom>
+        </p:spPr>
+        <p:txBody>
+          <a:bodyPr spcFirstLastPara="1" wrap="square" lIns="91425" tIns="91425" rIns="91425" bIns="91425" anchor="t" anchorCtr="0">
+            <a:noAutofit/>
+          </a:bodyPr>
+          <a:lstStyle/>
+          <a:p>
+            <a:pPr marL="0" lvl="0" indent="0" algn="l" rtl="0">
+              <a:spcBef>
+                <a:spcPts val="0"/>
+              </a:spcBef>
+              <a:spcAft>
+                <a:spcPts val="0"/>
+              </a:spcAft>
+              <a:buNone/>
+            </a:pPr>
+            <a:endParaRPr/>
+          </a:p>
+        </p:txBody>
+      </p:sp>
+    </p:spTree>
+    <p:extLst>
+      <p:ext uri="{BB962C8B-B14F-4D97-AF65-F5344CB8AC3E}">
+        <p14:creationId xmlns:p14="http://schemas.microsoft.com/office/powerpoint/2010/main" val="3853902264"/>
+      </p:ext>
+    </p:extLst>
+  </p:cSld>
+  <p:clrMapOvr>
+    <a:masterClrMapping/>
+  </p:clrMapOvr>
+</p:notes>
+</file>
+
+<file path=ppt/notesSlides/notesSlide18.xml><?xml version="1.0" encoding="utf-8"?>
 <p:notes xmlns:a="http://schemas.openxmlformats.org/drawingml/2006/main" xmlns:r="http://schemas.openxmlformats.org/officeDocument/2006/relationships" xmlns:p="http://schemas.openxmlformats.org/presentationml/2006/main" showMasterSp="0" showMasterPhAnim="0">
   <p:cSld>
     <p:spTree>
@@ -1538,7 +1795,7 @@
         </p:nvSpPr>
         <p:spPr>
           <a:xfrm>
-            <a:off x="381300" y="685800"/>
+            <a:off x="381000" y="685800"/>
             <a:ext cx="6096000" cy="3429000"/>
           </a:xfrm>
           <a:custGeom>
@@ -1613,7 +1870,7 @@
 </p:notes>
 </file>
 
-<file path=ppt/notesSlides/notesSlide17.xml><?xml version="1.0" encoding="utf-8"?>
+<file path=ppt/notesSlides/notesSlide19.xml><?xml version="1.0" encoding="utf-8"?>
 <p:notes xmlns:a="http://schemas.openxmlformats.org/drawingml/2006/main" xmlns:r="http://schemas.openxmlformats.org/officeDocument/2006/relationships" xmlns:p="http://schemas.openxmlformats.org/presentationml/2006/main" showMasterSp="0" showMasterPhAnim="0">
   <p:cSld>
     <p:spTree>
@@ -8131,15 +8388,8 @@
                 <a:cs typeface="Montserrat"/>
                 <a:sym typeface="Montserrat"/>
               </a:rPr>
-              <a:t>Suivi du projet avec le Kanban – 1/3</a:t>
-            </a:r>
-            <a:br>
-              <a:rPr lang="fr" sz="2000" dirty="0">
-                <a:latin typeface="Montserrat"/>
-                <a:ea typeface="Montserrat"/>
-                <a:cs typeface="Montserrat"/>
-              </a:rPr>
-            </a:br>
+              <a:t>Suivi du projet avec le Kanban – 1/2</a:t>
+            </a:r>
             <a:endParaRPr sz="3000" dirty="0">
               <a:latin typeface="Montserrat"/>
               <a:ea typeface="Montserrat"/>
@@ -9189,141 +9439,6 @@
       </p:grpSpPr>
       <p:sp>
         <p:nvSpPr>
-          <p:cNvPr id="101" name="Google Shape;101;p19"/>
-          <p:cNvSpPr txBox="1">
-            <a:spLocks noGrp="1"/>
-          </p:cNvSpPr>
-          <p:nvPr>
-            <p:ph type="title"/>
-          </p:nvPr>
-        </p:nvSpPr>
-        <p:spPr>
-          <a:xfrm>
-            <a:off x="311700" y="445025"/>
-            <a:ext cx="8520600" cy="572700"/>
-          </a:xfrm>
-          <a:prstGeom prst="rect">
-            <a:avLst/>
-          </a:prstGeom>
-        </p:spPr>
-        <p:txBody>
-          <a:bodyPr spcFirstLastPara="1" wrap="square" lIns="91425" tIns="91425" rIns="91425" bIns="91425" anchor="t" anchorCtr="0">
-            <a:normAutofit/>
-          </a:bodyPr>
-          <a:lstStyle/>
-          <a:p>
-            <a:pPr marL="0" lvl="0" indent="0" algn="l" rtl="0">
-              <a:lnSpc>
-                <a:spcPct val="115000"/>
-              </a:lnSpc>
-              <a:spcBef>
-                <a:spcPts val="0"/>
-              </a:spcBef>
-              <a:spcAft>
-                <a:spcPts val="1200"/>
-              </a:spcAft>
-              <a:buNone/>
-            </a:pPr>
-            <a:r>
-              <a:rPr lang="fr" sz="1800">
-                <a:latin typeface="Montserrat"/>
-                <a:ea typeface="Montserrat"/>
-                <a:cs typeface="Montserrat"/>
-                <a:sym typeface="Montserrat"/>
-              </a:rPr>
-              <a:t>Spécifications techniques</a:t>
-            </a:r>
-            <a:endParaRPr sz="1800">
-              <a:solidFill>
-                <a:schemeClr val="dk2"/>
-              </a:solidFill>
-              <a:latin typeface="Montserrat"/>
-              <a:ea typeface="Montserrat"/>
-              <a:cs typeface="Montserrat"/>
-              <a:sym typeface="Montserrat"/>
-            </a:endParaRPr>
-          </a:p>
-        </p:txBody>
-      </p:sp>
-      <p:sp>
-        <p:nvSpPr>
-          <p:cNvPr id="102" name="Google Shape;102;p19"/>
-          <p:cNvSpPr txBox="1">
-            <a:spLocks noGrp="1"/>
-          </p:cNvSpPr>
-          <p:nvPr>
-            <p:ph type="body" idx="1"/>
-          </p:nvPr>
-        </p:nvSpPr>
-        <p:spPr>
-          <a:xfrm>
-            <a:off x="311700" y="1152475"/>
-            <a:ext cx="8520600" cy="3416400"/>
-          </a:xfrm>
-          <a:prstGeom prst="rect">
-            <a:avLst/>
-          </a:prstGeom>
-        </p:spPr>
-        <p:txBody>
-          <a:bodyPr spcFirstLastPara="1" wrap="square" lIns="91425" tIns="91425" rIns="91425" bIns="91425" anchor="t" anchorCtr="0">
-            <a:normAutofit/>
-          </a:bodyPr>
-          <a:lstStyle/>
-          <a:p>
-            <a:pPr marL="0" lvl="0" indent="0" algn="l" rtl="0">
-              <a:spcBef>
-                <a:spcPts val="0"/>
-              </a:spcBef>
-              <a:spcAft>
-                <a:spcPts val="0"/>
-              </a:spcAft>
-              <a:buNone/>
-            </a:pPr>
-            <a:endParaRPr>
-              <a:latin typeface="Montserrat"/>
-              <a:ea typeface="Montserrat"/>
-              <a:cs typeface="Montserrat"/>
-              <a:sym typeface="Montserrat"/>
-            </a:endParaRPr>
-          </a:p>
-          <a:p>
-            <a:pPr marL="0" lvl="0" indent="0" algn="l" rtl="0">
-              <a:spcBef>
-                <a:spcPts val="1200"/>
-              </a:spcBef>
-              <a:spcAft>
-                <a:spcPts val="0"/>
-              </a:spcAft>
-              <a:buNone/>
-            </a:pPr>
-            <a:endParaRPr>
-              <a:latin typeface="Montserrat"/>
-              <a:ea typeface="Montserrat"/>
-              <a:cs typeface="Montserrat"/>
-              <a:sym typeface="Montserrat"/>
-            </a:endParaRPr>
-          </a:p>
-          <a:p>
-            <a:pPr marL="457200" lvl="0" indent="0" algn="l" rtl="0">
-              <a:spcBef>
-                <a:spcPts val="1200"/>
-              </a:spcBef>
-              <a:spcAft>
-                <a:spcPts val="1200"/>
-              </a:spcAft>
-              <a:buNone/>
-            </a:pPr>
-            <a:endParaRPr>
-              <a:latin typeface="Montserrat"/>
-              <a:ea typeface="Montserrat"/>
-              <a:cs typeface="Montserrat"/>
-              <a:sym typeface="Montserrat"/>
-            </a:endParaRPr>
-          </a:p>
-        </p:txBody>
-      </p:sp>
-      <p:sp>
-        <p:nvSpPr>
           <p:cNvPr id="103" name="Google Shape;103;p19"/>
           <p:cNvSpPr txBox="1"/>
           <p:nvPr/>
@@ -9372,188 +9487,6 @@
               <a:t>Présentation de l’usage du no-code</a:t>
             </a:r>
             <a:endParaRPr sz="1000"/>
-          </a:p>
-        </p:txBody>
-      </p:sp>
-      <p:sp>
-        <p:nvSpPr>
-          <p:cNvPr id="104" name="Google Shape;104;p19"/>
-          <p:cNvSpPr txBox="1"/>
-          <p:nvPr/>
-        </p:nvSpPr>
-        <p:spPr>
-          <a:xfrm>
-            <a:off x="434775" y="1085525"/>
-            <a:ext cx="8320500" cy="2151900"/>
-          </a:xfrm>
-          <a:prstGeom prst="rect">
-            <a:avLst/>
-          </a:prstGeom>
-          <a:noFill/>
-          <a:ln>
-            <a:noFill/>
-          </a:ln>
-        </p:spPr>
-        <p:txBody>
-          <a:bodyPr spcFirstLastPara="1" wrap="square" lIns="91425" tIns="91425" rIns="91425" bIns="91425" anchor="t" anchorCtr="0">
-            <a:spAutoFit/>
-          </a:bodyPr>
-          <a:lstStyle/>
-          <a:p>
-            <a:pPr marL="457200" lvl="0" indent="-323850" algn="l" rtl="0">
-              <a:lnSpc>
-                <a:spcPct val="150000"/>
-              </a:lnSpc>
-              <a:spcBef>
-                <a:spcPts val="0"/>
-              </a:spcBef>
-              <a:spcAft>
-                <a:spcPts val="0"/>
-              </a:spcAft>
-              <a:buClr>
-                <a:srgbClr val="0D0D0D"/>
-              </a:buClr>
-              <a:buSzPts val="1500"/>
-              <a:buFont typeface="Montserrat"/>
-              <a:buChar char="●"/>
-            </a:pPr>
-            <a:r>
-              <a:rPr lang="fr" sz="1500">
-                <a:solidFill>
-                  <a:srgbClr val="0D0D0D"/>
-                </a:solidFill>
-                <a:highlight>
-                  <a:srgbClr val="FFFFFF"/>
-                </a:highlight>
-                <a:latin typeface="Montserrat"/>
-                <a:ea typeface="Montserrat"/>
-                <a:cs typeface="Montserrat"/>
-                <a:sym typeface="Montserrat"/>
-              </a:rPr>
-              <a:t>Liste des principales spécifications techniques.</a:t>
-            </a:r>
-            <a:endParaRPr sz="1500">
-              <a:solidFill>
-                <a:srgbClr val="0D0D0D"/>
-              </a:solidFill>
-              <a:highlight>
-                <a:srgbClr val="FFFFFF"/>
-              </a:highlight>
-              <a:latin typeface="Montserrat"/>
-              <a:ea typeface="Montserrat"/>
-              <a:cs typeface="Montserrat"/>
-              <a:sym typeface="Montserrat"/>
-            </a:endParaRPr>
-          </a:p>
-          <a:p>
-            <a:pPr marL="457200" lvl="0" indent="-323850" algn="l" rtl="0">
-              <a:lnSpc>
-                <a:spcPct val="150000"/>
-              </a:lnSpc>
-              <a:spcBef>
-                <a:spcPts val="0"/>
-              </a:spcBef>
-              <a:spcAft>
-                <a:spcPts val="0"/>
-              </a:spcAft>
-              <a:buClr>
-                <a:srgbClr val="0D0D0D"/>
-              </a:buClr>
-              <a:buSzPts val="1500"/>
-              <a:buFont typeface="Montserrat"/>
-              <a:buChar char="●"/>
-            </a:pPr>
-            <a:r>
-              <a:rPr lang="fr" sz="1500">
-                <a:solidFill>
-                  <a:srgbClr val="0D0D0D"/>
-                </a:solidFill>
-                <a:highlight>
-                  <a:srgbClr val="FFFFFF"/>
-                </a:highlight>
-                <a:latin typeface="Montserrat"/>
-                <a:ea typeface="Montserrat"/>
-                <a:cs typeface="Montserrat"/>
-                <a:sym typeface="Montserrat"/>
-              </a:rPr>
-              <a:t>Choix d'une spécification technique clé à vulgariser.</a:t>
-            </a:r>
-            <a:br>
-              <a:rPr lang="fr" sz="1500">
-                <a:solidFill>
-                  <a:srgbClr val="0D0D0D"/>
-                </a:solidFill>
-                <a:highlight>
-                  <a:srgbClr val="FFFFFF"/>
-                </a:highlight>
-                <a:latin typeface="Montserrat"/>
-                <a:ea typeface="Montserrat"/>
-                <a:cs typeface="Montserrat"/>
-                <a:sym typeface="Montserrat"/>
-              </a:rPr>
-            </a:br>
-            <a:r>
-              <a:rPr lang="fr" sz="1500">
-                <a:solidFill>
-                  <a:srgbClr val="0D0D0D"/>
-                </a:solidFill>
-                <a:highlight>
-                  <a:srgbClr val="FFFFFF"/>
-                </a:highlight>
-                <a:latin typeface="Montserrat"/>
-                <a:ea typeface="Montserrat"/>
-                <a:cs typeface="Montserrat"/>
-                <a:sym typeface="Montserrat"/>
-              </a:rPr>
-              <a:t>-&gt; Présentation de cette spécification via un schéma explicatif, un diagramme ou un dessin.</a:t>
-            </a:r>
-            <a:endParaRPr sz="1500">
-              <a:solidFill>
-                <a:srgbClr val="0D0D0D"/>
-              </a:solidFill>
-              <a:highlight>
-                <a:srgbClr val="FFFFFF"/>
-              </a:highlight>
-              <a:latin typeface="Montserrat"/>
-              <a:ea typeface="Montserrat"/>
-              <a:cs typeface="Montserrat"/>
-              <a:sym typeface="Montserrat"/>
-            </a:endParaRPr>
-          </a:p>
-          <a:p>
-            <a:pPr marL="0" lvl="0" indent="0" algn="l" rtl="0">
-              <a:lnSpc>
-                <a:spcPct val="115000"/>
-              </a:lnSpc>
-              <a:spcBef>
-                <a:spcPts val="0"/>
-              </a:spcBef>
-              <a:spcAft>
-                <a:spcPts val="0"/>
-              </a:spcAft>
-              <a:buNone/>
-            </a:pPr>
-            <a:endParaRPr sz="1200" i="1">
-              <a:solidFill>
-                <a:schemeClr val="dk1"/>
-              </a:solidFill>
-              <a:latin typeface="Montserrat"/>
-              <a:ea typeface="Montserrat"/>
-              <a:cs typeface="Montserrat"/>
-              <a:sym typeface="Montserrat"/>
-            </a:endParaRPr>
-          </a:p>
-          <a:p>
-            <a:pPr marL="0" lvl="0" indent="0" algn="l" rtl="0">
-              <a:spcBef>
-                <a:spcPts val="1200"/>
-              </a:spcBef>
-              <a:spcAft>
-                <a:spcPts val="0"/>
-              </a:spcAft>
-              <a:buNone/>
-            </a:pPr>
-            <a:endParaRPr/>
           </a:p>
         </p:txBody>
       </p:sp>
@@ -9631,6 +9564,1122 @@
           </a:ln>
         </p:spPr>
       </p:pic>
+      <p:graphicFrame>
+        <p:nvGraphicFramePr>
+          <p:cNvPr id="2" name="Tableau 1">
+            <a:extLst>
+              <a:ext uri="{FF2B5EF4-FFF2-40B4-BE49-F238E27FC236}">
+                <a16:creationId xmlns:a16="http://schemas.microsoft.com/office/drawing/2014/main" id="{583D763A-29EC-73ED-3822-A8DF136FB1F9}"/>
+              </a:ext>
+            </a:extLst>
+          </p:cNvPr>
+          <p:cNvGraphicFramePr>
+            <a:graphicFrameLocks noGrp="1"/>
+          </p:cNvGraphicFramePr>
+          <p:nvPr>
+            <p:extLst>
+              <p:ext uri="{D42A27DB-BD31-4B8C-83A1-F6EECF244321}">
+                <p14:modId xmlns:p14="http://schemas.microsoft.com/office/powerpoint/2010/main" val="389879617"/>
+              </p:ext>
+            </p:extLst>
+          </p:nvPr>
+        </p:nvGraphicFramePr>
+        <p:xfrm>
+          <a:off x="9218" y="341056"/>
+          <a:ext cx="9145340" cy="5664486"/>
+        </p:xfrm>
+        <a:graphic>
+          <a:graphicData uri="http://schemas.openxmlformats.org/drawingml/2006/table">
+            <a:tbl>
+              <a:tblPr firstRow="1" bandRow="1">
+                <a:tableStyleId>{5C22544A-7EE6-4342-B048-85BDC9FD1C3A}</a:tableStyleId>
+              </a:tblPr>
+              <a:tblGrid>
+                <a:gridCol w="2286335">
+                  <a:extLst>
+                    <a:ext uri="{9D8B030D-6E8A-4147-A177-3AD203B41FA5}">
+                      <a16:colId xmlns:a16="http://schemas.microsoft.com/office/drawing/2014/main" val="1625307677"/>
+                    </a:ext>
+                  </a:extLst>
+                </a:gridCol>
+                <a:gridCol w="2286335">
+                  <a:extLst>
+                    <a:ext uri="{9D8B030D-6E8A-4147-A177-3AD203B41FA5}">
+                      <a16:colId xmlns:a16="http://schemas.microsoft.com/office/drawing/2014/main" val="3711214532"/>
+                    </a:ext>
+                  </a:extLst>
+                </a:gridCol>
+                <a:gridCol w="2286335">
+                  <a:extLst>
+                    <a:ext uri="{9D8B030D-6E8A-4147-A177-3AD203B41FA5}">
+                      <a16:colId xmlns:a16="http://schemas.microsoft.com/office/drawing/2014/main" val="2412130098"/>
+                    </a:ext>
+                  </a:extLst>
+                </a:gridCol>
+                <a:gridCol w="2286335">
+                  <a:extLst>
+                    <a:ext uri="{9D8B030D-6E8A-4147-A177-3AD203B41FA5}">
+                      <a16:colId xmlns:a16="http://schemas.microsoft.com/office/drawing/2014/main" val="3429140577"/>
+                    </a:ext>
+                  </a:extLst>
+                </a:gridCol>
+              </a:tblGrid>
+              <a:tr h="543846">
+                <a:tc>
+                  <a:txBody>
+                    <a:bodyPr/>
+                    <a:lstStyle/>
+                    <a:p>
+                      <a:pPr lvl="0" algn="ctr">
+                        <a:lnSpc>
+                          <a:spcPct val="100000"/>
+                        </a:lnSpc>
+                        <a:spcBef>
+                          <a:spcPts val="0"/>
+                        </a:spcBef>
+                        <a:spcAft>
+                          <a:spcPts val="0"/>
+                        </a:spcAft>
+                        <a:buNone/>
+                      </a:pPr>
+                      <a:r>
+                        <a:rPr lang="fr-FR" b="1" dirty="0"/>
+                        <a:t>Fonctionnalité</a:t>
+                      </a:r>
+                      <a:endParaRPr lang="fr-FR" dirty="0"/>
+                    </a:p>
+                  </a:txBody>
+                  <a:tcPr/>
+                </a:tc>
+                <a:tc>
+                  <a:txBody>
+                    <a:bodyPr/>
+                    <a:lstStyle/>
+                    <a:p>
+                      <a:pPr lvl="0" algn="ctr">
+                        <a:lnSpc>
+                          <a:spcPct val="100000"/>
+                        </a:lnSpc>
+                        <a:spcBef>
+                          <a:spcPts val="0"/>
+                        </a:spcBef>
+                        <a:spcAft>
+                          <a:spcPts val="0"/>
+                        </a:spcAft>
+                        <a:buNone/>
+                      </a:pPr>
+                      <a:r>
+                        <a:rPr lang="fr-FR" b="1" dirty="0"/>
+                        <a:t>Contraintes principales</a:t>
+                      </a:r>
+                      <a:endParaRPr lang="fr-FR" dirty="0"/>
+                    </a:p>
+                  </a:txBody>
+                  <a:tcPr/>
+                </a:tc>
+                <a:tc>
+                  <a:txBody>
+                    <a:bodyPr/>
+                    <a:lstStyle/>
+                    <a:p>
+                      <a:pPr lvl="0" algn="ctr">
+                        <a:lnSpc>
+                          <a:spcPct val="100000"/>
+                        </a:lnSpc>
+                        <a:spcBef>
+                          <a:spcPts val="0"/>
+                        </a:spcBef>
+                        <a:spcAft>
+                          <a:spcPts val="0"/>
+                        </a:spcAft>
+                        <a:buNone/>
+                      </a:pPr>
+                      <a:r>
+                        <a:rPr lang="fr-FR" b="1" dirty="0"/>
+                        <a:t>Solution technique</a:t>
+                      </a:r>
+                      <a:endParaRPr lang="fr-FR" dirty="0"/>
+                    </a:p>
+                  </a:txBody>
+                  <a:tcPr/>
+                </a:tc>
+                <a:tc>
+                  <a:txBody>
+                    <a:bodyPr/>
+                    <a:lstStyle/>
+                    <a:p>
+                      <a:pPr lvl="0" algn="ctr">
+                        <a:lnSpc>
+                          <a:spcPct val="100000"/>
+                        </a:lnSpc>
+                        <a:spcBef>
+                          <a:spcPts val="0"/>
+                        </a:spcBef>
+                        <a:spcAft>
+                          <a:spcPts val="0"/>
+                        </a:spcAft>
+                        <a:buNone/>
+                      </a:pPr>
+                      <a:r>
+                        <a:rPr lang="fr-FR" b="1" dirty="0"/>
+                        <a:t>Description technique </a:t>
+                      </a:r>
+                      <a:endParaRPr lang="fr-FR" dirty="0"/>
+                    </a:p>
+                    <a:p>
+                      <a:pPr lvl="0">
+                        <a:buNone/>
+                      </a:pPr>
+                      <a:endParaRPr lang="fr-FR" dirty="0"/>
+                    </a:p>
+                  </a:txBody>
+                  <a:tcPr/>
+                </a:tc>
+                <a:extLst>
+                  <a:ext uri="{0D108BD9-81ED-4DB2-BD59-A6C34878D82A}">
+                    <a16:rowId xmlns:a16="http://schemas.microsoft.com/office/drawing/2014/main" val="3167845993"/>
+                  </a:ext>
+                </a:extLst>
+              </a:tr>
+              <a:tr h="469442">
+                <a:tc>
+                  <a:txBody>
+                    <a:bodyPr/>
+                    <a:lstStyle/>
+                    <a:p>
+                      <a:pPr lvl="0" algn="l">
+                        <a:lnSpc>
+                          <a:spcPct val="100000"/>
+                        </a:lnSpc>
+                        <a:spcBef>
+                          <a:spcPts val="0"/>
+                        </a:spcBef>
+                        <a:spcAft>
+                          <a:spcPts val="0"/>
+                        </a:spcAft>
+                        <a:buNone/>
+                      </a:pPr>
+                      <a:r>
+                        <a:rPr lang="fr-FR" b="1" dirty="0"/>
+                        <a:t>Landing non connectée</a:t>
+                      </a:r>
+                      <a:endParaRPr lang="fr-FR" dirty="0"/>
+                    </a:p>
+                  </a:txBody>
+                  <a:tcPr/>
+                </a:tc>
+                <a:tc>
+                  <a:txBody>
+                    <a:bodyPr/>
+                    <a:lstStyle/>
+                    <a:p>
+                      <a:pPr lvl="0" algn="l">
+                        <a:lnSpc>
+                          <a:spcPct val="100000"/>
+                        </a:lnSpc>
+                        <a:spcBef>
+                          <a:spcPts val="0"/>
+                        </a:spcBef>
+                        <a:spcAft>
+                          <a:spcPts val="0"/>
+                        </a:spcAft>
+                        <a:buNone/>
+                      </a:pPr>
+                      <a:r>
+                        <a:rPr lang="fr-FR" dirty="0"/>
+                        <a:t>Rapidité, aucun temps de chargement visible</a:t>
+                      </a:r>
+                    </a:p>
+                  </a:txBody>
+                  <a:tcPr/>
+                </a:tc>
+                <a:tc>
+                  <a:txBody>
+                    <a:bodyPr/>
+                    <a:lstStyle/>
+                    <a:p>
+                      <a:pPr lvl="0" algn="l">
+                        <a:lnSpc>
+                          <a:spcPct val="100000"/>
+                        </a:lnSpc>
+                        <a:spcBef>
+                          <a:spcPts val="0"/>
+                        </a:spcBef>
+                        <a:spcAft>
+                          <a:spcPts val="0"/>
+                        </a:spcAft>
+                        <a:buNone/>
+                      </a:pPr>
+                      <a:r>
+                        <a:rPr lang="fr-FR" dirty="0" err="1"/>
+                        <a:t>React</a:t>
+                      </a:r>
+                      <a:r>
+                        <a:rPr lang="fr-FR" dirty="0"/>
+                        <a:t>, </a:t>
+                      </a:r>
+                      <a:r>
+                        <a:rPr lang="fr-FR" dirty="0" err="1"/>
+                        <a:t>React</a:t>
+                      </a:r>
+                      <a:r>
+                        <a:rPr lang="fr-FR" dirty="0"/>
+                        <a:t> Router, </a:t>
+                      </a:r>
+                      <a:r>
+                        <a:rPr lang="fr-FR" dirty="0" err="1"/>
+                        <a:t>Tailwind</a:t>
+                      </a:r>
+                      <a:endParaRPr lang="fr-FR"/>
+                    </a:p>
+                    <a:p>
+                      <a:pPr lvl="0">
+                        <a:buNone/>
+                      </a:pPr>
+                      <a:endParaRPr lang="fr-FR" dirty="0"/>
+                    </a:p>
+                  </a:txBody>
+                  <a:tcPr/>
+                </a:tc>
+                <a:tc>
+                  <a:txBody>
+                    <a:bodyPr/>
+                    <a:lstStyle/>
+                    <a:p>
+                      <a:pPr lvl="0" algn="l">
+                        <a:lnSpc>
+                          <a:spcPct val="100000"/>
+                        </a:lnSpc>
+                        <a:spcBef>
+                          <a:spcPts val="0"/>
+                        </a:spcBef>
+                        <a:spcAft>
+                          <a:spcPts val="0"/>
+                        </a:spcAft>
+                        <a:buNone/>
+                      </a:pPr>
+                      <a:r>
+                        <a:rPr lang="fr-FR" dirty="0"/>
+                        <a:t>Composants </a:t>
+                      </a:r>
+                      <a:r>
+                        <a:rPr lang="fr-FR" dirty="0" err="1"/>
+                        <a:t>React</a:t>
+                      </a:r>
+                      <a:r>
+                        <a:rPr lang="fr-FR" dirty="0"/>
+                        <a:t> côté client, navigation instantanée</a:t>
+                      </a:r>
+                    </a:p>
+                  </a:txBody>
+                  <a:tcPr/>
+                </a:tc>
+                <a:extLst>
+                  <a:ext uri="{0D108BD9-81ED-4DB2-BD59-A6C34878D82A}">
+                    <a16:rowId xmlns:a16="http://schemas.microsoft.com/office/drawing/2014/main" val="2915365920"/>
+                  </a:ext>
+                </a:extLst>
+              </a:tr>
+              <a:tr h="536505">
+                <a:tc>
+                  <a:txBody>
+                    <a:bodyPr/>
+                    <a:lstStyle/>
+                    <a:p>
+                      <a:pPr lvl="0" algn="l">
+                        <a:lnSpc>
+                          <a:spcPct val="100000"/>
+                        </a:lnSpc>
+                        <a:spcBef>
+                          <a:spcPts val="0"/>
+                        </a:spcBef>
+                        <a:spcAft>
+                          <a:spcPts val="0"/>
+                        </a:spcAft>
+                        <a:buNone/>
+                      </a:pPr>
+                      <a:r>
+                        <a:rPr lang="fr-FR" b="1" dirty="0"/>
+                        <a:t>Page de login</a:t>
+                      </a:r>
+                      <a:endParaRPr lang="fr-FR" dirty="0"/>
+                    </a:p>
+                    <a:p>
+                      <a:pPr lvl="0">
+                        <a:buNone/>
+                      </a:pPr>
+                      <a:endParaRPr lang="fr-FR" dirty="0"/>
+                    </a:p>
+                  </a:txBody>
+                  <a:tcPr/>
+                </a:tc>
+                <a:tc>
+                  <a:txBody>
+                    <a:bodyPr/>
+                    <a:lstStyle/>
+                    <a:p>
+                      <a:pPr lvl="0" algn="l">
+                        <a:lnSpc>
+                          <a:spcPct val="100000"/>
+                        </a:lnSpc>
+                        <a:spcBef>
+                          <a:spcPts val="0"/>
+                        </a:spcBef>
+                        <a:spcAft>
+                          <a:spcPts val="0"/>
+                        </a:spcAft>
+                        <a:buNone/>
+                      </a:pPr>
+                      <a:r>
+                        <a:rPr lang="fr-FR" dirty="0"/>
+                        <a:t>Sécurité, aucune gestion de mot de passe</a:t>
+                      </a:r>
+                    </a:p>
+                  </a:txBody>
+                  <a:tcPr/>
+                </a:tc>
+                <a:tc>
+                  <a:txBody>
+                    <a:bodyPr/>
+                    <a:lstStyle/>
+                    <a:p>
+                      <a:pPr lvl="0" algn="l">
+                        <a:lnSpc>
+                          <a:spcPct val="100000"/>
+                        </a:lnSpc>
+                        <a:spcBef>
+                          <a:spcPts val="0"/>
+                        </a:spcBef>
+                        <a:spcAft>
+                          <a:spcPts val="0"/>
+                        </a:spcAft>
+                        <a:buNone/>
+                      </a:pPr>
+                      <a:r>
+                        <a:rPr lang="fr-FR" dirty="0" err="1"/>
+                        <a:t>Firebase</a:t>
+                      </a:r>
+                      <a:r>
+                        <a:rPr lang="fr-FR" dirty="0"/>
+                        <a:t> </a:t>
+                      </a:r>
+                      <a:r>
+                        <a:rPr lang="fr-FR" dirty="0" err="1"/>
+                        <a:t>Auth</a:t>
+                      </a:r>
+                      <a:r>
+                        <a:rPr lang="fr-FR" dirty="0"/>
+                        <a:t>, Magic Link</a:t>
+                      </a:r>
+                    </a:p>
+                    <a:p>
+                      <a:pPr lvl="0">
+                        <a:buNone/>
+                      </a:pPr>
+                      <a:endParaRPr lang="fr-FR" dirty="0"/>
+                    </a:p>
+                  </a:txBody>
+                  <a:tcPr/>
+                </a:tc>
+                <a:tc>
+                  <a:txBody>
+                    <a:bodyPr/>
+                    <a:lstStyle/>
+                    <a:p>
+                      <a:pPr lvl="0" algn="l">
+                        <a:lnSpc>
+                          <a:spcPct val="100000"/>
+                        </a:lnSpc>
+                        <a:spcBef>
+                          <a:spcPts val="0"/>
+                        </a:spcBef>
+                        <a:spcAft>
+                          <a:spcPts val="0"/>
+                        </a:spcAft>
+                        <a:buNone/>
+                      </a:pPr>
+                      <a:r>
+                        <a:rPr lang="fr-FR" dirty="0"/>
+                        <a:t>Authentification par lien envoyé par email, gestion utilisateur externe</a:t>
+                      </a:r>
+                    </a:p>
+                  </a:txBody>
+                  <a:tcPr/>
+                </a:tc>
+                <a:extLst>
+                  <a:ext uri="{0D108BD9-81ED-4DB2-BD59-A6C34878D82A}">
+                    <a16:rowId xmlns:a16="http://schemas.microsoft.com/office/drawing/2014/main" val="4083437801"/>
+                  </a:ext>
+                </a:extLst>
+              </a:tr>
+              <a:tr h="536505">
+                <a:tc>
+                  <a:txBody>
+                    <a:bodyPr/>
+                    <a:lstStyle/>
+                    <a:p>
+                      <a:pPr lvl="0" algn="l">
+                        <a:lnSpc>
+                          <a:spcPct val="100000"/>
+                        </a:lnSpc>
+                        <a:spcBef>
+                          <a:spcPts val="0"/>
+                        </a:spcBef>
+                        <a:spcAft>
+                          <a:spcPts val="0"/>
+                        </a:spcAft>
+                        <a:buNone/>
+                      </a:pPr>
+                      <a:r>
+                        <a:rPr lang="fr-FR" b="1" dirty="0"/>
+                        <a:t>Création de menu</a:t>
+                      </a:r>
+                      <a:endParaRPr lang="fr-FR" dirty="0"/>
+                    </a:p>
+                  </a:txBody>
+                  <a:tcPr/>
+                </a:tc>
+                <a:tc>
+                  <a:txBody>
+                    <a:bodyPr/>
+                    <a:lstStyle/>
+                    <a:p>
+                      <a:pPr lvl="0" algn="l">
+                        <a:lnSpc>
+                          <a:spcPct val="100000"/>
+                        </a:lnSpc>
+                        <a:spcBef>
+                          <a:spcPts val="0"/>
+                        </a:spcBef>
+                        <a:spcAft>
+                          <a:spcPts val="0"/>
+                        </a:spcAft>
+                        <a:buNone/>
+                      </a:pPr>
+                      <a:r>
+                        <a:rPr lang="fr-FR" dirty="0"/>
+                        <a:t>Interface intuitive, responsive, stockage flexible</a:t>
+                      </a:r>
+                    </a:p>
+                  </a:txBody>
+                  <a:tcPr/>
+                </a:tc>
+                <a:tc>
+                  <a:txBody>
+                    <a:bodyPr/>
+                    <a:lstStyle/>
+                    <a:p>
+                      <a:pPr lvl="0" algn="l">
+                        <a:lnSpc>
+                          <a:spcPct val="100000"/>
+                        </a:lnSpc>
+                        <a:spcBef>
+                          <a:spcPts val="0"/>
+                        </a:spcBef>
+                        <a:spcAft>
+                          <a:spcPts val="0"/>
+                        </a:spcAft>
+                        <a:buNone/>
+                      </a:pPr>
+                      <a:r>
+                        <a:rPr lang="fr-FR" dirty="0" err="1"/>
+                        <a:t>React</a:t>
+                      </a:r>
+                      <a:r>
+                        <a:rPr lang="fr-FR" dirty="0"/>
+                        <a:t>, MongoDB, Express, </a:t>
+                      </a:r>
+                      <a:r>
+                        <a:rPr lang="fr-FR" dirty="0" err="1"/>
+                        <a:t>Multer</a:t>
+                      </a:r>
+                    </a:p>
+                  </a:txBody>
+                  <a:tcPr/>
+                </a:tc>
+                <a:tc>
+                  <a:txBody>
+                    <a:bodyPr/>
+                    <a:lstStyle/>
+                    <a:p>
+                      <a:pPr lvl="0" algn="l">
+                        <a:lnSpc>
+                          <a:spcPct val="100000"/>
+                        </a:lnSpc>
+                        <a:spcBef>
+                          <a:spcPts val="0"/>
+                        </a:spcBef>
+                        <a:spcAft>
+                          <a:spcPts val="0"/>
+                        </a:spcAft>
+                        <a:buNone/>
+                      </a:pPr>
+                      <a:r>
+                        <a:rPr lang="fr-FR" dirty="0"/>
+                        <a:t>Modales de création, enregistrement en base, </a:t>
+                      </a:r>
+                      <a:r>
+                        <a:rPr lang="fr-FR" dirty="0" err="1"/>
+                        <a:t>upload</a:t>
+                      </a:r>
+                      <a:r>
+                        <a:rPr lang="fr-FR" dirty="0"/>
+                        <a:t> image</a:t>
+                      </a:r>
+                    </a:p>
+                  </a:txBody>
+                  <a:tcPr/>
+                </a:tc>
+                <a:extLst>
+                  <a:ext uri="{0D108BD9-81ED-4DB2-BD59-A6C34878D82A}">
+                    <a16:rowId xmlns:a16="http://schemas.microsoft.com/office/drawing/2014/main" val="2183477423"/>
+                  </a:ext>
+                </a:extLst>
+              </a:tr>
+              <a:tr h="536505">
+                <a:tc>
+                  <a:txBody>
+                    <a:bodyPr/>
+                    <a:lstStyle/>
+                    <a:p>
+                      <a:pPr lvl="0" algn="l">
+                        <a:lnSpc>
+                          <a:spcPct val="100000"/>
+                        </a:lnSpc>
+                        <a:spcBef>
+                          <a:spcPts val="0"/>
+                        </a:spcBef>
+                        <a:spcAft>
+                          <a:spcPts val="0"/>
+                        </a:spcAft>
+                        <a:buNone/>
+                      </a:pPr>
+                      <a:r>
+                        <a:rPr lang="fr-FR" b="1" dirty="0"/>
+                        <a:t>Export PDF</a:t>
+                      </a:r>
+                      <a:endParaRPr lang="fr-FR" dirty="0"/>
+                    </a:p>
+                    <a:p>
+                      <a:pPr lvl="0">
+                        <a:buNone/>
+                      </a:pPr>
+                      <a:endParaRPr lang="fr-FR" dirty="0"/>
+                    </a:p>
+                  </a:txBody>
+                  <a:tcPr/>
+                </a:tc>
+                <a:tc>
+                  <a:txBody>
+                    <a:bodyPr/>
+                    <a:lstStyle/>
+                    <a:p>
+                      <a:pPr lvl="0" algn="l">
+                        <a:lnSpc>
+                          <a:spcPct val="100000"/>
+                        </a:lnSpc>
+                        <a:spcBef>
+                          <a:spcPts val="0"/>
+                        </a:spcBef>
+                        <a:spcAft>
+                          <a:spcPts val="0"/>
+                        </a:spcAft>
+                        <a:buNone/>
+                      </a:pPr>
+                      <a:r>
+                        <a:rPr lang="fr-FR" dirty="0"/>
+                        <a:t>Fidélité au rendu, rapidité, sans </a:t>
+                      </a:r>
+                      <a:r>
+                        <a:rPr lang="fr-FR" dirty="0" err="1"/>
+                        <a:t>back-end</a:t>
+                      </a:r>
+                    </a:p>
+                    <a:p>
+                      <a:pPr lvl="0">
+                        <a:buNone/>
+                      </a:pPr>
+                      <a:endParaRPr lang="fr-FR" dirty="0"/>
+                    </a:p>
+                  </a:txBody>
+                  <a:tcPr/>
+                </a:tc>
+                <a:tc>
+                  <a:txBody>
+                    <a:bodyPr/>
+                    <a:lstStyle/>
+                    <a:p>
+                      <a:pPr lvl="0" algn="l">
+                        <a:lnSpc>
+                          <a:spcPct val="100000"/>
+                        </a:lnSpc>
+                        <a:spcBef>
+                          <a:spcPts val="0"/>
+                        </a:spcBef>
+                        <a:spcAft>
+                          <a:spcPts val="0"/>
+                        </a:spcAft>
+                        <a:buNone/>
+                      </a:pPr>
+                      <a:r>
+                        <a:rPr lang="fr-FR" dirty="0"/>
+                        <a:t>html2canvas, </a:t>
+                      </a:r>
+                      <a:r>
+                        <a:rPr lang="fr-FR" dirty="0" err="1"/>
+                        <a:t>jsPDF</a:t>
+                      </a:r>
+                    </a:p>
+                    <a:p>
+                      <a:pPr lvl="0">
+                        <a:buNone/>
+                      </a:pPr>
+                      <a:endParaRPr lang="fr-FR" dirty="0"/>
+                    </a:p>
+                  </a:txBody>
+                  <a:tcPr/>
+                </a:tc>
+                <a:tc>
+                  <a:txBody>
+                    <a:bodyPr/>
+                    <a:lstStyle/>
+                    <a:p>
+                      <a:pPr lvl="0" algn="l">
+                        <a:lnSpc>
+                          <a:spcPct val="100000"/>
+                        </a:lnSpc>
+                        <a:spcBef>
+                          <a:spcPts val="0"/>
+                        </a:spcBef>
+                        <a:spcAft>
+                          <a:spcPts val="0"/>
+                        </a:spcAft>
+                        <a:buNone/>
+                      </a:pPr>
+                      <a:r>
+                        <a:rPr lang="fr-FR" dirty="0"/>
+                        <a:t>Capture DOM côté client, génération et téléchargement PDF</a:t>
+                      </a:r>
+                    </a:p>
+                  </a:txBody>
+                  <a:tcPr/>
+                </a:tc>
+                <a:extLst>
+                  <a:ext uri="{0D108BD9-81ED-4DB2-BD59-A6C34878D82A}">
+                    <a16:rowId xmlns:a16="http://schemas.microsoft.com/office/drawing/2014/main" val="2548571256"/>
+                  </a:ext>
+                </a:extLst>
+              </a:tr>
+              <a:tr h="536505">
+                <a:tc>
+                  <a:txBody>
+                    <a:bodyPr/>
+                    <a:lstStyle/>
+                    <a:p>
+                      <a:pPr lvl="0" algn="l">
+                        <a:lnSpc>
+                          <a:spcPct val="100000"/>
+                        </a:lnSpc>
+                        <a:spcBef>
+                          <a:spcPts val="0"/>
+                        </a:spcBef>
+                        <a:spcAft>
+                          <a:spcPts val="0"/>
+                        </a:spcAft>
+                        <a:buNone/>
+                      </a:pPr>
+                      <a:r>
+                        <a:rPr lang="fr-FR" b="1" dirty="0"/>
+                        <a:t>Personnalisation menu</a:t>
+                      </a:r>
+                      <a:endParaRPr lang="fr-FR" dirty="0"/>
+                    </a:p>
+                    <a:p>
+                      <a:pPr lvl="0">
+                        <a:buNone/>
+                      </a:pPr>
+                      <a:endParaRPr lang="fr-FR" dirty="0"/>
+                    </a:p>
+                  </a:txBody>
+                  <a:tcPr/>
+                </a:tc>
+                <a:tc>
+                  <a:txBody>
+                    <a:bodyPr/>
+                    <a:lstStyle/>
+                    <a:p>
+                      <a:pPr lvl="0" algn="l">
+                        <a:lnSpc>
+                          <a:spcPct val="100000"/>
+                        </a:lnSpc>
+                        <a:spcBef>
+                          <a:spcPts val="0"/>
+                        </a:spcBef>
+                        <a:spcAft>
+                          <a:spcPts val="0"/>
+                        </a:spcAft>
+                        <a:buNone/>
+                      </a:pPr>
+                      <a:r>
+                        <a:rPr lang="fr-FR" dirty="0"/>
+                        <a:t>Respect de la charte graphique, live </a:t>
+                      </a:r>
+                      <a:r>
+                        <a:rPr lang="fr-FR" dirty="0" err="1"/>
+                        <a:t>preview</a:t>
+                      </a:r>
+                    </a:p>
+                  </a:txBody>
+                  <a:tcPr/>
+                </a:tc>
+                <a:tc>
+                  <a:txBody>
+                    <a:bodyPr/>
+                    <a:lstStyle/>
+                    <a:p>
+                      <a:pPr lvl="0" algn="l">
+                        <a:lnSpc>
+                          <a:spcPct val="100000"/>
+                        </a:lnSpc>
+                        <a:spcBef>
+                          <a:spcPts val="0"/>
+                        </a:spcBef>
+                        <a:spcAft>
+                          <a:spcPts val="0"/>
+                        </a:spcAft>
+                        <a:buNone/>
+                      </a:pPr>
+                      <a:r>
+                        <a:rPr lang="fr-FR" dirty="0" err="1"/>
+                        <a:t>React</a:t>
+                      </a:r>
+                      <a:r>
+                        <a:rPr lang="fr-FR" dirty="0"/>
+                        <a:t>, </a:t>
+                      </a:r>
+                      <a:r>
+                        <a:rPr lang="fr-FR" dirty="0" err="1"/>
+                        <a:t>Tailwind</a:t>
+                      </a:r>
+                    </a:p>
+                    <a:p>
+                      <a:pPr lvl="0">
+                        <a:buNone/>
+                      </a:pPr>
+                      <a:endParaRPr lang="fr-FR" dirty="0"/>
+                    </a:p>
+                  </a:txBody>
+                  <a:tcPr/>
+                </a:tc>
+                <a:tc>
+                  <a:txBody>
+                    <a:bodyPr/>
+                    <a:lstStyle/>
+                    <a:p>
+                      <a:pPr lvl="0" algn="l">
+                        <a:lnSpc>
+                          <a:spcPct val="100000"/>
+                        </a:lnSpc>
+                        <a:spcBef>
+                          <a:spcPts val="0"/>
+                        </a:spcBef>
+                        <a:spcAft>
+                          <a:spcPts val="0"/>
+                        </a:spcAft>
+                        <a:buNone/>
+                      </a:pPr>
+                      <a:r>
+                        <a:rPr lang="fr-FR" dirty="0"/>
+                        <a:t>Styles générés dynamiquement selon choix utilisateur</a:t>
+                      </a:r>
+                    </a:p>
+                  </a:txBody>
+                  <a:tcPr/>
+                </a:tc>
+                <a:extLst>
+                  <a:ext uri="{0D108BD9-81ED-4DB2-BD59-A6C34878D82A}">
+                    <a16:rowId xmlns:a16="http://schemas.microsoft.com/office/drawing/2014/main" val="359933027"/>
+                  </a:ext>
+                </a:extLst>
+              </a:tr>
+              <a:tr h="536505">
+                <a:tc>
+                  <a:txBody>
+                    <a:bodyPr/>
+                    <a:lstStyle/>
+                    <a:p>
+                      <a:pPr lvl="0" algn="l">
+                        <a:lnSpc>
+                          <a:spcPct val="100000"/>
+                        </a:lnSpc>
+                        <a:spcBef>
+                          <a:spcPts val="0"/>
+                        </a:spcBef>
+                        <a:spcAft>
+                          <a:spcPts val="0"/>
+                        </a:spcAft>
+                        <a:buNone/>
+                      </a:pPr>
+                      <a:r>
+                        <a:rPr lang="fr-FR" b="1" dirty="0"/>
+                        <a:t>Connexion/déconnexion</a:t>
+                      </a:r>
+                      <a:endParaRPr lang="fr-FR" dirty="0"/>
+                    </a:p>
+                    <a:p>
+                      <a:pPr lvl="0">
+                        <a:buNone/>
+                      </a:pPr>
+                      <a:endParaRPr lang="fr-FR" dirty="0"/>
+                    </a:p>
+                  </a:txBody>
+                  <a:tcPr/>
+                </a:tc>
+                <a:tc>
+                  <a:txBody>
+                    <a:bodyPr/>
+                    <a:lstStyle/>
+                    <a:p>
+                      <a:pPr lvl="0" algn="l">
+                        <a:lnSpc>
+                          <a:spcPct val="100000"/>
+                        </a:lnSpc>
+                        <a:spcBef>
+                          <a:spcPts val="0"/>
+                        </a:spcBef>
+                        <a:spcAft>
+                          <a:spcPts val="0"/>
+                        </a:spcAft>
+                        <a:buNone/>
+                      </a:pPr>
+                      <a:r>
+                        <a:rPr lang="fr-FR" dirty="0"/>
+                        <a:t>Sécurité, UX fluide</a:t>
+                      </a:r>
+                    </a:p>
+                    <a:p>
+                      <a:pPr lvl="0">
+                        <a:buNone/>
+                      </a:pPr>
+                      <a:endParaRPr lang="fr-FR" dirty="0"/>
+                    </a:p>
+                  </a:txBody>
+                  <a:tcPr/>
+                </a:tc>
+                <a:tc>
+                  <a:txBody>
+                    <a:bodyPr/>
+                    <a:lstStyle/>
+                    <a:p>
+                      <a:pPr lvl="0" algn="l">
+                        <a:lnSpc>
+                          <a:spcPct val="100000"/>
+                        </a:lnSpc>
+                        <a:spcBef>
+                          <a:spcPts val="0"/>
+                        </a:spcBef>
+                        <a:spcAft>
+                          <a:spcPts val="0"/>
+                        </a:spcAft>
+                        <a:buNone/>
+                      </a:pPr>
+                      <a:r>
+                        <a:rPr lang="fr-FR" dirty="0" err="1"/>
+                        <a:t>Firebase</a:t>
+                      </a:r>
+                      <a:r>
+                        <a:rPr lang="fr-FR" dirty="0"/>
+                        <a:t> </a:t>
+                      </a:r>
+                      <a:r>
+                        <a:rPr lang="fr-FR" dirty="0" err="1"/>
+                        <a:t>Auth</a:t>
+                      </a:r>
+                    </a:p>
+                    <a:p>
+                      <a:pPr lvl="0">
+                        <a:buNone/>
+                      </a:pPr>
+                      <a:endParaRPr lang="fr-FR" dirty="0"/>
+                    </a:p>
+                  </a:txBody>
+                  <a:tcPr/>
+                </a:tc>
+                <a:tc>
+                  <a:txBody>
+                    <a:bodyPr/>
+                    <a:lstStyle/>
+                    <a:p>
+                      <a:pPr lvl="0" algn="l">
+                        <a:lnSpc>
+                          <a:spcPct val="100000"/>
+                        </a:lnSpc>
+                        <a:spcBef>
+                          <a:spcPts val="0"/>
+                        </a:spcBef>
+                        <a:spcAft>
+                          <a:spcPts val="0"/>
+                        </a:spcAft>
+                        <a:buNone/>
+                      </a:pPr>
+                      <a:r>
+                        <a:rPr lang="fr-FR" dirty="0" err="1"/>
+                        <a:t>SignIn</a:t>
+                      </a:r>
+                      <a:r>
+                        <a:rPr lang="fr-FR" dirty="0"/>
+                        <a:t>/</a:t>
+                      </a:r>
+                      <a:r>
+                        <a:rPr lang="fr-FR" dirty="0" err="1"/>
+                        <a:t>SignOut</a:t>
+                      </a:r>
+                      <a:r>
+                        <a:rPr lang="fr-FR" dirty="0"/>
+                        <a:t> via Google, redirections </a:t>
+                      </a:r>
+                      <a:r>
+                        <a:rPr lang="fr-FR" dirty="0" err="1"/>
+                        <a:t>React</a:t>
+                      </a:r>
+                      <a:r>
+                        <a:rPr lang="fr-FR" dirty="0"/>
+                        <a:t> Router</a:t>
+                      </a:r>
+                    </a:p>
+                  </a:txBody>
+                  <a:tcPr/>
+                </a:tc>
+                <a:extLst>
+                  <a:ext uri="{0D108BD9-81ED-4DB2-BD59-A6C34878D82A}">
+                    <a16:rowId xmlns:a16="http://schemas.microsoft.com/office/drawing/2014/main" val="714226097"/>
+                  </a:ext>
+                </a:extLst>
+              </a:tr>
+              <a:tr h="536505">
+                <a:tc>
+                  <a:txBody>
+                    <a:bodyPr/>
+                    <a:lstStyle/>
+                    <a:p>
+                      <a:pPr lvl="0" algn="l">
+                        <a:lnSpc>
+                          <a:spcPct val="100000"/>
+                        </a:lnSpc>
+                        <a:spcBef>
+                          <a:spcPts val="0"/>
+                        </a:spcBef>
+                        <a:spcAft>
+                          <a:spcPts val="0"/>
+                        </a:spcAft>
+                        <a:buNone/>
+                      </a:pPr>
+                      <a:r>
+                        <a:rPr lang="fr-FR" b="1" dirty="0"/>
+                        <a:t>Dashboard</a:t>
+                      </a:r>
+                      <a:endParaRPr lang="fr-FR" dirty="0"/>
+                    </a:p>
+                    <a:p>
+                      <a:pPr lvl="0">
+                        <a:buNone/>
+                      </a:pPr>
+                      <a:endParaRPr lang="fr-FR" dirty="0"/>
+                    </a:p>
+                  </a:txBody>
+                  <a:tcPr/>
+                </a:tc>
+                <a:tc>
+                  <a:txBody>
+                    <a:bodyPr/>
+                    <a:lstStyle/>
+                    <a:p>
+                      <a:pPr lvl="0" algn="l">
+                        <a:lnSpc>
+                          <a:spcPct val="100000"/>
+                        </a:lnSpc>
+                        <a:spcBef>
+                          <a:spcPts val="0"/>
+                        </a:spcBef>
+                        <a:spcAft>
+                          <a:spcPts val="0"/>
+                        </a:spcAft>
+                        <a:buNone/>
+                      </a:pPr>
+                      <a:r>
+                        <a:rPr lang="fr-FR" dirty="0"/>
+                        <a:t>Sécurité, données à jour, centralisation</a:t>
+                      </a:r>
+                    </a:p>
+                  </a:txBody>
+                  <a:tcPr/>
+                </a:tc>
+                <a:tc>
+                  <a:txBody>
+                    <a:bodyPr/>
+                    <a:lstStyle/>
+                    <a:p>
+                      <a:pPr lvl="0" algn="l">
+                        <a:lnSpc>
+                          <a:spcPct val="100000"/>
+                        </a:lnSpc>
+                        <a:spcBef>
+                          <a:spcPts val="0"/>
+                        </a:spcBef>
+                        <a:spcAft>
+                          <a:spcPts val="0"/>
+                        </a:spcAft>
+                        <a:buNone/>
+                      </a:pPr>
+                      <a:r>
+                        <a:rPr lang="fr-FR" dirty="0" err="1"/>
+                        <a:t>React</a:t>
+                      </a:r>
+                      <a:r>
+                        <a:rPr lang="fr-FR" dirty="0"/>
+                        <a:t>, Express, JWT</a:t>
+                      </a:r>
+                    </a:p>
+                    <a:p>
+                      <a:pPr lvl="0">
+                        <a:buNone/>
+                      </a:pPr>
+                      <a:endParaRPr lang="fr-FR" dirty="0"/>
+                    </a:p>
+                  </a:txBody>
+                  <a:tcPr/>
+                </a:tc>
+                <a:tc>
+                  <a:txBody>
+                    <a:bodyPr/>
+                    <a:lstStyle/>
+                    <a:p>
+                      <a:r>
+                        <a:rPr lang="fr-FR" dirty="0"/>
+                        <a:t>Vue unique, </a:t>
+                      </a:r>
+                      <a:r>
+                        <a:rPr lang="fr-FR" dirty="0" err="1"/>
+                        <a:t>accés</a:t>
+                      </a:r>
+                      <a:r>
+                        <a:rPr lang="fr-FR" dirty="0"/>
+                        <a:t> aux données utilisateurs, API sécurisé</a:t>
+                      </a:r>
+                    </a:p>
+                  </a:txBody>
+                  <a:tcPr/>
+                </a:tc>
+                <a:extLst>
+                  <a:ext uri="{0D108BD9-81ED-4DB2-BD59-A6C34878D82A}">
+                    <a16:rowId xmlns:a16="http://schemas.microsoft.com/office/drawing/2014/main" val="348658075"/>
+                  </a:ext>
+                </a:extLst>
+              </a:tr>
+            </a:tbl>
+          </a:graphicData>
+        </a:graphic>
+      </p:graphicFrame>
     </p:spTree>
   </p:cSld>
   <p:clrMapOvr>
@@ -9640,6 +10689,557 @@
 </file>
 
 <file path=ppt/slides/slide15.xml><?xml version="1.0" encoding="utf-8"?>
+<p:sld xmlns:a="http://schemas.openxmlformats.org/drawingml/2006/main" xmlns:r="http://schemas.openxmlformats.org/officeDocument/2006/relationships" xmlns:p="http://schemas.openxmlformats.org/presentationml/2006/main">
+  <p:cSld>
+    <p:spTree>
+      <p:nvGrpSpPr>
+        <p:cNvPr id="1" name="Shape 110">
+          <a:extLst>
+            <a:ext uri="{FF2B5EF4-FFF2-40B4-BE49-F238E27FC236}">
+              <a16:creationId xmlns:a16="http://schemas.microsoft.com/office/drawing/2014/main" id="{6566A5FB-1368-AF73-14F3-D1D837E3CF21}"/>
+            </a:ext>
+          </a:extLst>
+        </p:cNvPr>
+        <p:cNvGrpSpPr/>
+        <p:nvPr/>
+      </p:nvGrpSpPr>
+      <p:grpSpPr>
+        <a:xfrm>
+          <a:off x="0" y="0"/>
+          <a:ext cx="0" cy="0"/>
+          <a:chOff x="0" y="0"/>
+          <a:chExt cx="0" cy="0"/>
+        </a:xfrm>
+      </p:grpSpPr>
+      <p:sp>
+        <p:nvSpPr>
+          <p:cNvPr id="111" name="Google Shape;111;p20">
+            <a:extLst>
+              <a:ext uri="{FF2B5EF4-FFF2-40B4-BE49-F238E27FC236}">
+                <a16:creationId xmlns:a16="http://schemas.microsoft.com/office/drawing/2014/main" id="{3DFD7A2C-4A1E-9291-3EB6-883B5278F563}"/>
+              </a:ext>
+            </a:extLst>
+          </p:cNvPr>
+          <p:cNvSpPr txBox="1">
+            <a:spLocks noGrp="1"/>
+          </p:cNvSpPr>
+          <p:nvPr>
+            <p:ph type="title"/>
+          </p:nvPr>
+        </p:nvSpPr>
+        <p:spPr>
+          <a:xfrm>
+            <a:off x="311700" y="445025"/>
+            <a:ext cx="8520600" cy="572700"/>
+          </a:xfrm>
+          <a:prstGeom prst="rect">
+            <a:avLst/>
+          </a:prstGeom>
+        </p:spPr>
+        <p:txBody>
+          <a:bodyPr spcFirstLastPara="1" wrap="square" lIns="91425" tIns="91425" rIns="91425" bIns="91425" anchor="t" anchorCtr="0">
+            <a:normAutofit fontScale="90000"/>
+          </a:bodyPr>
+          <a:lstStyle/>
+          <a:p>
+            <a:pPr>
+              <a:lnSpc>
+                <a:spcPct val="114999"/>
+              </a:lnSpc>
+              <a:spcAft>
+                <a:spcPts val="1200"/>
+              </a:spcAft>
+            </a:pPr>
+            <a:r>
+              <a:rPr lang="fr" sz="2000" dirty="0">
+                <a:latin typeface="Montserrat"/>
+              </a:rPr>
+              <a:t>Spécifications Techniques - Exemple</a:t>
+            </a:r>
+            <a:endParaRPr lang="fr-FR" sz="2000" dirty="0">
+              <a:solidFill>
+                <a:schemeClr val="dk2"/>
+              </a:solidFill>
+              <a:latin typeface="Montserrat"/>
+            </a:endParaRPr>
+          </a:p>
+        </p:txBody>
+      </p:sp>
+      <p:sp>
+        <p:nvSpPr>
+          <p:cNvPr id="112" name="Google Shape;112;p20">
+            <a:extLst>
+              <a:ext uri="{FF2B5EF4-FFF2-40B4-BE49-F238E27FC236}">
+                <a16:creationId xmlns:a16="http://schemas.microsoft.com/office/drawing/2014/main" id="{85A41EC0-127E-AEC3-E6E6-16A0CDB32330}"/>
+              </a:ext>
+            </a:extLst>
+          </p:cNvPr>
+          <p:cNvSpPr txBox="1">
+            <a:spLocks noGrp="1"/>
+          </p:cNvSpPr>
+          <p:nvPr>
+            <p:ph type="body" idx="1"/>
+          </p:nvPr>
+        </p:nvSpPr>
+        <p:spPr>
+          <a:xfrm>
+            <a:off x="311700" y="875943"/>
+            <a:ext cx="8502165" cy="2761941"/>
+          </a:xfrm>
+          <a:prstGeom prst="rect">
+            <a:avLst/>
+          </a:prstGeom>
+        </p:spPr>
+        <p:txBody>
+          <a:bodyPr spcFirstLastPara="1" wrap="square" lIns="91425" tIns="91425" rIns="91425" bIns="91425" anchor="t" anchorCtr="0">
+            <a:normAutofit fontScale="92500" lnSpcReduction="10000"/>
+          </a:bodyPr>
+          <a:lstStyle/>
+          <a:p>
+            <a:pPr>
+              <a:lnSpc>
+                <a:spcPct val="114999"/>
+              </a:lnSpc>
+              <a:buNone/>
+            </a:pPr>
+            <a:r>
+              <a:rPr lang="fr-FR" sz="1400" b="1" dirty="0">
+                <a:solidFill>
+                  <a:schemeClr val="tx1"/>
+                </a:solidFill>
+                <a:latin typeface="Montserrat"/>
+              </a:rPr>
+              <a:t>Page login - Authentification “Magic Link” (Connexion sans mot de passe)</a:t>
+            </a:r>
+            <a:endParaRPr lang="fr-FR" sz="1400" dirty="0">
+              <a:solidFill>
+                <a:schemeClr val="tx1"/>
+              </a:solidFill>
+              <a:latin typeface="Montserrat"/>
+            </a:endParaRPr>
+          </a:p>
+          <a:p>
+            <a:pPr lvl="0" algn="l">
+              <a:lnSpc>
+                <a:spcPct val="114999"/>
+              </a:lnSpc>
+              <a:spcBef>
+                <a:spcPts val="0"/>
+              </a:spcBef>
+              <a:spcAft>
+                <a:spcPts val="0"/>
+              </a:spcAft>
+              <a:buNone/>
+            </a:pPr>
+            <a:endParaRPr lang="fr-FR" sz="1400" b="1" dirty="0">
+              <a:solidFill>
+                <a:schemeClr val="tx1"/>
+              </a:solidFill>
+              <a:ea typeface="Montserrat"/>
+            </a:endParaRPr>
+          </a:p>
+          <a:p>
+            <a:pPr>
+              <a:lnSpc>
+                <a:spcPct val="114999"/>
+              </a:lnSpc>
+              <a:buNone/>
+            </a:pPr>
+            <a:r>
+              <a:rPr lang="fr-FR" sz="1400" b="1" dirty="0">
+                <a:solidFill>
+                  <a:schemeClr val="tx1"/>
+                </a:solidFill>
+                <a:latin typeface="Montserrat"/>
+              </a:rPr>
+              <a:t>Pourquoi ce choix ?</a:t>
+            </a:r>
+            <a:endParaRPr lang="fr-FR" sz="1400">
+              <a:solidFill>
+                <a:schemeClr val="tx1"/>
+              </a:solidFill>
+              <a:latin typeface="Montserrat"/>
+            </a:endParaRPr>
+          </a:p>
+          <a:p>
+            <a:pPr>
+              <a:lnSpc>
+                <a:spcPct val="114999"/>
+              </a:lnSpc>
+              <a:buFont typeface="Calibri"/>
+              <a:buChar char="-"/>
+            </a:pPr>
+            <a:r>
+              <a:rPr lang="fr-FR" sz="1400" dirty="0">
+                <a:solidFill>
+                  <a:schemeClr val="tx1"/>
+                </a:solidFill>
+                <a:latin typeface="Montserrat"/>
+              </a:rPr>
+              <a:t>Simplifier la connexion et améliorer la sécurité : pas de mot de passe à retenir ou à stocker, moins de risques de piratage ou d’oubli.</a:t>
+            </a:r>
+            <a:endParaRPr lang="fr-FR">
+              <a:solidFill>
+                <a:schemeClr val="tx1"/>
+              </a:solidFill>
+              <a:latin typeface="Montserrat"/>
+            </a:endParaRPr>
+          </a:p>
+          <a:p>
+            <a:pPr lvl="0" algn="l">
+              <a:lnSpc>
+                <a:spcPct val="114999"/>
+              </a:lnSpc>
+              <a:spcAft>
+                <a:spcPts val="0"/>
+              </a:spcAft>
+              <a:buFont typeface="Calibri"/>
+              <a:buChar char="-"/>
+            </a:pPr>
+            <a:endParaRPr lang="fr-FR" sz="1400" dirty="0">
+              <a:solidFill>
+                <a:schemeClr val="tx1"/>
+              </a:solidFill>
+              <a:ea typeface="Montserrat"/>
+            </a:endParaRPr>
+          </a:p>
+          <a:p>
+            <a:pPr marL="114300" indent="0">
+              <a:lnSpc>
+                <a:spcPct val="114999"/>
+              </a:lnSpc>
+              <a:buNone/>
+            </a:pPr>
+            <a:r>
+              <a:rPr lang="fr-FR" sz="1400" dirty="0">
+                <a:solidFill>
+                  <a:schemeClr val="tx1"/>
+                </a:solidFill>
+                <a:latin typeface="Montserrat"/>
+                <a:ea typeface="Montserrat"/>
+              </a:rPr>
+              <a:t>L’utilisateur accède à la page de connexion et saisit simplement son adresse e-mail. Lorsqu’il valide, un lien sécurisé (“magic link”) lui est envoyé par e-mail. Il lui suffit de cliquer sur ce lien pour accéder à son espace, sans avoir besoin de mot de passe.</a:t>
+            </a:r>
+            <a:br>
+              <a:rPr lang="fr-FR" sz="1400" dirty="0">
+                <a:latin typeface="Montserrat"/>
+                <a:ea typeface="Montserrat"/>
+              </a:rPr>
+            </a:br>
+            <a:r>
+              <a:rPr lang="fr-FR" sz="1400" dirty="0">
+                <a:solidFill>
+                  <a:schemeClr val="tx1"/>
+                </a:solidFill>
+                <a:latin typeface="Montserrat"/>
+                <a:ea typeface="Montserrat"/>
+              </a:rPr>
+              <a:t>Ce système est géré par un service d’authentification externe (ex : </a:t>
+            </a:r>
+            <a:r>
+              <a:rPr lang="fr-FR" sz="1400" dirty="0" err="1">
+                <a:solidFill>
+                  <a:schemeClr val="tx1"/>
+                </a:solidFill>
+                <a:latin typeface="Montserrat"/>
+                <a:ea typeface="Montserrat"/>
+              </a:rPr>
+              <a:t>Firebase</a:t>
+            </a:r>
+            <a:r>
+              <a:rPr lang="fr-FR" sz="1400" dirty="0">
+                <a:solidFill>
+                  <a:schemeClr val="tx1"/>
+                </a:solidFill>
+                <a:latin typeface="Montserrat"/>
+                <a:ea typeface="Montserrat"/>
+              </a:rPr>
+              <a:t> </a:t>
+            </a:r>
+            <a:r>
+              <a:rPr lang="fr-FR" sz="1400" dirty="0" err="1">
+                <a:solidFill>
+                  <a:schemeClr val="tx1"/>
+                </a:solidFill>
+                <a:latin typeface="Montserrat"/>
+                <a:ea typeface="Montserrat"/>
+              </a:rPr>
+              <a:t>Auth</a:t>
+            </a:r>
+            <a:r>
+              <a:rPr lang="fr-FR" sz="1400" dirty="0">
+                <a:solidFill>
+                  <a:schemeClr val="tx1"/>
+                </a:solidFill>
+                <a:latin typeface="Montserrat"/>
+                <a:ea typeface="Montserrat"/>
+              </a:rPr>
+              <a:t>). Le service vérifie l’identité de l’utilisateur et lui donne accès au site en toute sécurité. Cela réduit la friction à la connexion et renforce la sécurité globale du service.</a:t>
+            </a:r>
+          </a:p>
+          <a:p>
+            <a:pPr lvl="0" algn="l">
+              <a:lnSpc>
+                <a:spcPct val="114999"/>
+              </a:lnSpc>
+              <a:buFont typeface="Calibri"/>
+              <a:buChar char="-"/>
+            </a:pPr>
+            <a:endParaRPr lang="fr-FR" sz="1400" dirty="0">
+              <a:solidFill>
+                <a:schemeClr val="tx1"/>
+              </a:solidFill>
+              <a:ea typeface="Montserrat"/>
+            </a:endParaRPr>
+          </a:p>
+          <a:p>
+            <a:pPr>
+              <a:lnSpc>
+                <a:spcPct val="114999"/>
+              </a:lnSpc>
+              <a:buNone/>
+            </a:pPr>
+            <a:endParaRPr lang="fr-FR" sz="1400" dirty="0">
+              <a:solidFill>
+                <a:srgbClr val="000000"/>
+              </a:solidFill>
+              <a:latin typeface="Montserrat"/>
+              <a:ea typeface="Montserrat"/>
+            </a:endParaRPr>
+          </a:p>
+          <a:p>
+            <a:pPr marL="0" indent="0">
+              <a:lnSpc>
+                <a:spcPct val="114999"/>
+              </a:lnSpc>
+              <a:buNone/>
+            </a:pPr>
+            <a:endParaRPr lang="fr-FR" dirty="0">
+              <a:latin typeface="Montserrat"/>
+              <a:ea typeface="Montserrat"/>
+              <a:cs typeface="Montserrat"/>
+            </a:endParaRPr>
+          </a:p>
+          <a:p>
+            <a:pPr marL="0" indent="0">
+              <a:spcBef>
+                <a:spcPts val="1200"/>
+              </a:spcBef>
+              <a:buNone/>
+            </a:pPr>
+            <a:endParaRPr lang="fr-FR">
+              <a:latin typeface="Montserrat"/>
+              <a:ea typeface="Montserrat"/>
+              <a:cs typeface="Montserrat"/>
+            </a:endParaRPr>
+          </a:p>
+          <a:p>
+            <a:pPr indent="0">
+              <a:spcBef>
+                <a:spcPts val="1200"/>
+              </a:spcBef>
+              <a:spcAft>
+                <a:spcPts val="1200"/>
+              </a:spcAft>
+              <a:buNone/>
+            </a:pPr>
+            <a:endParaRPr lang="fr-FR">
+              <a:latin typeface="Montserrat"/>
+              <a:ea typeface="Montserrat"/>
+              <a:cs typeface="Montserrat"/>
+            </a:endParaRPr>
+          </a:p>
+        </p:txBody>
+      </p:sp>
+      <p:sp>
+        <p:nvSpPr>
+          <p:cNvPr id="113" name="Google Shape;113;p20">
+            <a:extLst>
+              <a:ext uri="{FF2B5EF4-FFF2-40B4-BE49-F238E27FC236}">
+                <a16:creationId xmlns:a16="http://schemas.microsoft.com/office/drawing/2014/main" id="{00F7C11B-09E3-687B-7AB7-81A9A852C655}"/>
+              </a:ext>
+            </a:extLst>
+          </p:cNvPr>
+          <p:cNvSpPr txBox="1"/>
+          <p:nvPr/>
+        </p:nvSpPr>
+        <p:spPr>
+          <a:xfrm>
+            <a:off x="0" y="0"/>
+            <a:ext cx="4911600" cy="338700"/>
+          </a:xfrm>
+          <a:prstGeom prst="rect">
+            <a:avLst/>
+          </a:prstGeom>
+          <a:noFill/>
+          <a:ln>
+            <a:noFill/>
+          </a:ln>
+        </p:spPr>
+        <p:txBody>
+          <a:bodyPr spcFirstLastPara="1" wrap="square" lIns="91425" tIns="91425" rIns="91425" bIns="91425" anchor="t" anchorCtr="0">
+            <a:spAutoFit/>
+          </a:bodyPr>
+          <a:lstStyle/>
+          <a:p>
+            <a:pPr marL="0" lvl="0" indent="0" algn="l" rtl="0">
+              <a:lnSpc>
+                <a:spcPct val="115000"/>
+              </a:lnSpc>
+              <a:spcBef>
+                <a:spcPts val="0"/>
+              </a:spcBef>
+              <a:spcAft>
+                <a:spcPts val="1200"/>
+              </a:spcAft>
+              <a:buNone/>
+            </a:pPr>
+            <a:r>
+              <a:rPr lang="fr" sz="1000">
+                <a:solidFill>
+                  <a:schemeClr val="dk2"/>
+                </a:solidFill>
+                <a:latin typeface="Montserrat"/>
+                <a:ea typeface="Montserrat"/>
+                <a:cs typeface="Montserrat"/>
+                <a:sym typeface="Montserrat"/>
+              </a:rPr>
+              <a:t>Présentation de l’usage du no-code</a:t>
+            </a:r>
+            <a:endParaRPr sz="1000"/>
+          </a:p>
+        </p:txBody>
+      </p:sp>
+      <p:sp>
+        <p:nvSpPr>
+          <p:cNvPr id="115" name="Google Shape;115;p20">
+            <a:extLst>
+              <a:ext uri="{FF2B5EF4-FFF2-40B4-BE49-F238E27FC236}">
+                <a16:creationId xmlns:a16="http://schemas.microsoft.com/office/drawing/2014/main" id="{9405EB0C-A3C8-2AA3-7F0B-99E1682DA2A7}"/>
+              </a:ext>
+            </a:extLst>
+          </p:cNvPr>
+          <p:cNvSpPr/>
+          <p:nvPr/>
+        </p:nvSpPr>
+        <p:spPr>
+          <a:xfrm>
+            <a:off x="-4800" y="0"/>
+            <a:ext cx="9153600" cy="239700"/>
+          </a:xfrm>
+          <a:prstGeom prst="rect">
+            <a:avLst/>
+          </a:prstGeom>
+          <a:solidFill>
+            <a:srgbClr val="FCE5CD"/>
+          </a:solidFill>
+          <a:ln w="9525" cap="flat" cmpd="sng">
+            <a:solidFill>
+              <a:srgbClr val="F7EDDE"/>
+            </a:solidFill>
+            <a:prstDash val="solid"/>
+            <a:round/>
+            <a:headEnd type="none" w="sm" len="sm"/>
+            <a:tailEnd type="none" w="sm" len="sm"/>
+          </a:ln>
+        </p:spPr>
+        <p:txBody>
+          <a:bodyPr spcFirstLastPara="1" wrap="square" lIns="91425" tIns="91425" rIns="91425" bIns="91425" anchor="ctr" anchorCtr="0">
+            <a:noAutofit/>
+          </a:bodyPr>
+          <a:lstStyle/>
+          <a:p>
+            <a:pPr marL="0" lvl="0" indent="0" algn="ctr" rtl="0">
+              <a:spcBef>
+                <a:spcPts val="0"/>
+              </a:spcBef>
+              <a:spcAft>
+                <a:spcPts val="0"/>
+              </a:spcAft>
+              <a:buNone/>
+            </a:pPr>
+            <a:endParaRPr/>
+          </a:p>
+        </p:txBody>
+      </p:sp>
+      <p:pic>
+        <p:nvPicPr>
+          <p:cNvPr id="116" name="Google Shape;116;p20">
+            <a:extLst>
+              <a:ext uri="{FF2B5EF4-FFF2-40B4-BE49-F238E27FC236}">
+                <a16:creationId xmlns:a16="http://schemas.microsoft.com/office/drawing/2014/main" id="{92D3C1BF-C0A3-0780-CE6C-66EB91BAA924}"/>
+              </a:ext>
+            </a:extLst>
+          </p:cNvPr>
+          <p:cNvPicPr preferRelativeResize="0"/>
+          <p:nvPr/>
+        </p:nvPicPr>
+        <p:blipFill>
+          <a:blip r:embed="rId3">
+            <a:alphaModFix/>
+          </a:blip>
+          <a:stretch>
+            <a:fillRect/>
+          </a:stretch>
+        </p:blipFill>
+        <p:spPr>
+          <a:xfrm>
+            <a:off x="8469575" y="-4"/>
+            <a:ext cx="674425" cy="340550"/>
+          </a:xfrm>
+          <a:prstGeom prst="rect">
+            <a:avLst/>
+          </a:prstGeom>
+          <a:noFill/>
+          <a:ln>
+            <a:noFill/>
+          </a:ln>
+        </p:spPr>
+      </p:pic>
+      <p:pic>
+        <p:nvPicPr>
+          <p:cNvPr id="7" name="Image 6" descr="Une image contenant texte, capture d’écran, Police, conception&#10;&#10;Le contenu généré par l’IA peut être incorrect.">
+            <a:extLst>
+              <a:ext uri="{FF2B5EF4-FFF2-40B4-BE49-F238E27FC236}">
+                <a16:creationId xmlns:a16="http://schemas.microsoft.com/office/drawing/2014/main" id="{54250E6E-B784-2105-3EB5-7A515E1875E5}"/>
+              </a:ext>
+            </a:extLst>
+          </p:cNvPr>
+          <p:cNvPicPr>
+            <a:picLocks noChangeAspect="1"/>
+          </p:cNvPicPr>
+          <p:nvPr/>
+        </p:nvPicPr>
+        <p:blipFill>
+          <a:blip r:embed="rId4"/>
+          <a:stretch>
+            <a:fillRect/>
+          </a:stretch>
+        </p:blipFill>
+        <p:spPr>
+          <a:xfrm>
+            <a:off x="1989188" y="2665770"/>
+            <a:ext cx="4907526" cy="3268613"/>
+          </a:xfrm>
+          <a:prstGeom prst="rect">
+            <a:avLst/>
+          </a:prstGeom>
+        </p:spPr>
+      </p:pic>
+    </p:spTree>
+    <p:extLst>
+      <p:ext uri="{BB962C8B-B14F-4D97-AF65-F5344CB8AC3E}">
+        <p14:creationId xmlns:p14="http://schemas.microsoft.com/office/powerpoint/2010/main" val="2389512558"/>
+      </p:ext>
+    </p:extLst>
+  </p:cSld>
+  <p:clrMapOvr>
+    <a:masterClrMapping/>
+  </p:clrMapOvr>
+</p:sld>
+</file>
+
+<file path=ppt/slides/slide16.xml><?xml version="1.0" encoding="utf-8"?>
 <p:sld xmlns:a="http://schemas.openxmlformats.org/drawingml/2006/main" xmlns:r="http://schemas.openxmlformats.org/officeDocument/2006/relationships" xmlns:p="http://schemas.openxmlformats.org/presentationml/2006/main">
   <p:cSld>
     <p:spTree>
@@ -9677,32 +11277,28 @@
         </p:spPr>
         <p:txBody>
           <a:bodyPr spcFirstLastPara="1" wrap="square" lIns="91425" tIns="91425" rIns="91425" bIns="91425" anchor="t" anchorCtr="0">
-            <a:normAutofit/>
+            <a:normAutofit fontScale="90000"/>
           </a:bodyPr>
           <a:lstStyle/>
           <a:p>
-            <a:pPr marL="0" lvl="0" indent="0" algn="l" rtl="0">
+            <a:pPr>
               <a:lnSpc>
                 <a:spcPct val="115000"/>
               </a:lnSpc>
-              <a:spcBef>
-                <a:spcPts val="0"/>
-              </a:spcBef>
               <a:spcAft>
                 <a:spcPts val="1200"/>
               </a:spcAft>
-              <a:buNone/>
             </a:pPr>
             <a:r>
-              <a:rPr lang="fr" sz="2000">
+              <a:rPr lang="fr" sz="2000" dirty="0">
                 <a:latin typeface="Montserrat"/>
                 <a:ea typeface="Montserrat"/>
                 <a:cs typeface="Montserrat"/>
                 <a:sym typeface="Montserrat"/>
               </a:rPr>
-              <a:t>Veille Technologique</a:t>
-            </a:r>
-            <a:endParaRPr sz="2000">
+              <a:t>Veille Technologique – 1/2</a:t>
+            </a:r>
+            <a:endParaRPr sz="2000" dirty="0">
               <a:solidFill>
                 <a:schemeClr val="dk2"/>
               </a:solidFill>
@@ -9852,8 +11448,8 @@
         </p:nvSpPr>
         <p:spPr>
           <a:xfrm>
-            <a:off x="434775" y="1085525"/>
-            <a:ext cx="8320500" cy="2498100"/>
+            <a:off x="425557" y="1085525"/>
+            <a:ext cx="8403459" cy="5336815"/>
           </a:xfrm>
           <a:prstGeom prst="rect">
             <a:avLst/>
@@ -9869,25 +11465,17 @@
           </a:bodyPr>
           <a:lstStyle/>
           <a:p>
-            <a:pPr marL="457200" lvl="0" indent="-323850" algn="l" rtl="0">
+            <a:pPr marL="133350">
               <a:lnSpc>
                 <a:spcPct val="150000"/>
               </a:lnSpc>
-              <a:spcBef>
-                <a:spcPts val="0"/>
-              </a:spcBef>
-              <a:spcAft>
-                <a:spcPts val="0"/>
-              </a:spcAft>
               <a:buClr>
                 <a:srgbClr val="0D0D0D"/>
               </a:buClr>
               <a:buSzPts val="1500"/>
-              <a:buFont typeface="Montserrat"/>
-              <a:buChar char="●"/>
             </a:pPr>
             <a:r>
-              <a:rPr lang="fr" sz="1500">
+              <a:rPr lang="fr" b="1" dirty="0">
                 <a:solidFill>
                   <a:srgbClr val="0D0D0D"/>
                 </a:solidFill>
@@ -9899,9 +11487,9 @@
                 <a:cs typeface="Montserrat"/>
                 <a:sym typeface="Montserrat"/>
               </a:rPr>
-              <a:t>Captures d’écran de la veille (max 5)</a:t>
-            </a:r>
-            <a:endParaRPr sz="1500">
+              <a:t>Méthode de classification des sources d'information :</a:t>
+            </a:r>
+            <a:endParaRPr lang="fr-FR" b="1">
               <a:solidFill>
                 <a:srgbClr val="0D0D0D"/>
               </a:solidFill>
@@ -9911,29 +11499,17 @@
               <a:latin typeface="Montserrat"/>
               <a:ea typeface="Montserrat"/>
               <a:cs typeface="Montserrat"/>
-              <a:sym typeface="Montserrat"/>
             </a:endParaRPr>
           </a:p>
           <a:p>
-            <a:pPr marL="457200" lvl="0" indent="-323850" algn="l" rtl="0">
-              <a:lnSpc>
-                <a:spcPct val="150000"/>
-              </a:lnSpc>
-              <a:spcBef>
-                <a:spcPts val="0"/>
-              </a:spcBef>
-              <a:spcAft>
-                <a:spcPts val="0"/>
-              </a:spcAft>
+            <a:pPr>
               <a:buClr>
                 <a:srgbClr val="0D0D0D"/>
               </a:buClr>
               <a:buSzPts val="1500"/>
-              <a:buFont typeface="Montserrat"/>
-              <a:buChar char="●"/>
             </a:pPr>
             <a:r>
-              <a:rPr lang="fr" sz="1500">
+              <a:rPr lang="fr" dirty="0">
                 <a:solidFill>
                   <a:srgbClr val="0D0D0D"/>
                 </a:solidFill>
@@ -9941,13 +11517,383 @@
                   <a:srgbClr val="FFFFFF"/>
                 </a:highlight>
                 <a:latin typeface="Montserrat"/>
-                <a:ea typeface="Montserrat"/>
-                <a:cs typeface="Montserrat"/>
-                <a:sym typeface="Montserrat"/>
-              </a:rPr>
-              <a:t>Méthode de classification des sources d'information.</a:t>
-            </a:r>
-            <a:endParaRPr sz="1500">
+              </a:rPr>
+              <a:t> Ma veille technologique est organisée sur </a:t>
+            </a:r>
+            <a:r>
+              <a:rPr lang="fr" err="1">
+                <a:solidFill>
+                  <a:srgbClr val="0D0D0D"/>
+                </a:solidFill>
+                <a:highlight>
+                  <a:srgbClr val="FFFFFF"/>
+                </a:highlight>
+                <a:latin typeface="Montserrat"/>
+              </a:rPr>
+              <a:t>Feedly</a:t>
+            </a:r>
+            <a:r>
+              <a:rPr lang="fr" dirty="0">
+                <a:solidFill>
+                  <a:srgbClr val="0D0D0D"/>
+                </a:solidFill>
+                <a:highlight>
+                  <a:srgbClr val="FFFFFF"/>
+                </a:highlight>
+                <a:latin typeface="Montserrat"/>
+              </a:rPr>
+              <a:t> en deux catégories principales :</a:t>
+            </a:r>
+          </a:p>
+          <a:p>
+            <a:pPr marL="285750" indent="-285750">
+              <a:buSzPts val="1500"/>
+              <a:buFont typeface="Calibri"/>
+              <a:buChar char="-"/>
+            </a:pPr>
+            <a:r>
+              <a:rPr lang="fr" dirty="0">
+                <a:solidFill>
+                  <a:srgbClr val="0D0D0D"/>
+                </a:solidFill>
+                <a:highlight>
+                  <a:srgbClr val="FFFFFF"/>
+                </a:highlight>
+                <a:latin typeface="Montserrat"/>
+              </a:rPr>
+              <a:t>Dev Web : veille généraliste sur le développement web (HTML, CSS, accessibilité, sécurité, tendances…)</a:t>
+            </a:r>
+            <a:endParaRPr lang="fr">
+              <a:latin typeface="Montserrat"/>
+            </a:endParaRPr>
+          </a:p>
+          <a:p>
+            <a:pPr marL="285750" indent="-285750">
+              <a:buSzPts val="1500"/>
+              <a:buFont typeface="Calibri"/>
+              <a:buChar char="-"/>
+            </a:pPr>
+            <a:r>
+              <a:rPr lang="fr" dirty="0">
+                <a:solidFill>
+                  <a:srgbClr val="0D0D0D"/>
+                </a:solidFill>
+                <a:highlight>
+                  <a:srgbClr val="FFFFFF"/>
+                </a:highlight>
+                <a:latin typeface="Montserrat"/>
+              </a:rPr>
+              <a:t>Menu Maker – Tech : veille spécifique sur les technologies utilisées pour le projet (</a:t>
+            </a:r>
+            <a:r>
+              <a:rPr lang="fr" err="1">
+                <a:solidFill>
+                  <a:srgbClr val="0D0D0D"/>
+                </a:solidFill>
+                <a:highlight>
+                  <a:srgbClr val="FFFFFF"/>
+                </a:highlight>
+                <a:latin typeface="Montserrat"/>
+              </a:rPr>
+              <a:t>Firebase</a:t>
+            </a:r>
+            <a:r>
+              <a:rPr lang="fr" dirty="0">
+                <a:solidFill>
+                  <a:srgbClr val="0D0D0D"/>
+                </a:solidFill>
+                <a:highlight>
+                  <a:srgbClr val="FFFFFF"/>
+                </a:highlight>
+                <a:latin typeface="Montserrat"/>
+              </a:rPr>
+              <a:t>, MongoDB, Node.js, </a:t>
+            </a:r>
+            <a:r>
+              <a:rPr lang="fr" err="1">
+                <a:solidFill>
+                  <a:srgbClr val="0D0D0D"/>
+                </a:solidFill>
+                <a:highlight>
+                  <a:srgbClr val="FFFFFF"/>
+                </a:highlight>
+                <a:latin typeface="Montserrat"/>
+              </a:rPr>
+              <a:t>Tailwind</a:t>
+            </a:r>
+            <a:r>
+              <a:rPr lang="fr" dirty="0">
+                <a:solidFill>
+                  <a:srgbClr val="0D0D0D"/>
+                </a:solidFill>
+                <a:highlight>
+                  <a:srgbClr val="FFFFFF"/>
+                </a:highlight>
+                <a:latin typeface="Montserrat"/>
+              </a:rPr>
+              <a:t> CSS, </a:t>
+            </a:r>
+            <a:r>
+              <a:rPr lang="fr" err="1">
+                <a:solidFill>
+                  <a:srgbClr val="0D0D0D"/>
+                </a:solidFill>
+                <a:highlight>
+                  <a:srgbClr val="FFFFFF"/>
+                </a:highlight>
+                <a:latin typeface="Montserrat"/>
+              </a:rPr>
+              <a:t>React</a:t>
+            </a:r>
+            <a:r>
+              <a:rPr lang="fr" dirty="0">
+                <a:solidFill>
+                  <a:srgbClr val="0D0D0D"/>
+                </a:solidFill>
+                <a:highlight>
+                  <a:srgbClr val="FFFFFF"/>
+                </a:highlight>
+                <a:latin typeface="Montserrat"/>
+              </a:rPr>
+              <a:t>, etc.)</a:t>
+            </a:r>
+          </a:p>
+          <a:p>
+            <a:pPr marL="285750" indent="-285750">
+              <a:buSzPts val="1500"/>
+              <a:buFont typeface="Calibri"/>
+              <a:buChar char="-"/>
+            </a:pPr>
+            <a:endParaRPr lang="fr" dirty="0">
+              <a:solidFill>
+                <a:srgbClr val="0D0D0D"/>
+              </a:solidFill>
+              <a:highlight>
+                <a:srgbClr val="FFFFFF"/>
+              </a:highlight>
+              <a:latin typeface="Montserrat"/>
+            </a:endParaRPr>
+          </a:p>
+          <a:p>
+            <a:pPr>
+              <a:buSzPts val="1500"/>
+            </a:pPr>
+            <a:r>
+              <a:rPr lang="fr" b="1" dirty="0">
+                <a:solidFill>
+                  <a:srgbClr val="0D0D0D"/>
+                </a:solidFill>
+                <a:highlight>
+                  <a:srgbClr val="FFFFFF"/>
+                </a:highlight>
+                <a:latin typeface="Montserrat"/>
+              </a:rPr>
+              <a:t> Pour chaque sujet, je privilégie :</a:t>
+            </a:r>
+            <a:endParaRPr lang="fr" b="1">
+              <a:latin typeface="Montserrat"/>
+            </a:endParaRPr>
+          </a:p>
+          <a:p>
+            <a:pPr marL="285750" indent="-285750">
+              <a:buSzPts val="1500"/>
+              <a:buFont typeface="Calibri"/>
+              <a:buChar char="-"/>
+            </a:pPr>
+            <a:r>
+              <a:rPr lang="fr" dirty="0">
+                <a:solidFill>
+                  <a:srgbClr val="0D0D0D"/>
+                </a:solidFill>
+                <a:highlight>
+                  <a:srgbClr val="FFFFFF"/>
+                </a:highlight>
+                <a:latin typeface="Montserrat"/>
+              </a:rPr>
+              <a:t>La documentation officielle</a:t>
+            </a:r>
+            <a:endParaRPr lang="fr">
+              <a:latin typeface="Montserrat"/>
+            </a:endParaRPr>
+          </a:p>
+          <a:p>
+            <a:pPr marL="285750" indent="-285750">
+              <a:buSzPts val="1500"/>
+              <a:buFont typeface="Calibri"/>
+              <a:buChar char="-"/>
+            </a:pPr>
+            <a:r>
+              <a:rPr lang="fr" dirty="0">
+                <a:solidFill>
+                  <a:srgbClr val="0D0D0D"/>
+                </a:solidFill>
+                <a:highlight>
+                  <a:srgbClr val="FFFFFF"/>
+                </a:highlight>
+                <a:latin typeface="Montserrat"/>
+              </a:rPr>
+              <a:t>Des blogs spécialisés ou newsletters tech</a:t>
+            </a:r>
+            <a:endParaRPr lang="fr">
+              <a:latin typeface="Montserrat"/>
+            </a:endParaRPr>
+          </a:p>
+          <a:p>
+            <a:pPr marL="285750" indent="-285750">
+              <a:buSzPts val="1500"/>
+              <a:buFont typeface="Calibri"/>
+              <a:buChar char="-"/>
+            </a:pPr>
+            <a:r>
+              <a:rPr lang="fr" dirty="0">
+                <a:solidFill>
+                  <a:srgbClr val="0D0D0D"/>
+                </a:solidFill>
+                <a:highlight>
+                  <a:srgbClr val="FFFFFF"/>
+                </a:highlight>
+                <a:latin typeface="Montserrat"/>
+              </a:rPr>
+              <a:t>Des sources de veille sécurité</a:t>
+            </a:r>
+            <a:endParaRPr lang="fr" dirty="0">
+              <a:latin typeface="Montserrat"/>
+            </a:endParaRPr>
+          </a:p>
+          <a:p>
+            <a:pPr marL="133350">
+              <a:lnSpc>
+                <a:spcPct val="150000"/>
+              </a:lnSpc>
+            </a:pPr>
+            <a:r>
+              <a:rPr lang="fr" dirty="0">
+                <a:solidFill>
+                  <a:schemeClr val="tx1"/>
+                </a:solidFill>
+                <a:highlight>
+                  <a:srgbClr val="FFFFFF"/>
+                </a:highlight>
+                <a:latin typeface="Montserrat"/>
+              </a:rPr>
+              <a:t>Exemple :</a:t>
+            </a:r>
+            <a:endParaRPr lang="fr" dirty="0">
+              <a:solidFill>
+                <a:schemeClr val="tx1"/>
+              </a:solidFill>
+              <a:latin typeface="Montserrat"/>
+            </a:endParaRPr>
+          </a:p>
+          <a:p>
+            <a:pPr marL="285750" indent="-285750">
+              <a:buFont typeface="Calibri"/>
+              <a:buChar char="-"/>
+            </a:pPr>
+            <a:r>
+              <a:rPr lang="fr" i="1" dirty="0">
+                <a:solidFill>
+                  <a:schemeClr val="tx1"/>
+                </a:solidFill>
+                <a:highlight>
+                  <a:srgbClr val="FFFFFF"/>
+                </a:highlight>
+                <a:latin typeface="Montserrat"/>
+              </a:rPr>
+              <a:t>Pour la partie « Dev Web », j’utilise par exemple le blog CSS-Tricks pour me tenir informé   des nouveautés sur le CSS et l’UI.</a:t>
+            </a:r>
+            <a:endParaRPr lang="fr" dirty="0">
+              <a:solidFill>
+                <a:schemeClr val="tx1"/>
+              </a:solidFill>
+              <a:latin typeface="Montserrat"/>
+            </a:endParaRPr>
+          </a:p>
+          <a:p>
+            <a:pPr marL="285750" indent="-285750">
+              <a:buFont typeface="Calibri"/>
+              <a:buChar char="-"/>
+            </a:pPr>
+            <a:endParaRPr lang="fr" i="1" dirty="0">
+              <a:solidFill>
+                <a:schemeClr val="tx1"/>
+              </a:solidFill>
+              <a:highlight>
+                <a:srgbClr val="FFFFFF"/>
+              </a:highlight>
+              <a:latin typeface="Montserrat"/>
+            </a:endParaRPr>
+          </a:p>
+          <a:p>
+            <a:pPr marL="285750" indent="-285750">
+              <a:buFont typeface="Calibri"/>
+              <a:buChar char="-"/>
+            </a:pPr>
+            <a:r>
+              <a:rPr lang="fr" i="1" dirty="0">
+                <a:solidFill>
+                  <a:schemeClr val="tx1"/>
+                </a:solidFill>
+                <a:highlight>
+                  <a:srgbClr val="FFFFFF"/>
+                </a:highlight>
+                <a:latin typeface="Montserrat"/>
+              </a:rPr>
+              <a:t>Pour la partie « Menu Maker – Tech », j’utilise la documentation officielle </a:t>
+            </a:r>
+            <a:r>
+              <a:rPr lang="fr" i="1" dirty="0" err="1">
+                <a:solidFill>
+                  <a:schemeClr val="tx1"/>
+                </a:solidFill>
+                <a:highlight>
+                  <a:srgbClr val="FFFFFF"/>
+                </a:highlight>
+                <a:latin typeface="Montserrat"/>
+              </a:rPr>
+              <a:t>Firebase</a:t>
+            </a:r>
+            <a:r>
+              <a:rPr lang="fr" i="1" dirty="0">
+                <a:solidFill>
+                  <a:schemeClr val="tx1"/>
+                </a:solidFill>
+                <a:highlight>
+                  <a:srgbClr val="FFFFFF"/>
+                </a:highlight>
+                <a:latin typeface="Montserrat"/>
+              </a:rPr>
+              <a:t> afin d’implémenter une authentification moderne et sécurisée (Magic Link).</a:t>
+            </a:r>
+            <a:endParaRPr lang="fr">
+              <a:solidFill>
+                <a:schemeClr val="tx1"/>
+              </a:solidFill>
+              <a:latin typeface="Montserrat"/>
+            </a:endParaRPr>
+          </a:p>
+          <a:p>
+            <a:pPr marL="133350">
+              <a:lnSpc>
+                <a:spcPct val="150000"/>
+              </a:lnSpc>
+            </a:pPr>
+            <a:endParaRPr lang="fr" sz="1500" dirty="0">
+              <a:highlight>
+                <a:srgbClr val="FFFFFF"/>
+              </a:highlight>
+              <a:latin typeface="Montserrat"/>
+            </a:endParaRPr>
+          </a:p>
+          <a:p>
+            <a:pPr marL="133350">
+              <a:lnSpc>
+                <a:spcPct val="150000"/>
+              </a:lnSpc>
+              <a:buSzPts val="1500"/>
+              <a:buFont typeface="Calibri"/>
+            </a:pPr>
+            <a:endParaRPr lang="fr" sz="1500" dirty="0">
               <a:solidFill>
                 <a:srgbClr val="0D0D0D"/>
               </a:solidFill>
@@ -9957,103 +11903,10 @@
               <a:latin typeface="Montserrat"/>
               <a:ea typeface="Montserrat"/>
               <a:cs typeface="Montserrat"/>
-              <a:sym typeface="Montserrat"/>
             </a:endParaRPr>
           </a:p>
           <a:p>
-            <a:pPr marL="457200" lvl="0" indent="-323850" algn="l" rtl="0">
-              <a:lnSpc>
-                <a:spcPct val="150000"/>
-              </a:lnSpc>
-              <a:spcBef>
-                <a:spcPts val="0"/>
-              </a:spcBef>
-              <a:spcAft>
-                <a:spcPts val="0"/>
-              </a:spcAft>
-              <a:buClr>
-                <a:srgbClr val="0D0D0D"/>
-              </a:buClr>
-              <a:buSzPts val="1500"/>
-              <a:buFont typeface="Montserrat"/>
-              <a:buChar char="●"/>
-            </a:pPr>
-            <a:r>
-              <a:rPr lang="fr" sz="1500">
-                <a:solidFill>
-                  <a:srgbClr val="0D0D0D"/>
-                </a:solidFill>
-                <a:highlight>
-                  <a:srgbClr val="FFFFFF"/>
-                </a:highlight>
-                <a:latin typeface="Montserrat"/>
-                <a:ea typeface="Montserrat"/>
-                <a:cs typeface="Montserrat"/>
-                <a:sym typeface="Montserrat"/>
-              </a:rPr>
-              <a:t>Exemple et explication du choix d’une source pour chacun des 2 axes de veille </a:t>
-            </a:r>
-            <a:endParaRPr sz="1500">
-              <a:solidFill>
-                <a:srgbClr val="0D0D0D"/>
-              </a:solidFill>
-              <a:highlight>
-                <a:srgbClr val="FFFFFF"/>
-              </a:highlight>
-              <a:latin typeface="Montserrat"/>
-              <a:ea typeface="Montserrat"/>
-              <a:cs typeface="Montserrat"/>
-              <a:sym typeface="Montserrat"/>
-            </a:endParaRPr>
-          </a:p>
-          <a:p>
-            <a:pPr marL="457200" lvl="0" indent="-323850" algn="l" rtl="0">
-              <a:lnSpc>
-                <a:spcPct val="150000"/>
-              </a:lnSpc>
-              <a:spcBef>
-                <a:spcPts val="0"/>
-              </a:spcBef>
-              <a:spcAft>
-                <a:spcPts val="0"/>
-              </a:spcAft>
-              <a:buClr>
-                <a:srgbClr val="0D0D0D"/>
-              </a:buClr>
-              <a:buSzPts val="1500"/>
-              <a:buFont typeface="Montserrat"/>
-              <a:buChar char="●"/>
-            </a:pPr>
-            <a:r>
-              <a:rPr lang="fr" sz="1500">
-                <a:solidFill>
-                  <a:srgbClr val="0D0D0D"/>
-                </a:solidFill>
-                <a:highlight>
-                  <a:srgbClr val="FFFFFF"/>
-                </a:highlight>
-                <a:latin typeface="Montserrat"/>
-                <a:ea typeface="Montserrat"/>
-                <a:cs typeface="Montserrat"/>
-                <a:sym typeface="Montserrat"/>
-              </a:rPr>
-              <a:t>Explication de la contribution de la veille à l'élaboration des spécifications techniques.</a:t>
-            </a:r>
-            <a:endParaRPr sz="1500">
-              <a:solidFill>
-                <a:srgbClr val="0D0D0D"/>
-              </a:solidFill>
-              <a:highlight>
-                <a:srgbClr val="FFFFFF"/>
-              </a:highlight>
-              <a:latin typeface="Montserrat"/>
-              <a:ea typeface="Montserrat"/>
-              <a:cs typeface="Montserrat"/>
-              <a:sym typeface="Montserrat"/>
-            </a:endParaRPr>
-          </a:p>
-          <a:p>
-            <a:pPr marL="0" lvl="0" indent="0" algn="l" rtl="0">
+            <a:pPr lvl="0" algn="l" rtl="0">
               <a:lnSpc>
                 <a:spcPct val="115000"/>
               </a:lnSpc>
@@ -10063,7 +11916,6 @@
               <a:spcAft>
                 <a:spcPts val="0"/>
               </a:spcAft>
-              <a:buNone/>
             </a:pPr>
             <a:endParaRPr sz="1200" i="1">
               <a:solidFill>
@@ -10171,7 +12023,739 @@
 </p:sld>
 </file>
 
-<file path=ppt/slides/slide16.xml><?xml version="1.0" encoding="utf-8"?>
+<file path=ppt/slides/slide17.xml><?xml version="1.0" encoding="utf-8"?>
+<p:sld xmlns:a="http://schemas.openxmlformats.org/drawingml/2006/main" xmlns:r="http://schemas.openxmlformats.org/officeDocument/2006/relationships" xmlns:p="http://schemas.openxmlformats.org/presentationml/2006/main">
+  <p:cSld>
+    <p:spTree>
+      <p:nvGrpSpPr>
+        <p:cNvPr id="1" name=""/>
+        <p:cNvGrpSpPr/>
+        <p:nvPr/>
+      </p:nvGrpSpPr>
+      <p:grpSpPr>
+        <a:xfrm>
+          <a:off x="0" y="0"/>
+          <a:ext cx="0" cy="0"/>
+          <a:chOff x="0" y="0"/>
+          <a:chExt cx="0" cy="0"/>
+        </a:xfrm>
+      </p:grpSpPr>
+      <p:pic>
+        <p:nvPicPr>
+          <p:cNvPr id="3" name="Image 2" descr="Une image contenant texte, capture d’écran, logiciel, Logiciel multimédia&#10;&#10;Le contenu généré par l’IA peut être incorrect.">
+            <a:extLst>
+              <a:ext uri="{FF2B5EF4-FFF2-40B4-BE49-F238E27FC236}">
+                <a16:creationId xmlns:a16="http://schemas.microsoft.com/office/drawing/2014/main" id="{DD4038D2-D026-0687-06A8-A33A702E41E3}"/>
+              </a:ext>
+            </a:extLst>
+          </p:cNvPr>
+          <p:cNvPicPr>
+            <a:picLocks noChangeAspect="1"/>
+          </p:cNvPicPr>
+          <p:nvPr/>
+        </p:nvPicPr>
+        <p:blipFill>
+          <a:blip r:embed="rId2"/>
+          <a:stretch>
+            <a:fillRect/>
+          </a:stretch>
+        </p:blipFill>
+        <p:spPr>
+          <a:xfrm>
+            <a:off x="0" y="2146"/>
+            <a:ext cx="9144000" cy="5139208"/>
+          </a:xfrm>
+          <a:prstGeom prst="rect">
+            <a:avLst/>
+          </a:prstGeom>
+        </p:spPr>
+      </p:pic>
+    </p:spTree>
+    <p:extLst>
+      <p:ext uri="{BB962C8B-B14F-4D97-AF65-F5344CB8AC3E}">
+        <p14:creationId xmlns:p14="http://schemas.microsoft.com/office/powerpoint/2010/main" val="2055301882"/>
+      </p:ext>
+    </p:extLst>
+  </p:cSld>
+  <p:clrMapOvr>
+    <a:masterClrMapping/>
+  </p:clrMapOvr>
+</p:sld>
+</file>
+
+<file path=ppt/slides/slide18.xml><?xml version="1.0" encoding="utf-8"?>
+<p:sld xmlns:a="http://schemas.openxmlformats.org/drawingml/2006/main" xmlns:r="http://schemas.openxmlformats.org/officeDocument/2006/relationships" xmlns:p="http://schemas.openxmlformats.org/presentationml/2006/main">
+  <p:cSld>
+    <p:spTree>
+      <p:nvGrpSpPr>
+        <p:cNvPr id="1" name="Shape 110">
+          <a:extLst>
+            <a:ext uri="{FF2B5EF4-FFF2-40B4-BE49-F238E27FC236}">
+              <a16:creationId xmlns:a16="http://schemas.microsoft.com/office/drawing/2014/main" id="{4484A97D-1225-1411-AF0D-6F23F5BC89AE}"/>
+            </a:ext>
+          </a:extLst>
+        </p:cNvPr>
+        <p:cNvGrpSpPr/>
+        <p:nvPr/>
+      </p:nvGrpSpPr>
+      <p:grpSpPr>
+        <a:xfrm>
+          <a:off x="0" y="0"/>
+          <a:ext cx="0" cy="0"/>
+          <a:chOff x="0" y="0"/>
+          <a:chExt cx="0" cy="0"/>
+        </a:xfrm>
+      </p:grpSpPr>
+      <p:sp>
+        <p:nvSpPr>
+          <p:cNvPr id="111" name="Google Shape;111;p20">
+            <a:extLst>
+              <a:ext uri="{FF2B5EF4-FFF2-40B4-BE49-F238E27FC236}">
+                <a16:creationId xmlns:a16="http://schemas.microsoft.com/office/drawing/2014/main" id="{E80F2272-A1BC-9290-0565-DCA43061D788}"/>
+              </a:ext>
+            </a:extLst>
+          </p:cNvPr>
+          <p:cNvSpPr txBox="1">
+            <a:spLocks noGrp="1"/>
+          </p:cNvSpPr>
+          <p:nvPr>
+            <p:ph type="title"/>
+          </p:nvPr>
+        </p:nvSpPr>
+        <p:spPr>
+          <a:xfrm>
+            <a:off x="311700" y="445025"/>
+            <a:ext cx="8520600" cy="572700"/>
+          </a:xfrm>
+          <a:prstGeom prst="rect">
+            <a:avLst/>
+          </a:prstGeom>
+        </p:spPr>
+        <p:txBody>
+          <a:bodyPr spcFirstLastPara="1" wrap="square" lIns="91425" tIns="91425" rIns="91425" bIns="91425" anchor="t" anchorCtr="0">
+            <a:normAutofit fontScale="90000"/>
+          </a:bodyPr>
+          <a:lstStyle/>
+          <a:p>
+            <a:pPr>
+              <a:lnSpc>
+                <a:spcPct val="115000"/>
+              </a:lnSpc>
+              <a:spcAft>
+                <a:spcPts val="1200"/>
+              </a:spcAft>
+            </a:pPr>
+            <a:r>
+              <a:rPr lang="fr" sz="2000" dirty="0">
+                <a:latin typeface="Montserrat"/>
+                <a:ea typeface="Montserrat"/>
+                <a:cs typeface="Montserrat"/>
+                <a:sym typeface="Montserrat"/>
+              </a:rPr>
+              <a:t>Veille Technologique – 2/2</a:t>
+            </a:r>
+            <a:endParaRPr sz="2000" dirty="0">
+              <a:solidFill>
+                <a:schemeClr val="dk2"/>
+              </a:solidFill>
+              <a:latin typeface="Montserrat"/>
+              <a:ea typeface="Montserrat"/>
+              <a:cs typeface="Montserrat"/>
+              <a:sym typeface="Montserrat"/>
+            </a:endParaRPr>
+          </a:p>
+        </p:txBody>
+      </p:sp>
+      <p:sp>
+        <p:nvSpPr>
+          <p:cNvPr id="112" name="Google Shape;112;p20">
+            <a:extLst>
+              <a:ext uri="{FF2B5EF4-FFF2-40B4-BE49-F238E27FC236}">
+                <a16:creationId xmlns:a16="http://schemas.microsoft.com/office/drawing/2014/main" id="{197A31C2-4DC1-A8DD-C20F-2112895A8DDB}"/>
+              </a:ext>
+            </a:extLst>
+          </p:cNvPr>
+          <p:cNvSpPr txBox="1">
+            <a:spLocks noGrp="1"/>
+          </p:cNvSpPr>
+          <p:nvPr>
+            <p:ph type="body" idx="1"/>
+          </p:nvPr>
+        </p:nvSpPr>
+        <p:spPr>
+          <a:xfrm>
+            <a:off x="311700" y="1152475"/>
+            <a:ext cx="8520600" cy="3416400"/>
+          </a:xfrm>
+          <a:prstGeom prst="rect">
+            <a:avLst/>
+          </a:prstGeom>
+        </p:spPr>
+        <p:txBody>
+          <a:bodyPr spcFirstLastPara="1" wrap="square" lIns="91425" tIns="91425" rIns="91425" bIns="91425" anchor="t" anchorCtr="0">
+            <a:normAutofit/>
+          </a:bodyPr>
+          <a:lstStyle/>
+          <a:p>
+            <a:pPr marL="0" lvl="0" indent="0" algn="l" rtl="0">
+              <a:spcBef>
+                <a:spcPts val="0"/>
+              </a:spcBef>
+              <a:spcAft>
+                <a:spcPts val="0"/>
+              </a:spcAft>
+              <a:buNone/>
+            </a:pPr>
+            <a:endParaRPr>
+              <a:latin typeface="Montserrat"/>
+              <a:ea typeface="Montserrat"/>
+              <a:cs typeface="Montserrat"/>
+              <a:sym typeface="Montserrat"/>
+            </a:endParaRPr>
+          </a:p>
+          <a:p>
+            <a:pPr marL="0" lvl="0" indent="0" algn="l" rtl="0">
+              <a:spcBef>
+                <a:spcPts val="1200"/>
+              </a:spcBef>
+              <a:spcAft>
+                <a:spcPts val="0"/>
+              </a:spcAft>
+              <a:buNone/>
+            </a:pPr>
+            <a:endParaRPr>
+              <a:latin typeface="Montserrat"/>
+              <a:ea typeface="Montserrat"/>
+              <a:cs typeface="Montserrat"/>
+              <a:sym typeface="Montserrat"/>
+            </a:endParaRPr>
+          </a:p>
+          <a:p>
+            <a:pPr marL="457200" lvl="0" indent="0" algn="l" rtl="0">
+              <a:spcBef>
+                <a:spcPts val="1200"/>
+              </a:spcBef>
+              <a:spcAft>
+                <a:spcPts val="1200"/>
+              </a:spcAft>
+              <a:buNone/>
+            </a:pPr>
+            <a:endParaRPr>
+              <a:latin typeface="Montserrat"/>
+              <a:ea typeface="Montserrat"/>
+              <a:cs typeface="Montserrat"/>
+              <a:sym typeface="Montserrat"/>
+            </a:endParaRPr>
+          </a:p>
+        </p:txBody>
+      </p:sp>
+      <p:sp>
+        <p:nvSpPr>
+          <p:cNvPr id="113" name="Google Shape;113;p20">
+            <a:extLst>
+              <a:ext uri="{FF2B5EF4-FFF2-40B4-BE49-F238E27FC236}">
+                <a16:creationId xmlns:a16="http://schemas.microsoft.com/office/drawing/2014/main" id="{CACAD838-5AD9-9C71-FE08-FE2042C6C047}"/>
+              </a:ext>
+            </a:extLst>
+          </p:cNvPr>
+          <p:cNvSpPr txBox="1"/>
+          <p:nvPr/>
+        </p:nvSpPr>
+        <p:spPr>
+          <a:xfrm>
+            <a:off x="0" y="0"/>
+            <a:ext cx="4911600" cy="338700"/>
+          </a:xfrm>
+          <a:prstGeom prst="rect">
+            <a:avLst/>
+          </a:prstGeom>
+          <a:noFill/>
+          <a:ln>
+            <a:noFill/>
+          </a:ln>
+        </p:spPr>
+        <p:txBody>
+          <a:bodyPr spcFirstLastPara="1" wrap="square" lIns="91425" tIns="91425" rIns="91425" bIns="91425" anchor="t" anchorCtr="0">
+            <a:spAutoFit/>
+          </a:bodyPr>
+          <a:lstStyle/>
+          <a:p>
+            <a:pPr marL="0" lvl="0" indent="0" algn="l" rtl="0">
+              <a:lnSpc>
+                <a:spcPct val="115000"/>
+              </a:lnSpc>
+              <a:spcBef>
+                <a:spcPts val="0"/>
+              </a:spcBef>
+              <a:spcAft>
+                <a:spcPts val="1200"/>
+              </a:spcAft>
+              <a:buNone/>
+            </a:pPr>
+            <a:r>
+              <a:rPr lang="fr" sz="1000">
+                <a:solidFill>
+                  <a:schemeClr val="dk2"/>
+                </a:solidFill>
+                <a:latin typeface="Montserrat"/>
+                <a:ea typeface="Montserrat"/>
+                <a:cs typeface="Montserrat"/>
+                <a:sym typeface="Montserrat"/>
+              </a:rPr>
+              <a:t>Présentation de l’usage du no-code</a:t>
+            </a:r>
+            <a:endParaRPr sz="1000"/>
+          </a:p>
+        </p:txBody>
+      </p:sp>
+      <p:sp>
+        <p:nvSpPr>
+          <p:cNvPr id="114" name="Google Shape;114;p20">
+            <a:extLst>
+              <a:ext uri="{FF2B5EF4-FFF2-40B4-BE49-F238E27FC236}">
+                <a16:creationId xmlns:a16="http://schemas.microsoft.com/office/drawing/2014/main" id="{7614F9AF-8780-5172-9FC1-22184DCFA9E5}"/>
+              </a:ext>
+            </a:extLst>
+          </p:cNvPr>
+          <p:cNvSpPr txBox="1"/>
+          <p:nvPr/>
+        </p:nvSpPr>
+        <p:spPr>
+          <a:xfrm>
+            <a:off x="425557" y="1085525"/>
+            <a:ext cx="8403459" cy="3844099"/>
+          </a:xfrm>
+          <a:prstGeom prst="rect">
+            <a:avLst/>
+          </a:prstGeom>
+          <a:noFill/>
+          <a:ln>
+            <a:noFill/>
+          </a:ln>
+        </p:spPr>
+        <p:txBody>
+          <a:bodyPr spcFirstLastPara="1" wrap="square" lIns="91425" tIns="91425" rIns="91425" bIns="91425" anchor="t" anchorCtr="0">
+            <a:spAutoFit/>
+          </a:bodyPr>
+          <a:lstStyle/>
+          <a:p>
+            <a:r>
+              <a:rPr lang="fr" b="1" dirty="0">
+                <a:solidFill>
+                  <a:srgbClr val="0D0D0D"/>
+                </a:solidFill>
+                <a:highlight>
+                  <a:srgbClr val="FFFFFF"/>
+                </a:highlight>
+                <a:latin typeface="Montserrat"/>
+              </a:rPr>
+              <a:t>Explication de la contribution de la veille à l’élaboration des spécifications techniques :</a:t>
+            </a:r>
+            <a:endParaRPr lang="fr-FR">
+              <a:latin typeface="Montserrat"/>
+            </a:endParaRPr>
+          </a:p>
+          <a:p>
+            <a:endParaRPr lang="fr" b="1" dirty="0">
+              <a:solidFill>
+                <a:srgbClr val="0D0D0D"/>
+              </a:solidFill>
+              <a:highlight>
+                <a:srgbClr val="FFFFFF"/>
+              </a:highlight>
+              <a:latin typeface="Montserrat"/>
+            </a:endParaRPr>
+          </a:p>
+          <a:p>
+            <a:r>
+              <a:rPr lang="fr" dirty="0">
+                <a:solidFill>
+                  <a:srgbClr val="0D0D0D"/>
+                </a:solidFill>
+                <a:highlight>
+                  <a:srgbClr val="FFFFFF"/>
+                </a:highlight>
+                <a:latin typeface="Montserrat"/>
+              </a:rPr>
+              <a:t>Grâce à cette veille, j’ai pu proposer les solutions techniques les plus récentes et adaptées au projet : par exemple, la connexion par lien magique (</a:t>
+            </a:r>
+            <a:r>
+              <a:rPr lang="fr" err="1">
+                <a:solidFill>
+                  <a:srgbClr val="0D0D0D"/>
+                </a:solidFill>
+                <a:highlight>
+                  <a:srgbClr val="FFFFFF"/>
+                </a:highlight>
+                <a:latin typeface="Montserrat"/>
+              </a:rPr>
+              <a:t>magic</a:t>
+            </a:r>
+            <a:r>
+              <a:rPr lang="fr" dirty="0">
+                <a:solidFill>
+                  <a:srgbClr val="0D0D0D"/>
+                </a:solidFill>
+                <a:highlight>
+                  <a:srgbClr val="FFFFFF"/>
+                </a:highlight>
+                <a:latin typeface="Montserrat"/>
+              </a:rPr>
+              <a:t> </a:t>
+            </a:r>
+            <a:r>
+              <a:rPr lang="fr" err="1">
+                <a:solidFill>
+                  <a:srgbClr val="0D0D0D"/>
+                </a:solidFill>
+                <a:highlight>
+                  <a:srgbClr val="FFFFFF"/>
+                </a:highlight>
+                <a:latin typeface="Montserrat"/>
+              </a:rPr>
+              <a:t>link</a:t>
+            </a:r>
+            <a:r>
+              <a:rPr lang="fr" dirty="0">
+                <a:solidFill>
+                  <a:srgbClr val="0D0D0D"/>
+                </a:solidFill>
+                <a:highlight>
+                  <a:srgbClr val="FFFFFF"/>
+                </a:highlight>
+                <a:latin typeface="Montserrat"/>
+              </a:rPr>
+              <a:t>) avec </a:t>
+            </a:r>
+            <a:r>
+              <a:rPr lang="fr" err="1">
+                <a:solidFill>
+                  <a:srgbClr val="0D0D0D"/>
+                </a:solidFill>
+                <a:highlight>
+                  <a:srgbClr val="FFFFFF"/>
+                </a:highlight>
+                <a:latin typeface="Montserrat"/>
+              </a:rPr>
+              <a:t>Firebase</a:t>
+            </a:r>
+            <a:r>
+              <a:rPr lang="fr" dirty="0">
+                <a:solidFill>
+                  <a:srgbClr val="0D0D0D"/>
+                </a:solidFill>
+                <a:highlight>
+                  <a:srgbClr val="FFFFFF"/>
+                </a:highlight>
+                <a:latin typeface="Montserrat"/>
+              </a:rPr>
+              <a:t> </a:t>
+            </a:r>
+            <a:r>
+              <a:rPr lang="fr" err="1">
+                <a:solidFill>
+                  <a:srgbClr val="0D0D0D"/>
+                </a:solidFill>
+                <a:highlight>
+                  <a:srgbClr val="FFFFFF"/>
+                </a:highlight>
+                <a:latin typeface="Montserrat"/>
+              </a:rPr>
+              <a:t>Auth</a:t>
+            </a:r>
+            <a:r>
+              <a:rPr lang="fr" dirty="0">
+                <a:solidFill>
+                  <a:srgbClr val="0D0D0D"/>
+                </a:solidFill>
+                <a:highlight>
+                  <a:srgbClr val="FFFFFF"/>
+                </a:highlight>
+                <a:latin typeface="Montserrat"/>
+              </a:rPr>
+              <a:t>, la génération de PDF en </a:t>
+            </a:r>
+            <a:r>
+              <a:rPr lang="fr" err="1">
+                <a:solidFill>
+                  <a:srgbClr val="0D0D0D"/>
+                </a:solidFill>
+                <a:highlight>
+                  <a:srgbClr val="FFFFFF"/>
+                </a:highlight>
+                <a:latin typeface="Montserrat"/>
+              </a:rPr>
+              <a:t>front-end</a:t>
+            </a:r>
+            <a:r>
+              <a:rPr lang="fr" dirty="0">
+                <a:solidFill>
+                  <a:srgbClr val="0D0D0D"/>
+                </a:solidFill>
+                <a:highlight>
+                  <a:srgbClr val="FFFFFF"/>
+                </a:highlight>
+                <a:latin typeface="Montserrat"/>
+              </a:rPr>
+              <a:t> avec html2canvas et </a:t>
+            </a:r>
+            <a:r>
+              <a:rPr lang="fr" err="1">
+                <a:solidFill>
+                  <a:srgbClr val="0D0D0D"/>
+                </a:solidFill>
+                <a:highlight>
+                  <a:srgbClr val="FFFFFF"/>
+                </a:highlight>
+                <a:latin typeface="Montserrat"/>
+              </a:rPr>
+              <a:t>jsPDF</a:t>
+            </a:r>
+            <a:r>
+              <a:rPr lang="fr" dirty="0">
+                <a:solidFill>
+                  <a:srgbClr val="0D0D0D"/>
+                </a:solidFill>
+                <a:highlight>
+                  <a:srgbClr val="FFFFFF"/>
+                </a:highlight>
+                <a:latin typeface="Montserrat"/>
+              </a:rPr>
+              <a:t>, ou encore la personnalisation avancée des menus avec </a:t>
+            </a:r>
+            <a:r>
+              <a:rPr lang="fr" err="1">
+                <a:solidFill>
+                  <a:srgbClr val="0D0D0D"/>
+                </a:solidFill>
+                <a:highlight>
+                  <a:srgbClr val="FFFFFF"/>
+                </a:highlight>
+                <a:latin typeface="Montserrat"/>
+              </a:rPr>
+              <a:t>Tailwind</a:t>
+            </a:r>
+            <a:r>
+              <a:rPr lang="fr" dirty="0">
+                <a:solidFill>
+                  <a:srgbClr val="0D0D0D"/>
+                </a:solidFill>
+                <a:highlight>
+                  <a:srgbClr val="FFFFFF"/>
+                </a:highlight>
+                <a:latin typeface="Montserrat"/>
+              </a:rPr>
+              <a:t> CSS.</a:t>
+            </a:r>
+          </a:p>
+          <a:p>
+            <a:endParaRPr lang="fr" dirty="0">
+              <a:solidFill>
+                <a:srgbClr val="0D0D0D"/>
+              </a:solidFill>
+              <a:highlight>
+                <a:srgbClr val="FFFFFF"/>
+              </a:highlight>
+              <a:latin typeface="Montserrat"/>
+            </a:endParaRPr>
+          </a:p>
+          <a:p>
+            <a:r>
+              <a:rPr lang="fr" dirty="0">
+                <a:solidFill>
+                  <a:srgbClr val="0D0D0D"/>
+                </a:solidFill>
+                <a:highlight>
+                  <a:srgbClr val="FFFFFF"/>
+                </a:highlight>
+                <a:latin typeface="Montserrat"/>
+              </a:rPr>
+              <a:t>Cette veille m’a également permis d’anticiper certains besoins (accessibilité, responsive, sécurité des données) et d’intégrer les bonnes pratiques directement dans les spécifications techniques.</a:t>
+            </a:r>
+            <a:endParaRPr lang="fr" dirty="0">
+              <a:latin typeface="Montserrat"/>
+            </a:endParaRPr>
+          </a:p>
+          <a:p>
+            <a:endParaRPr lang="fr" sz="1500" dirty="0">
+              <a:solidFill>
+                <a:srgbClr val="0D0D0D"/>
+              </a:solidFill>
+              <a:highlight>
+                <a:srgbClr val="FFFFFF"/>
+              </a:highlight>
+              <a:latin typeface="Montserrat"/>
+            </a:endParaRPr>
+          </a:p>
+          <a:p>
+            <a:pPr marL="133350">
+              <a:lnSpc>
+                <a:spcPct val="150000"/>
+              </a:lnSpc>
+            </a:pPr>
+            <a:endParaRPr lang="fr" sz="1500" dirty="0">
+              <a:highlight>
+                <a:srgbClr val="FFFFFF"/>
+              </a:highlight>
+              <a:latin typeface="Montserrat"/>
+            </a:endParaRPr>
+          </a:p>
+          <a:p>
+            <a:pPr marL="133350">
+              <a:lnSpc>
+                <a:spcPct val="150000"/>
+              </a:lnSpc>
+              <a:buSzPts val="1500"/>
+              <a:buFont typeface="Calibri"/>
+            </a:pPr>
+            <a:endParaRPr lang="fr" sz="1500" dirty="0">
+              <a:solidFill>
+                <a:srgbClr val="0D0D0D"/>
+              </a:solidFill>
+              <a:highlight>
+                <a:srgbClr val="FFFFFF"/>
+              </a:highlight>
+              <a:latin typeface="Montserrat"/>
+              <a:ea typeface="Montserrat"/>
+              <a:cs typeface="Montserrat"/>
+            </a:endParaRPr>
+          </a:p>
+          <a:p>
+            <a:pPr lvl="0" algn="l" rtl="0">
+              <a:lnSpc>
+                <a:spcPct val="115000"/>
+              </a:lnSpc>
+              <a:spcBef>
+                <a:spcPts val="0"/>
+              </a:spcBef>
+              <a:spcAft>
+                <a:spcPts val="0"/>
+              </a:spcAft>
+            </a:pPr>
+            <a:endParaRPr sz="1200" i="1">
+              <a:solidFill>
+                <a:schemeClr val="dk1"/>
+              </a:solidFill>
+              <a:latin typeface="Montserrat"/>
+              <a:ea typeface="Montserrat"/>
+              <a:cs typeface="Montserrat"/>
+              <a:sym typeface="Montserrat"/>
+            </a:endParaRPr>
+          </a:p>
+          <a:p>
+            <a:pPr marL="0" lvl="0" indent="0" algn="l" rtl="0">
+              <a:spcBef>
+                <a:spcPts val="1200"/>
+              </a:spcBef>
+              <a:spcAft>
+                <a:spcPts val="0"/>
+              </a:spcAft>
+              <a:buNone/>
+            </a:pPr>
+            <a:endParaRPr/>
+          </a:p>
+        </p:txBody>
+      </p:sp>
+      <p:sp>
+        <p:nvSpPr>
+          <p:cNvPr id="115" name="Google Shape;115;p20">
+            <a:extLst>
+              <a:ext uri="{FF2B5EF4-FFF2-40B4-BE49-F238E27FC236}">
+                <a16:creationId xmlns:a16="http://schemas.microsoft.com/office/drawing/2014/main" id="{8E379429-B51F-4814-9841-EAE4DEDD9627}"/>
+              </a:ext>
+            </a:extLst>
+          </p:cNvPr>
+          <p:cNvSpPr/>
+          <p:nvPr/>
+        </p:nvSpPr>
+        <p:spPr>
+          <a:xfrm>
+            <a:off x="-4800" y="0"/>
+            <a:ext cx="9153600" cy="239700"/>
+          </a:xfrm>
+          <a:prstGeom prst="rect">
+            <a:avLst/>
+          </a:prstGeom>
+          <a:solidFill>
+            <a:srgbClr val="FCE5CD"/>
+          </a:solidFill>
+          <a:ln w="9525" cap="flat" cmpd="sng">
+            <a:solidFill>
+              <a:srgbClr val="F7EDDE"/>
+            </a:solidFill>
+            <a:prstDash val="solid"/>
+            <a:round/>
+            <a:headEnd type="none" w="sm" len="sm"/>
+            <a:tailEnd type="none" w="sm" len="sm"/>
+          </a:ln>
+        </p:spPr>
+        <p:txBody>
+          <a:bodyPr spcFirstLastPara="1" wrap="square" lIns="91425" tIns="91425" rIns="91425" bIns="91425" anchor="ctr" anchorCtr="0">
+            <a:noAutofit/>
+          </a:bodyPr>
+          <a:lstStyle/>
+          <a:p>
+            <a:pPr marL="0" lvl="0" indent="0" algn="ctr" rtl="0">
+              <a:spcBef>
+                <a:spcPts val="0"/>
+              </a:spcBef>
+              <a:spcAft>
+                <a:spcPts val="0"/>
+              </a:spcAft>
+              <a:buNone/>
+            </a:pPr>
+            <a:endParaRPr/>
+          </a:p>
+        </p:txBody>
+      </p:sp>
+      <p:pic>
+        <p:nvPicPr>
+          <p:cNvPr id="116" name="Google Shape;116;p20">
+            <a:extLst>
+              <a:ext uri="{FF2B5EF4-FFF2-40B4-BE49-F238E27FC236}">
+                <a16:creationId xmlns:a16="http://schemas.microsoft.com/office/drawing/2014/main" id="{C274503A-025B-C2A8-C1C7-1B4EF5CEB29B}"/>
+              </a:ext>
+            </a:extLst>
+          </p:cNvPr>
+          <p:cNvPicPr preferRelativeResize="0"/>
+          <p:nvPr/>
+        </p:nvPicPr>
+        <p:blipFill>
+          <a:blip r:embed="rId3">
+            <a:alphaModFix/>
+          </a:blip>
+          <a:stretch>
+            <a:fillRect/>
+          </a:stretch>
+        </p:blipFill>
+        <p:spPr>
+          <a:xfrm>
+            <a:off x="8469575" y="-4"/>
+            <a:ext cx="674425" cy="340550"/>
+          </a:xfrm>
+          <a:prstGeom prst="rect">
+            <a:avLst/>
+          </a:prstGeom>
+          <a:noFill/>
+          <a:ln>
+            <a:noFill/>
+          </a:ln>
+        </p:spPr>
+      </p:pic>
+    </p:spTree>
+    <p:extLst>
+      <p:ext uri="{BB962C8B-B14F-4D97-AF65-F5344CB8AC3E}">
+        <p14:creationId xmlns:p14="http://schemas.microsoft.com/office/powerpoint/2010/main" val="1877879800"/>
+      </p:ext>
+    </p:extLst>
+  </p:cSld>
+  <p:clrMapOvr>
+    <a:masterClrMapping/>
+  </p:clrMapOvr>
+</p:sld>
+</file>
+
+<file path=ppt/slides/slide19.xml><?xml version="1.0" encoding="utf-8"?>
 <p:sld xmlns:a="http://schemas.openxmlformats.org/drawingml/2006/main" xmlns:r="http://schemas.openxmlformats.org/officeDocument/2006/relationships" xmlns:p="http://schemas.openxmlformats.org/presentationml/2006/main">
   <p:cSld>
     <p:spTree>
@@ -10385,7 +12969,7 @@
         <p:spPr>
           <a:xfrm>
             <a:off x="434775" y="1085525"/>
-            <a:ext cx="8320500" cy="1085100"/>
+            <a:ext cx="8366588" cy="4263445"/>
           </a:xfrm>
           <a:prstGeom prst="rect">
             <a:avLst/>
@@ -10401,25 +12985,16 @@
           </a:bodyPr>
           <a:lstStyle/>
           <a:p>
-            <a:pPr marL="457200" lvl="0" indent="-342900" algn="l" rtl="0">
-              <a:lnSpc>
-                <a:spcPct val="115000"/>
-              </a:lnSpc>
-              <a:spcBef>
-                <a:spcPts val="0"/>
-              </a:spcBef>
-              <a:spcAft>
-                <a:spcPts val="0"/>
-              </a:spcAft>
+            <a:pPr marL="285750" indent="-285750">
               <a:buClr>
                 <a:srgbClr val="0D0D0D"/>
               </a:buClr>
               <a:buSzPts val="1800"/>
-              <a:buFont typeface="Montserrat"/>
-              <a:buChar char="●"/>
+              <a:buFont typeface="Calibri"/>
+              <a:buChar char="-"/>
             </a:pPr>
             <a:r>
-              <a:rPr lang="fr" sz="1500">
+              <a:rPr lang="fr" dirty="0">
                 <a:solidFill>
                   <a:srgbClr val="0D0D0D"/>
                 </a:solidFill>
@@ -10428,12 +13003,345 @@
                 </a:highlight>
                 <a:latin typeface="Montserrat"/>
                 <a:ea typeface="Montserrat"/>
-                <a:cs typeface="Montserrat"/>
                 <a:sym typeface="Montserrat"/>
               </a:rPr>
-              <a:t>Résumé des points clés de la présentation</a:t>
-            </a:r>
-            <a:endParaRPr sz="1800">
+              <a:t>Le projet </a:t>
+            </a:r>
+            <a:r>
+              <a:rPr lang="fr" b="1" dirty="0">
+                <a:solidFill>
+                  <a:srgbClr val="0D0D0D"/>
+                </a:solidFill>
+                <a:highlight>
+                  <a:srgbClr val="FFFFFF"/>
+                </a:highlight>
+                <a:latin typeface="Montserrat"/>
+                <a:ea typeface="Montserrat"/>
+                <a:sym typeface="Montserrat"/>
+              </a:rPr>
+              <a:t>Menu Maker by </a:t>
+            </a:r>
+            <a:r>
+              <a:rPr lang="fr" b="1" err="1">
+                <a:solidFill>
+                  <a:srgbClr val="0D0D0D"/>
+                </a:solidFill>
+                <a:highlight>
+                  <a:srgbClr val="FFFFFF"/>
+                </a:highlight>
+                <a:latin typeface="Montserrat"/>
+                <a:ea typeface="Montserrat"/>
+                <a:sym typeface="Montserrat"/>
+              </a:rPr>
+              <a:t>Qwenta</a:t>
+            </a:r>
+            <a:r>
+              <a:rPr lang="fr" dirty="0">
+                <a:solidFill>
+                  <a:srgbClr val="0D0D0D"/>
+                </a:solidFill>
+                <a:highlight>
+                  <a:srgbClr val="FFFFFF"/>
+                </a:highlight>
+                <a:latin typeface="Montserrat"/>
+                <a:ea typeface="Montserrat"/>
+                <a:sym typeface="Montserrat"/>
+              </a:rPr>
+              <a:t> vise à offrir aux restaurateurs un outil moderne et intuitif pour créer, personnaliser et diffuser leurs menus facilement.</a:t>
+            </a:r>
+            <a:endParaRPr lang="fr" dirty="0">
+              <a:solidFill>
+                <a:srgbClr val="0D0D0D"/>
+              </a:solidFill>
+              <a:highlight>
+                <a:srgbClr val="FFFFFF"/>
+              </a:highlight>
+              <a:latin typeface="Montserrat"/>
+              <a:ea typeface="Montserrat"/>
+            </a:endParaRPr>
+          </a:p>
+          <a:p>
+            <a:pPr marL="285750" indent="-285750">
+              <a:buClr>
+                <a:srgbClr val="0D0D0D"/>
+              </a:buClr>
+              <a:buSzPts val="1800"/>
+              <a:buFont typeface="Calibri"/>
+              <a:buChar char="-"/>
+            </a:pPr>
+            <a:endParaRPr lang="fr" dirty="0">
+              <a:solidFill>
+                <a:srgbClr val="0D0D0D"/>
+              </a:solidFill>
+              <a:highlight>
+                <a:srgbClr val="FFFFFF"/>
+              </a:highlight>
+              <a:latin typeface="Montserrat"/>
+              <a:ea typeface="Montserrat"/>
+            </a:endParaRPr>
+          </a:p>
+          <a:p>
+            <a:pPr marL="285750" indent="-285750">
+              <a:buSzPts val="1800"/>
+              <a:buFont typeface="Calibri"/>
+              <a:buChar char="-"/>
+            </a:pPr>
+            <a:r>
+              <a:rPr lang="fr" dirty="0">
+                <a:solidFill>
+                  <a:srgbClr val="0D0D0D"/>
+                </a:solidFill>
+                <a:highlight>
+                  <a:srgbClr val="FFFFFF"/>
+                </a:highlight>
+                <a:latin typeface="Montserrat"/>
+                <a:ea typeface="Montserrat"/>
+                <a:sym typeface="Montserrat"/>
+              </a:rPr>
+              <a:t>La démarche a reposé sur une analyse fonctionnelle détaillée, la définition de spécifications techniques adaptées, et une gestion de projet Agile organisée via un Kanban.</a:t>
+            </a:r>
+            <a:endParaRPr lang="fr">
+              <a:latin typeface="Montserrat"/>
+              <a:ea typeface="Montserrat"/>
+            </a:endParaRPr>
+          </a:p>
+          <a:p>
+            <a:pPr marL="285750" indent="-285750">
+              <a:buSzPts val="1800"/>
+              <a:buFont typeface="Calibri"/>
+              <a:buChar char="-"/>
+            </a:pPr>
+            <a:endParaRPr lang="fr" dirty="0">
+              <a:solidFill>
+                <a:srgbClr val="0D0D0D"/>
+              </a:solidFill>
+              <a:highlight>
+                <a:srgbClr val="FFFFFF"/>
+              </a:highlight>
+              <a:latin typeface="Montserrat"/>
+            </a:endParaRPr>
+          </a:p>
+          <a:p>
+            <a:pPr marL="285750" indent="-285750">
+              <a:buSzPts val="1800"/>
+              <a:buFont typeface="Calibri"/>
+              <a:buChar char="-"/>
+            </a:pPr>
+            <a:r>
+              <a:rPr lang="fr" dirty="0">
+                <a:solidFill>
+                  <a:srgbClr val="0D0D0D"/>
+                </a:solidFill>
+                <a:highlight>
+                  <a:srgbClr val="FFFFFF"/>
+                </a:highlight>
+                <a:latin typeface="Montserrat"/>
+                <a:ea typeface="Montserrat"/>
+                <a:sym typeface="Montserrat"/>
+              </a:rPr>
+              <a:t>Les choix technologiques (</a:t>
+            </a:r>
+            <a:r>
+              <a:rPr lang="fr" err="1">
+                <a:solidFill>
+                  <a:srgbClr val="0D0D0D"/>
+                </a:solidFill>
+                <a:highlight>
+                  <a:srgbClr val="FFFFFF"/>
+                </a:highlight>
+                <a:latin typeface="Montserrat"/>
+                <a:ea typeface="Montserrat"/>
+                <a:sym typeface="Montserrat"/>
+              </a:rPr>
+              <a:t>React</a:t>
+            </a:r>
+            <a:r>
+              <a:rPr lang="fr" dirty="0">
+                <a:solidFill>
+                  <a:srgbClr val="0D0D0D"/>
+                </a:solidFill>
+                <a:highlight>
+                  <a:srgbClr val="FFFFFF"/>
+                </a:highlight>
+                <a:latin typeface="Montserrat"/>
+                <a:ea typeface="Montserrat"/>
+                <a:sym typeface="Montserrat"/>
+              </a:rPr>
+              <a:t>, Node.js, </a:t>
+            </a:r>
+            <a:r>
+              <a:rPr lang="fr" err="1">
+                <a:solidFill>
+                  <a:srgbClr val="0D0D0D"/>
+                </a:solidFill>
+                <a:highlight>
+                  <a:srgbClr val="FFFFFF"/>
+                </a:highlight>
+                <a:latin typeface="Montserrat"/>
+                <a:ea typeface="Montserrat"/>
+                <a:sym typeface="Montserrat"/>
+              </a:rPr>
+              <a:t>Firebase</a:t>
+            </a:r>
+            <a:r>
+              <a:rPr lang="fr" dirty="0">
+                <a:solidFill>
+                  <a:srgbClr val="0D0D0D"/>
+                </a:solidFill>
+                <a:highlight>
+                  <a:srgbClr val="FFFFFF"/>
+                </a:highlight>
+                <a:latin typeface="Montserrat"/>
+                <a:ea typeface="Montserrat"/>
+                <a:sym typeface="Montserrat"/>
+              </a:rPr>
+              <a:t>, MongoDB, </a:t>
+            </a:r>
+            <a:r>
+              <a:rPr lang="fr" err="1">
+                <a:solidFill>
+                  <a:srgbClr val="0D0D0D"/>
+                </a:solidFill>
+                <a:highlight>
+                  <a:srgbClr val="FFFFFF"/>
+                </a:highlight>
+                <a:latin typeface="Montserrat"/>
+                <a:ea typeface="Montserrat"/>
+                <a:sym typeface="Montserrat"/>
+              </a:rPr>
+              <a:t>Tailwind</a:t>
+            </a:r>
+            <a:r>
+              <a:rPr lang="fr" dirty="0">
+                <a:solidFill>
+                  <a:srgbClr val="0D0D0D"/>
+                </a:solidFill>
+                <a:highlight>
+                  <a:srgbClr val="FFFFFF"/>
+                </a:highlight>
+                <a:latin typeface="Montserrat"/>
+                <a:ea typeface="Montserrat"/>
+                <a:sym typeface="Montserrat"/>
+              </a:rPr>
+              <a:t> CSS…) garantissent une solution à la fois performante, évolutive et accessible.</a:t>
+            </a:r>
+            <a:endParaRPr lang="fr" dirty="0">
+              <a:solidFill>
+                <a:srgbClr val="0D0D0D"/>
+              </a:solidFill>
+              <a:highlight>
+                <a:srgbClr val="FFFFFF"/>
+              </a:highlight>
+              <a:latin typeface="Montserrat"/>
+            </a:endParaRPr>
+          </a:p>
+          <a:p>
+            <a:pPr marL="285750" indent="-285750">
+              <a:buSzPts val="1800"/>
+              <a:buFont typeface="Calibri"/>
+              <a:buChar char="-"/>
+            </a:pPr>
+            <a:endParaRPr lang="fr" dirty="0">
+              <a:solidFill>
+                <a:srgbClr val="0D0D0D"/>
+              </a:solidFill>
+              <a:highlight>
+                <a:srgbClr val="FFFFFF"/>
+              </a:highlight>
+              <a:latin typeface="Montserrat"/>
+              <a:ea typeface="Montserrat"/>
+            </a:endParaRPr>
+          </a:p>
+          <a:p>
+            <a:pPr marL="285750" indent="-285750">
+              <a:buSzPts val="1800"/>
+              <a:buFont typeface="Calibri"/>
+              <a:buChar char="-"/>
+            </a:pPr>
+            <a:r>
+              <a:rPr lang="fr" dirty="0">
+                <a:solidFill>
+                  <a:srgbClr val="0D0D0D"/>
+                </a:solidFill>
+                <a:highlight>
+                  <a:srgbClr val="FFFFFF"/>
+                </a:highlight>
+                <a:latin typeface="Montserrat"/>
+                <a:ea typeface="Montserrat"/>
+                <a:sym typeface="Montserrat"/>
+              </a:rPr>
+              <a:t>La veille technologique a permis d’intégrer les meilleures pratiques et les outils les plus récents du marché.</a:t>
+            </a:r>
+            <a:endParaRPr lang="fr" dirty="0">
+              <a:solidFill>
+                <a:srgbClr val="0D0D0D"/>
+              </a:solidFill>
+              <a:highlight>
+                <a:srgbClr val="FFFFFF"/>
+              </a:highlight>
+              <a:latin typeface="Montserrat"/>
+            </a:endParaRPr>
+          </a:p>
+          <a:p>
+            <a:pPr marL="285750" indent="-285750">
+              <a:buSzPts val="1800"/>
+              <a:buFont typeface="Calibri"/>
+              <a:buChar char="-"/>
+            </a:pPr>
+            <a:endParaRPr lang="fr" dirty="0">
+              <a:solidFill>
+                <a:srgbClr val="0D0D0D"/>
+              </a:solidFill>
+              <a:highlight>
+                <a:srgbClr val="FFFFFF"/>
+              </a:highlight>
+              <a:latin typeface="Montserrat"/>
+              <a:ea typeface="Montserrat"/>
+            </a:endParaRPr>
+          </a:p>
+          <a:p>
+            <a:pPr marL="285750" indent="-285750">
+              <a:buSzPts val="1800"/>
+              <a:buFont typeface="Calibri"/>
+              <a:buChar char="-"/>
+            </a:pPr>
+            <a:r>
+              <a:rPr lang="fr" dirty="0">
+                <a:solidFill>
+                  <a:srgbClr val="0D0D0D"/>
+                </a:solidFill>
+                <a:highlight>
+                  <a:srgbClr val="FFFFFF"/>
+                </a:highlight>
+                <a:latin typeface="Montserrat"/>
+                <a:ea typeface="Montserrat"/>
+                <a:sym typeface="Montserrat"/>
+              </a:rPr>
+              <a:t>Ce cadrage prépare la suite du développement pour garantir un déploiement rapide et une expérience utilisateur optimale.</a:t>
+            </a:r>
+            <a:endParaRPr lang="fr" dirty="0">
+              <a:latin typeface="Montserrat"/>
+            </a:endParaRPr>
+          </a:p>
+          <a:p>
+            <a:pPr marL="457200" lvl="0" indent="-342900" algn="l">
+              <a:lnSpc>
+                <a:spcPct val="114999"/>
+              </a:lnSpc>
+              <a:spcBef>
+                <a:spcPts val="0"/>
+              </a:spcBef>
+              <a:spcAft>
+                <a:spcPts val="0"/>
+              </a:spcAft>
+              <a:buClr>
+                <a:srgbClr val="0D0D0D"/>
+              </a:buClr>
+              <a:buSzPts val="1800"/>
+              <a:buFont typeface="Calibri"/>
+              <a:buChar char="-"/>
+            </a:pPr>
+            <a:endParaRPr lang="fr" sz="1500" dirty="0">
               <a:solidFill>
                 <a:srgbClr val="0D0D0D"/>
               </a:solidFill>
@@ -10443,7 +13351,6 @@
               <a:latin typeface="Montserrat"/>
               <a:ea typeface="Montserrat"/>
               <a:cs typeface="Montserrat"/>
-              <a:sym typeface="Montserrat"/>
             </a:endParaRPr>
           </a:p>
           <a:p>
@@ -10532,171 +13439,6 @@
       <p:pic>
         <p:nvPicPr>
           <p:cNvPr id="126" name="Google Shape;126;p21"/>
-          <p:cNvPicPr preferRelativeResize="0"/>
-          <p:nvPr/>
-        </p:nvPicPr>
-        <p:blipFill>
-          <a:blip r:embed="rId3">
-            <a:alphaModFix/>
-          </a:blip>
-          <a:stretch>
-            <a:fillRect/>
-          </a:stretch>
-        </p:blipFill>
-        <p:spPr>
-          <a:xfrm>
-            <a:off x="8469575" y="-4"/>
-            <a:ext cx="674425" cy="340550"/>
-          </a:xfrm>
-          <a:prstGeom prst="rect">
-            <a:avLst/>
-          </a:prstGeom>
-          <a:noFill/>
-          <a:ln>
-            <a:noFill/>
-          </a:ln>
-        </p:spPr>
-      </p:pic>
-    </p:spTree>
-  </p:cSld>
-  <p:clrMapOvr>
-    <a:masterClrMapping/>
-  </p:clrMapOvr>
-</p:sld>
-</file>
-
-<file path=ppt/slides/slide17.xml><?xml version="1.0" encoding="utf-8"?>
-<p:sld xmlns:a="http://schemas.openxmlformats.org/drawingml/2006/main" xmlns:r="http://schemas.openxmlformats.org/officeDocument/2006/relationships" xmlns:p="http://schemas.openxmlformats.org/presentationml/2006/main">
-  <p:cSld>
-    <p:bg>
-      <p:bgPr>
-        <a:solidFill>
-          <a:srgbClr val="FCE5CD"/>
-        </a:solidFill>
-        <a:effectLst/>
-      </p:bgPr>
-    </p:bg>
-    <p:spTree>
-      <p:nvGrpSpPr>
-        <p:cNvPr id="1" name="Shape 130"/>
-        <p:cNvGrpSpPr/>
-        <p:nvPr/>
-      </p:nvGrpSpPr>
-      <p:grpSpPr>
-        <a:xfrm>
-          <a:off x="0" y="0"/>
-          <a:ext cx="0" cy="0"/>
-          <a:chOff x="0" y="0"/>
-          <a:chExt cx="0" cy="0"/>
-        </a:xfrm>
-      </p:grpSpPr>
-      <p:sp>
-        <p:nvSpPr>
-          <p:cNvPr id="131" name="Google Shape;131;p22"/>
-          <p:cNvSpPr txBox="1"/>
-          <p:nvPr/>
-        </p:nvSpPr>
-        <p:spPr>
-          <a:xfrm>
-            <a:off x="2411475" y="2125800"/>
-            <a:ext cx="4222200" cy="801900"/>
-          </a:xfrm>
-          <a:prstGeom prst="rect">
-            <a:avLst/>
-          </a:prstGeom>
-          <a:noFill/>
-          <a:ln>
-            <a:noFill/>
-          </a:ln>
-        </p:spPr>
-        <p:txBody>
-          <a:bodyPr spcFirstLastPara="1" wrap="square" lIns="91425" tIns="91425" rIns="91425" bIns="91425" anchor="t" anchorCtr="0">
-            <a:noAutofit/>
-          </a:bodyPr>
-          <a:lstStyle/>
-          <a:p>
-            <a:pPr marL="0" lvl="0" indent="0" algn="ctr" rtl="0">
-              <a:spcBef>
-                <a:spcPts val="0"/>
-              </a:spcBef>
-              <a:spcAft>
-                <a:spcPts val="0"/>
-              </a:spcAft>
-              <a:buNone/>
-            </a:pPr>
-            <a:r>
-              <a:rPr lang="fr" sz="3500">
-                <a:solidFill>
-                  <a:schemeClr val="dk1"/>
-                </a:solidFill>
-                <a:latin typeface="Montserrat"/>
-                <a:ea typeface="Montserrat"/>
-                <a:cs typeface="Montserrat"/>
-                <a:sym typeface="Montserrat"/>
-              </a:rPr>
-              <a:t>QUESTIONS ?</a:t>
-            </a:r>
-            <a:endParaRPr sz="3500">
-              <a:solidFill>
-                <a:schemeClr val="dk1"/>
-              </a:solidFill>
-              <a:latin typeface="Montserrat"/>
-              <a:ea typeface="Montserrat"/>
-              <a:cs typeface="Montserrat"/>
-              <a:sym typeface="Montserrat"/>
-            </a:endParaRPr>
-          </a:p>
-        </p:txBody>
-      </p:sp>
-      <p:sp>
-        <p:nvSpPr>
-          <p:cNvPr id="132" name="Google Shape;132;p22"/>
-          <p:cNvSpPr txBox="1"/>
-          <p:nvPr/>
-        </p:nvSpPr>
-        <p:spPr>
-          <a:xfrm>
-            <a:off x="115175" y="118275"/>
-            <a:ext cx="2384700" cy="280200"/>
-          </a:xfrm>
-          <a:prstGeom prst="rect">
-            <a:avLst/>
-          </a:prstGeom>
-          <a:noFill/>
-          <a:ln>
-            <a:noFill/>
-          </a:ln>
-        </p:spPr>
-        <p:txBody>
-          <a:bodyPr spcFirstLastPara="1" wrap="square" lIns="91425" tIns="91425" rIns="91425" bIns="91425" anchor="t" anchorCtr="0">
-            <a:noAutofit/>
-          </a:bodyPr>
-          <a:lstStyle/>
-          <a:p>
-            <a:pPr marL="0" lvl="0" indent="0" algn="l" rtl="0">
-              <a:spcBef>
-                <a:spcPts val="0"/>
-              </a:spcBef>
-              <a:spcAft>
-                <a:spcPts val="0"/>
-              </a:spcAft>
-              <a:buNone/>
-            </a:pPr>
-            <a:endParaRPr sz="1500">
-              <a:solidFill>
-                <a:schemeClr val="dk1"/>
-              </a:solidFill>
-              <a:latin typeface="Montserrat"/>
-              <a:ea typeface="Montserrat"/>
-              <a:cs typeface="Montserrat"/>
-              <a:sym typeface="Montserrat"/>
-            </a:endParaRPr>
-          </a:p>
-        </p:txBody>
-      </p:sp>
-      <p:pic>
-        <p:nvPicPr>
-          <p:cNvPr id="133" name="Google Shape;133;p22"/>
           <p:cNvPicPr preferRelativeResize="0"/>
           <p:nvPr/>
         </p:nvPicPr>
@@ -11219,6 +13961,171 @@
       <p:pic>
         <p:nvPicPr>
           <p:cNvPr id="63" name="Google Shape;63;p14"/>
+          <p:cNvPicPr preferRelativeResize="0"/>
+          <p:nvPr/>
+        </p:nvPicPr>
+        <p:blipFill>
+          <a:blip r:embed="rId3">
+            <a:alphaModFix/>
+          </a:blip>
+          <a:stretch>
+            <a:fillRect/>
+          </a:stretch>
+        </p:blipFill>
+        <p:spPr>
+          <a:xfrm>
+            <a:off x="8469575" y="-4"/>
+            <a:ext cx="674425" cy="340550"/>
+          </a:xfrm>
+          <a:prstGeom prst="rect">
+            <a:avLst/>
+          </a:prstGeom>
+          <a:noFill/>
+          <a:ln>
+            <a:noFill/>
+          </a:ln>
+        </p:spPr>
+      </p:pic>
+    </p:spTree>
+  </p:cSld>
+  <p:clrMapOvr>
+    <a:masterClrMapping/>
+  </p:clrMapOvr>
+</p:sld>
+</file>
+
+<file path=ppt/slides/slide20.xml><?xml version="1.0" encoding="utf-8"?>
+<p:sld xmlns:a="http://schemas.openxmlformats.org/drawingml/2006/main" xmlns:r="http://schemas.openxmlformats.org/officeDocument/2006/relationships" xmlns:p="http://schemas.openxmlformats.org/presentationml/2006/main">
+  <p:cSld>
+    <p:bg>
+      <p:bgPr>
+        <a:solidFill>
+          <a:srgbClr val="FCE5CD"/>
+        </a:solidFill>
+        <a:effectLst/>
+      </p:bgPr>
+    </p:bg>
+    <p:spTree>
+      <p:nvGrpSpPr>
+        <p:cNvPr id="1" name="Shape 130"/>
+        <p:cNvGrpSpPr/>
+        <p:nvPr/>
+      </p:nvGrpSpPr>
+      <p:grpSpPr>
+        <a:xfrm>
+          <a:off x="0" y="0"/>
+          <a:ext cx="0" cy="0"/>
+          <a:chOff x="0" y="0"/>
+          <a:chExt cx="0" cy="0"/>
+        </a:xfrm>
+      </p:grpSpPr>
+      <p:sp>
+        <p:nvSpPr>
+          <p:cNvPr id="131" name="Google Shape;131;p22"/>
+          <p:cNvSpPr txBox="1"/>
+          <p:nvPr/>
+        </p:nvSpPr>
+        <p:spPr>
+          <a:xfrm>
+            <a:off x="2411475" y="2125800"/>
+            <a:ext cx="4222200" cy="801900"/>
+          </a:xfrm>
+          <a:prstGeom prst="rect">
+            <a:avLst/>
+          </a:prstGeom>
+          <a:noFill/>
+          <a:ln>
+            <a:noFill/>
+          </a:ln>
+        </p:spPr>
+        <p:txBody>
+          <a:bodyPr spcFirstLastPara="1" wrap="square" lIns="91425" tIns="91425" rIns="91425" bIns="91425" anchor="t" anchorCtr="0">
+            <a:noAutofit/>
+          </a:bodyPr>
+          <a:lstStyle/>
+          <a:p>
+            <a:pPr marL="0" lvl="0" indent="0" algn="ctr" rtl="0">
+              <a:spcBef>
+                <a:spcPts val="0"/>
+              </a:spcBef>
+              <a:spcAft>
+                <a:spcPts val="0"/>
+              </a:spcAft>
+              <a:buNone/>
+            </a:pPr>
+            <a:r>
+              <a:rPr lang="fr" sz="3500">
+                <a:solidFill>
+                  <a:schemeClr val="dk1"/>
+                </a:solidFill>
+                <a:latin typeface="Montserrat"/>
+                <a:ea typeface="Montserrat"/>
+                <a:cs typeface="Montserrat"/>
+                <a:sym typeface="Montserrat"/>
+              </a:rPr>
+              <a:t>QUESTIONS ?</a:t>
+            </a:r>
+            <a:endParaRPr sz="3500">
+              <a:solidFill>
+                <a:schemeClr val="dk1"/>
+              </a:solidFill>
+              <a:latin typeface="Montserrat"/>
+              <a:ea typeface="Montserrat"/>
+              <a:cs typeface="Montserrat"/>
+              <a:sym typeface="Montserrat"/>
+            </a:endParaRPr>
+          </a:p>
+        </p:txBody>
+      </p:sp>
+      <p:sp>
+        <p:nvSpPr>
+          <p:cNvPr id="132" name="Google Shape;132;p22"/>
+          <p:cNvSpPr txBox="1"/>
+          <p:nvPr/>
+        </p:nvSpPr>
+        <p:spPr>
+          <a:xfrm>
+            <a:off x="115175" y="118275"/>
+            <a:ext cx="2384700" cy="280200"/>
+          </a:xfrm>
+          <a:prstGeom prst="rect">
+            <a:avLst/>
+          </a:prstGeom>
+          <a:noFill/>
+          <a:ln>
+            <a:noFill/>
+          </a:ln>
+        </p:spPr>
+        <p:txBody>
+          <a:bodyPr spcFirstLastPara="1" wrap="square" lIns="91425" tIns="91425" rIns="91425" bIns="91425" anchor="t" anchorCtr="0">
+            <a:noAutofit/>
+          </a:bodyPr>
+          <a:lstStyle/>
+          <a:p>
+            <a:pPr marL="0" lvl="0" indent="0" algn="l" rtl="0">
+              <a:spcBef>
+                <a:spcPts val="0"/>
+              </a:spcBef>
+              <a:spcAft>
+                <a:spcPts val="0"/>
+              </a:spcAft>
+              <a:buNone/>
+            </a:pPr>
+            <a:endParaRPr sz="1500">
+              <a:solidFill>
+                <a:schemeClr val="dk1"/>
+              </a:solidFill>
+              <a:latin typeface="Montserrat"/>
+              <a:ea typeface="Montserrat"/>
+              <a:cs typeface="Montserrat"/>
+              <a:sym typeface="Montserrat"/>
+            </a:endParaRPr>
+          </a:p>
+        </p:txBody>
+      </p:sp>
+      <p:pic>
+        <p:nvPicPr>
+          <p:cNvPr id="133" name="Google Shape;133;p22"/>
           <p:cNvPicPr preferRelativeResize="0"/>
           <p:nvPr/>
         </p:nvPicPr>
@@ -13069,7 +15976,7 @@
         </p:nvSpPr>
         <p:spPr>
           <a:xfrm>
-            <a:off x="5992091" y="710044"/>
+            <a:off x="5982873" y="783786"/>
             <a:ext cx="3158835" cy="3570208"/>
           </a:xfrm>
           <a:prstGeom prst="rect">
